--- a/modflo.pptx
+++ b/modflo.pptx
@@ -108,6 +108,11 @@
       </a:defRPr>
     </a:lvl9pPr>
   </p:defaultTextStyle>
+  <p:extLst>
+    <p:ext uri="{EFAFB233-063F-42B5-8137-9DF3F51BA10A}">
+      <p15:sldGuideLst xmlns:p15="http://schemas.microsoft.com/office/powerpoint/2012/main"/>
+    </p:ext>
+  </p:extLst>
 </p:presentation>
 </file>
 
@@ -258,7 +263,7 @@
           <a:p>
             <a:fld id="{D1029F79-62DB-4FD8-BEE8-0ED5EB890857}" type="datetimeFigureOut">
               <a:rPr lang="en-US" smtClean="0"/>
-              <a:t>5/2/2018</a:t>
+              <a:t>5/3/2018</a:t>
             </a:fld>
             <a:endParaRPr lang="en-US"/>
           </a:p>
@@ -456,7 +461,7 @@
           <a:p>
             <a:fld id="{D1029F79-62DB-4FD8-BEE8-0ED5EB890857}" type="datetimeFigureOut">
               <a:rPr lang="en-US" smtClean="0"/>
-              <a:t>5/2/2018</a:t>
+              <a:t>5/3/2018</a:t>
             </a:fld>
             <a:endParaRPr lang="en-US"/>
           </a:p>
@@ -664,7 +669,7 @@
           <a:p>
             <a:fld id="{D1029F79-62DB-4FD8-BEE8-0ED5EB890857}" type="datetimeFigureOut">
               <a:rPr lang="en-US" smtClean="0"/>
-              <a:t>5/2/2018</a:t>
+              <a:t>5/3/2018</a:t>
             </a:fld>
             <a:endParaRPr lang="en-US"/>
           </a:p>
@@ -862,7 +867,7 @@
           <a:p>
             <a:fld id="{D1029F79-62DB-4FD8-BEE8-0ED5EB890857}" type="datetimeFigureOut">
               <a:rPr lang="en-US" smtClean="0"/>
-              <a:t>5/2/2018</a:t>
+              <a:t>5/3/2018</a:t>
             </a:fld>
             <a:endParaRPr lang="en-US"/>
           </a:p>
@@ -1137,7 +1142,7 @@
           <a:p>
             <a:fld id="{D1029F79-62DB-4FD8-BEE8-0ED5EB890857}" type="datetimeFigureOut">
               <a:rPr lang="en-US" smtClean="0"/>
-              <a:t>5/2/2018</a:t>
+              <a:t>5/3/2018</a:t>
             </a:fld>
             <a:endParaRPr lang="en-US"/>
           </a:p>
@@ -1402,7 +1407,7 @@
           <a:p>
             <a:fld id="{D1029F79-62DB-4FD8-BEE8-0ED5EB890857}" type="datetimeFigureOut">
               <a:rPr lang="en-US" smtClean="0"/>
-              <a:t>5/2/2018</a:t>
+              <a:t>5/3/2018</a:t>
             </a:fld>
             <a:endParaRPr lang="en-US"/>
           </a:p>
@@ -1814,7 +1819,7 @@
           <a:p>
             <a:fld id="{D1029F79-62DB-4FD8-BEE8-0ED5EB890857}" type="datetimeFigureOut">
               <a:rPr lang="en-US" smtClean="0"/>
-              <a:t>5/2/2018</a:t>
+              <a:t>5/3/2018</a:t>
             </a:fld>
             <a:endParaRPr lang="en-US"/>
           </a:p>
@@ -1955,7 +1960,7 @@
           <a:p>
             <a:fld id="{D1029F79-62DB-4FD8-BEE8-0ED5EB890857}" type="datetimeFigureOut">
               <a:rPr lang="en-US" smtClean="0"/>
-              <a:t>5/2/2018</a:t>
+              <a:t>5/3/2018</a:t>
             </a:fld>
             <a:endParaRPr lang="en-US"/>
           </a:p>
@@ -2068,7 +2073,7 @@
           <a:p>
             <a:fld id="{D1029F79-62DB-4FD8-BEE8-0ED5EB890857}" type="datetimeFigureOut">
               <a:rPr lang="en-US" smtClean="0"/>
-              <a:t>5/2/2018</a:t>
+              <a:t>5/3/2018</a:t>
             </a:fld>
             <a:endParaRPr lang="en-US"/>
           </a:p>
@@ -2379,7 +2384,7 @@
           <a:p>
             <a:fld id="{D1029F79-62DB-4FD8-BEE8-0ED5EB890857}" type="datetimeFigureOut">
               <a:rPr lang="en-US" smtClean="0"/>
-              <a:t>5/2/2018</a:t>
+              <a:t>5/3/2018</a:t>
             </a:fld>
             <a:endParaRPr lang="en-US"/>
           </a:p>
@@ -2667,7 +2672,7 @@
           <a:p>
             <a:fld id="{D1029F79-62DB-4FD8-BEE8-0ED5EB890857}" type="datetimeFigureOut">
               <a:rPr lang="en-US" smtClean="0"/>
-              <a:t>5/2/2018</a:t>
+              <a:t>5/3/2018</a:t>
             </a:fld>
             <a:endParaRPr lang="en-US"/>
           </a:p>
@@ -2908,7 +2913,7 @@
           <a:p>
             <a:fld id="{D1029F79-62DB-4FD8-BEE8-0ED5EB890857}" type="datetimeFigureOut">
               <a:rPr lang="en-US" smtClean="0"/>
-              <a:t>5/2/2018</a:t>
+              <a:t>5/3/2018</a:t>
             </a:fld>
             <a:endParaRPr lang="en-US"/>
           </a:p>
@@ -3953,8 +3958,8 @@
               </a:p>
             </p:txBody>
           </p:sp>
-          <mc:AlternateContent xmlns:mc="http://schemas.openxmlformats.org/markup-compatibility/2006">
-            <mc:Choice xmlns:a14="http://schemas.microsoft.com/office/drawing/2010/main" Requires="a14">
+          <mc:AlternateContent xmlns:mc="http://schemas.openxmlformats.org/markup-compatibility/2006" xmlns:a14="http://schemas.microsoft.com/office/drawing/2010/main">
+            <mc:Choice Requires="a14">
               <p:sp>
                 <p:nvSpPr>
                   <p:cNvPr id="20" name="TextBox 19">
@@ -3997,7 +4002,7 @@
                             <m:accPr>
                               <m:chr m:val="̂"/>
                               <m:ctrlPr>
-                                <a:rPr lang="en-US" smtClean="0">
+                                <a:rPr lang="en-US" i="1" smtClean="0">
                                   <a:latin typeface="Cambria Math" panose="02040503050406030204" pitchFamily="18" charset="0"/>
                                 </a:rPr>
                               </m:ctrlPr>
@@ -4025,7 +4030,7 @@
                 </p:txBody>
               </p:sp>
             </mc:Choice>
-            <mc:Fallback>
+            <mc:Fallback xmlns="">
               <p:sp>
                 <p:nvSpPr>
                   <p:cNvPr id="20" name="TextBox 19">
@@ -4159,8 +4164,8 @@
               </a:p>
             </p:txBody>
           </p:sp>
-          <mc:AlternateContent xmlns:mc="http://schemas.openxmlformats.org/markup-compatibility/2006">
-            <mc:Choice xmlns:a14="http://schemas.microsoft.com/office/drawing/2010/main" Requires="a14">
+          <mc:AlternateContent xmlns:mc="http://schemas.openxmlformats.org/markup-compatibility/2006" xmlns:a14="http://schemas.microsoft.com/office/drawing/2010/main">
+            <mc:Choice Requires="a14">
               <p:sp>
                 <p:nvSpPr>
                   <p:cNvPr id="22" name="TextBox 21">
@@ -4203,7 +4208,7 @@
                             <m:accPr>
                               <m:chr m:val="̂"/>
                               <m:ctrlPr>
-                                <a:rPr lang="en-US" smtClean="0">
+                                <a:rPr lang="en-US" i="1" smtClean="0">
                                   <a:latin typeface="Cambria Math" panose="02040503050406030204" pitchFamily="18" charset="0"/>
                                 </a:rPr>
                               </m:ctrlPr>
@@ -4231,7 +4236,7 @@
                 </p:txBody>
               </p:sp>
             </mc:Choice>
-            <mc:Fallback>
+            <mc:Fallback xmlns="">
               <p:sp>
                 <p:nvSpPr>
                   <p:cNvPr id="22" name="TextBox 21">
@@ -5353,8 +5358,8 @@
               </a:p>
             </p:txBody>
           </p:sp>
-          <mc:AlternateContent xmlns:mc="http://schemas.openxmlformats.org/markup-compatibility/2006">
-            <mc:Choice xmlns:a14="http://schemas.microsoft.com/office/drawing/2010/main" Requires="a14">
+          <mc:AlternateContent xmlns:mc="http://schemas.openxmlformats.org/markup-compatibility/2006" xmlns:a14="http://schemas.microsoft.com/office/drawing/2010/main">
+            <mc:Choice Requires="a14">
               <p:sp>
                 <p:nvSpPr>
                   <p:cNvPr id="162" name="TextBox 161">
@@ -5397,7 +5402,7 @@
                             <m:accPr>
                               <m:chr m:val="̂"/>
                               <m:ctrlPr>
-                                <a:rPr lang="en-US" smtClean="0">
+                                <a:rPr lang="en-US" i="1" smtClean="0">
                                   <a:latin typeface="Cambria Math" panose="02040503050406030204" pitchFamily="18" charset="0"/>
                                 </a:rPr>
                               </m:ctrlPr>
@@ -5425,7 +5430,7 @@
                 </p:txBody>
               </p:sp>
             </mc:Choice>
-            <mc:Fallback>
+            <mc:Fallback xmlns="">
               <p:sp>
                 <p:nvSpPr>
                   <p:cNvPr id="162" name="TextBox 161">
@@ -6215,8 +6220,8 @@
               </a:p>
             </p:txBody>
           </p:sp>
-          <mc:AlternateContent xmlns:mc="http://schemas.openxmlformats.org/markup-compatibility/2006">
-            <mc:Choice xmlns:a14="http://schemas.microsoft.com/office/drawing/2010/main" Requires="a14">
+          <mc:AlternateContent xmlns:mc="http://schemas.openxmlformats.org/markup-compatibility/2006" xmlns:a14="http://schemas.microsoft.com/office/drawing/2010/main">
+            <mc:Choice Requires="a14">
               <p:sp>
                 <p:nvSpPr>
                   <p:cNvPr id="20" name="TextBox 19">
@@ -6259,7 +6264,7 @@
                             <m:accPr>
                               <m:chr m:val="̂"/>
                               <m:ctrlPr>
-                                <a:rPr lang="en-US" b="1" smtClean="0">
+                                <a:rPr lang="en-US" b="1" i="1" smtClean="0">
                                   <a:latin typeface="Cambria Math" panose="02040503050406030204" pitchFamily="18" charset="0"/>
                                 </a:rPr>
                               </m:ctrlPr>
@@ -6284,7 +6289,7 @@
                 </p:txBody>
               </p:sp>
             </mc:Choice>
-            <mc:Fallback>
+            <mc:Fallback xmlns="">
               <p:sp>
                 <p:nvSpPr>
                   <p:cNvPr id="20" name="TextBox 19">
@@ -6418,8 +6423,8 @@
               </a:p>
             </p:txBody>
           </p:sp>
-          <mc:AlternateContent xmlns:mc="http://schemas.openxmlformats.org/markup-compatibility/2006">
-            <mc:Choice xmlns:a14="http://schemas.microsoft.com/office/drawing/2010/main" Requires="a14">
+          <mc:AlternateContent xmlns:mc="http://schemas.openxmlformats.org/markup-compatibility/2006" xmlns:a14="http://schemas.microsoft.com/office/drawing/2010/main">
+            <mc:Choice Requires="a14">
               <p:sp>
                 <p:nvSpPr>
                   <p:cNvPr id="22" name="TextBox 21">
@@ -6462,7 +6467,7 @@
                             <m:accPr>
                               <m:chr m:val="̂"/>
                               <m:ctrlPr>
-                                <a:rPr lang="en-US" smtClean="0">
+                                <a:rPr lang="en-US" i="1" smtClean="0">
                                   <a:latin typeface="Cambria Math" panose="02040503050406030204" pitchFamily="18" charset="0"/>
                                 </a:rPr>
                               </m:ctrlPr>
@@ -6490,7 +6495,7 @@
                 </p:txBody>
               </p:sp>
             </mc:Choice>
-            <mc:Fallback>
+            <mc:Fallback xmlns="">
               <p:sp>
                 <p:nvSpPr>
                   <p:cNvPr id="22" name="TextBox 21">
@@ -7602,8 +7607,8 @@
               </a:p>
             </p:txBody>
           </p:sp>
-          <mc:AlternateContent xmlns:mc="http://schemas.openxmlformats.org/markup-compatibility/2006">
-            <mc:Choice xmlns:a14="http://schemas.microsoft.com/office/drawing/2010/main" Requires="a14">
+          <mc:AlternateContent xmlns:mc="http://schemas.openxmlformats.org/markup-compatibility/2006" xmlns:a14="http://schemas.microsoft.com/office/drawing/2010/main">
+            <mc:Choice Requires="a14">
               <p:sp>
                 <p:nvSpPr>
                   <p:cNvPr id="162" name="TextBox 161">
@@ -7646,7 +7651,7 @@
                             <m:accPr>
                               <m:chr m:val="̂"/>
                               <m:ctrlPr>
-                                <a:rPr lang="en-US" smtClean="0">
+                                <a:rPr lang="en-US" i="1" smtClean="0">
                                   <a:latin typeface="Cambria Math" panose="02040503050406030204" pitchFamily="18" charset="0"/>
                                 </a:rPr>
                               </m:ctrlPr>
@@ -7674,7 +7679,7 @@
                 </p:txBody>
               </p:sp>
             </mc:Choice>
-            <mc:Fallback>
+            <mc:Fallback xmlns="">
               <p:sp>
                 <p:nvSpPr>
                   <p:cNvPr id="162" name="TextBox 161">
@@ -8511,8 +8516,8 @@
               </a:p>
             </p:txBody>
           </p:sp>
-          <mc:AlternateContent xmlns:mc="http://schemas.openxmlformats.org/markup-compatibility/2006">
-            <mc:Choice xmlns:a14="http://schemas.microsoft.com/office/drawing/2010/main" Requires="a14">
+          <mc:AlternateContent xmlns:mc="http://schemas.openxmlformats.org/markup-compatibility/2006" xmlns:a14="http://schemas.microsoft.com/office/drawing/2010/main">
+            <mc:Choice Requires="a14">
               <p:sp>
                 <p:nvSpPr>
                   <p:cNvPr id="20" name="TextBox 19">
@@ -8555,7 +8560,7 @@
                             <m:accPr>
                               <m:chr m:val="̂"/>
                               <m:ctrlPr>
-                                <a:rPr lang="en-US" smtClean="0">
+                                <a:rPr lang="en-US" i="1" smtClean="0">
                                   <a:latin typeface="Cambria Math" panose="02040503050406030204" pitchFamily="18" charset="0"/>
                                 </a:rPr>
                               </m:ctrlPr>
@@ -8583,7 +8588,7 @@
                 </p:txBody>
               </p:sp>
             </mc:Choice>
-            <mc:Fallback>
+            <mc:Fallback xmlns="">
               <p:sp>
                 <p:nvSpPr>
                   <p:cNvPr id="20" name="TextBox 19">
@@ -8613,6 +8618,2337 @@
                     </a:stretch>
                   </a:blipFill>
                   <a:ln>
+                    <a:noFill/>
+                  </a:ln>
+                </p:spPr>
+                <p:txBody>
+                  <a:bodyPr/>
+                  <a:lstStyle/>
+                  <a:p>
+                    <a:r>
+                      <a:rPr lang="en-US">
+                        <a:noFill/>
+                      </a:rPr>
+                      <a:t> </a:t>
+                    </a:r>
+                  </a:p>
+                </p:txBody>
+              </p:sp>
+            </mc:Fallback>
+          </mc:AlternateContent>
+        </p:grpSp>
+        <p:grpSp>
+          <p:nvGrpSpPr>
+            <p:cNvPr id="89" name="Group 88">
+              <a:extLst>
+                <a:ext uri="{FF2B5EF4-FFF2-40B4-BE49-F238E27FC236}">
+                  <a16:creationId xmlns:a16="http://schemas.microsoft.com/office/drawing/2014/main" id="{26BDF985-F68B-4525-9D0E-F92D49FC6246}"/>
+                </a:ext>
+              </a:extLst>
+            </p:cNvPr>
+            <p:cNvGrpSpPr/>
+            <p:nvPr/>
+          </p:nvGrpSpPr>
+          <p:grpSpPr>
+            <a:xfrm>
+              <a:off x="5397657" y="5177431"/>
+              <a:ext cx="996287" cy="1023582"/>
+              <a:chOff x="5397657" y="5177431"/>
+              <a:chExt cx="996287" cy="1023582"/>
+            </a:xfrm>
+          </p:grpSpPr>
+          <p:sp>
+            <p:nvSpPr>
+              <p:cNvPr id="11" name="Oval 10">
+                <a:extLst>
+                  <a:ext uri="{FF2B5EF4-FFF2-40B4-BE49-F238E27FC236}">
+                    <a16:creationId xmlns:a16="http://schemas.microsoft.com/office/drawing/2014/main" id="{72BF1ADA-C42E-4C51-953A-E6E4ACF9F406}"/>
+                  </a:ext>
+                </a:extLst>
+              </p:cNvPr>
+              <p:cNvSpPr/>
+              <p:nvPr/>
+            </p:nvSpPr>
+            <p:spPr>
+              <a:xfrm>
+                <a:off x="5397657" y="5177431"/>
+                <a:ext cx="996287" cy="1023582"/>
+              </a:xfrm>
+              <a:prstGeom prst="ellipse">
+                <a:avLst/>
+              </a:prstGeom>
+              <a:solidFill>
+                <a:schemeClr val="accent6">
+                  <a:lumMod val="60000"/>
+                  <a:lumOff val="40000"/>
+                </a:schemeClr>
+              </a:solidFill>
+              <a:ln w="38100">
+                <a:solidFill>
+                  <a:schemeClr val="tx1"/>
+                </a:solidFill>
+              </a:ln>
+            </p:spPr>
+            <p:style>
+              <a:lnRef idx="2">
+                <a:schemeClr val="accent1">
+                  <a:shade val="50000"/>
+                </a:schemeClr>
+              </a:lnRef>
+              <a:fillRef idx="1">
+                <a:schemeClr val="accent1"/>
+              </a:fillRef>
+              <a:effectRef idx="0">
+                <a:schemeClr val="accent1"/>
+              </a:effectRef>
+              <a:fontRef idx="minor">
+                <a:schemeClr val="lt1"/>
+              </a:fontRef>
+            </p:style>
+            <p:txBody>
+              <a:bodyPr wrap="none" rtlCol="0" anchor="ctr"/>
+              <a:lstStyle/>
+              <a:p>
+                <a:pPr algn="ctr"/>
+                <a:endParaRPr lang="en-US" b="1" dirty="0">
+                  <a:solidFill>
+                    <a:schemeClr val="tx1"/>
+                  </a:solidFill>
+                  <a:latin typeface="Times New Roman" panose="02020603050405020304" pitchFamily="18" charset="0"/>
+                  <a:cs typeface="Times New Roman" panose="02020603050405020304" pitchFamily="18" charset="0"/>
+                </a:endParaRPr>
+              </a:p>
+            </p:txBody>
+          </p:sp>
+          <mc:AlternateContent xmlns:mc="http://schemas.openxmlformats.org/markup-compatibility/2006" xmlns:a14="http://schemas.microsoft.com/office/drawing/2010/main">
+            <mc:Choice Requires="a14">
+              <p:sp>
+                <p:nvSpPr>
+                  <p:cNvPr id="22" name="TextBox 21">
+                    <a:extLst>
+                      <a:ext uri="{FF2B5EF4-FFF2-40B4-BE49-F238E27FC236}">
+                        <a16:creationId xmlns:a16="http://schemas.microsoft.com/office/drawing/2014/main" id="{BF2138BE-A664-4795-A942-50CE27EB1BA6}"/>
+                      </a:ext>
+                    </a:extLst>
+                  </p:cNvPr>
+                  <p:cNvSpPr txBox="1"/>
+                  <p:nvPr/>
+                </p:nvSpPr>
+                <p:spPr>
+                  <a:xfrm>
+                    <a:off x="5733194" y="5543476"/>
+                    <a:ext cx="297916" cy="291747"/>
+                  </a:xfrm>
+                  <a:prstGeom prst="rect">
+                    <a:avLst/>
+                  </a:prstGeom>
+                  <a:noFill/>
+                  <a:ln w="38100">
+                    <a:noFill/>
+                  </a:ln>
+                </p:spPr>
+                <p:txBody>
+                  <a:bodyPr wrap="square" lIns="0" tIns="0" rIns="0" bIns="0" rtlCol="0">
+                    <a:spAutoFit/>
+                  </a:bodyPr>
+                  <a:lstStyle/>
+                  <a:p>
+                    <a:pPr algn="r"/>
+                    <a14:m>
+                      <m:oMathPara xmlns:m="http://schemas.openxmlformats.org/officeDocument/2006/math">
+                        <m:oMathParaPr>
+                          <m:jc m:val="centerGroup"/>
+                        </m:oMathParaPr>
+                        <m:oMath xmlns:m="http://schemas.openxmlformats.org/officeDocument/2006/math">
+                          <m:acc>
+                            <m:accPr>
+                              <m:chr m:val="̂"/>
+                              <m:ctrlPr>
+                                <a:rPr lang="en-US" b="1" i="1" smtClean="0">
+                                  <a:latin typeface="Cambria Math" panose="02040503050406030204" pitchFamily="18" charset="0"/>
+                                </a:rPr>
+                              </m:ctrlPr>
+                            </m:accPr>
+                            <m:e>
+                              <m:r>
+                                <a:rPr lang="en-US" b="1" i="0" smtClean="0">
+                                  <a:latin typeface="Cambria Math" panose="02040503050406030204" pitchFamily="18" charset="0"/>
+                                </a:rPr>
+                                <m:t>𝐂𝐡𝐥</m:t>
+                              </m:r>
+                            </m:e>
+                          </m:acc>
+                        </m:oMath>
+                      </m:oMathPara>
+                    </a14:m>
+                    <a:endParaRPr lang="en-US" b="1" dirty="0">
+                      <a:latin typeface="Times New Roman" panose="02020603050405020304" pitchFamily="18" charset="0"/>
+                      <a:cs typeface="Times New Roman" panose="02020603050405020304" pitchFamily="18" charset="0"/>
+                    </a:endParaRPr>
+                  </a:p>
+                </p:txBody>
+              </p:sp>
+            </mc:Choice>
+            <mc:Fallback xmlns="">
+              <p:sp>
+                <p:nvSpPr>
+                  <p:cNvPr id="22" name="TextBox 21">
+                    <a:extLst>
+                      <a:ext uri="{FF2B5EF4-FFF2-40B4-BE49-F238E27FC236}">
+                        <a16:creationId xmlns:a16="http://schemas.microsoft.com/office/drawing/2014/main" id="{BF2138BE-A664-4795-A942-50CE27EB1BA6}"/>
+                      </a:ext>
+                    </a:extLst>
+                  </p:cNvPr>
+                  <p:cNvSpPr txBox="1">
+                    <a:spLocks noRot="1" noChangeAspect="1" noMove="1" noResize="1" noEditPoints="1" noAdjustHandles="1" noChangeArrowheads="1" noChangeShapeType="1" noTextEdit="1"/>
+                  </p:cNvSpPr>
+                  <p:nvPr/>
+                </p:nvSpPr>
+                <p:spPr>
+                  <a:xfrm>
+                    <a:off x="5733194" y="5543476"/>
+                    <a:ext cx="297916" cy="291747"/>
+                  </a:xfrm>
+                  <a:prstGeom prst="rect">
+                    <a:avLst/>
+                  </a:prstGeom>
+                  <a:blipFill>
+                    <a:blip r:embed="rId3"/>
+                    <a:stretch>
+                      <a:fillRect l="-28571" t="-14583" r="-46939" b="-12500"/>
+                    </a:stretch>
+                  </a:blipFill>
+                  <a:ln w="38100">
+                    <a:noFill/>
+                  </a:ln>
+                </p:spPr>
+                <p:txBody>
+                  <a:bodyPr/>
+                  <a:lstStyle/>
+                  <a:p>
+                    <a:r>
+                      <a:rPr lang="en-US">
+                        <a:noFill/>
+                      </a:rPr>
+                      <a:t> </a:t>
+                    </a:r>
+                  </a:p>
+                </p:txBody>
+              </p:sp>
+            </mc:Fallback>
+          </mc:AlternateContent>
+        </p:grpSp>
+        <p:cxnSp>
+          <p:nvCxnSpPr>
+            <p:cNvPr id="27" name="Straight Connector 26">
+              <a:extLst>
+                <a:ext uri="{FF2B5EF4-FFF2-40B4-BE49-F238E27FC236}">
+                  <a16:creationId xmlns:a16="http://schemas.microsoft.com/office/drawing/2014/main" id="{687E7B1E-D818-46C2-A185-8C6EF87A86BB}"/>
+                </a:ext>
+              </a:extLst>
+            </p:cNvPr>
+            <p:cNvCxnSpPr>
+              <a:cxnSpLocks/>
+              <a:stCxn id="4" idx="2"/>
+            </p:cNvCxnSpPr>
+            <p:nvPr/>
+          </p:nvCxnSpPr>
+          <p:spPr>
+            <a:xfrm>
+              <a:off x="3769815" y="2036170"/>
+              <a:ext cx="774" cy="893979"/>
+            </a:xfrm>
+            <a:prstGeom prst="line">
+              <a:avLst/>
+            </a:prstGeom>
+            <a:ln w="38100">
+              <a:solidFill>
+                <a:schemeClr val="tx1"/>
+              </a:solidFill>
+            </a:ln>
+          </p:spPr>
+          <p:style>
+            <a:lnRef idx="1">
+              <a:schemeClr val="accent1"/>
+            </a:lnRef>
+            <a:fillRef idx="0">
+              <a:schemeClr val="accent1"/>
+            </a:fillRef>
+            <a:effectRef idx="0">
+              <a:schemeClr val="accent1"/>
+            </a:effectRef>
+            <a:fontRef idx="minor">
+              <a:schemeClr val="tx1"/>
+            </a:fontRef>
+          </p:style>
+        </p:cxnSp>
+        <p:cxnSp>
+          <p:nvCxnSpPr>
+            <p:cNvPr id="28" name="Straight Connector 27">
+              <a:extLst>
+                <a:ext uri="{FF2B5EF4-FFF2-40B4-BE49-F238E27FC236}">
+                  <a16:creationId xmlns:a16="http://schemas.microsoft.com/office/drawing/2014/main" id="{622949D1-D980-40EE-8257-D498EABC1A11}"/>
+                </a:ext>
+              </a:extLst>
+            </p:cNvPr>
+            <p:cNvCxnSpPr>
+              <a:cxnSpLocks/>
+              <a:stCxn id="4" idx="3"/>
+              <a:endCxn id="9" idx="2"/>
+            </p:cNvCxnSpPr>
+            <p:nvPr/>
+          </p:nvCxnSpPr>
+          <p:spPr>
+            <a:xfrm>
+              <a:off x="4595315" y="1591670"/>
+              <a:ext cx="1724294" cy="0"/>
+            </a:xfrm>
+            <a:prstGeom prst="line">
+              <a:avLst/>
+            </a:prstGeom>
+            <a:ln w="38100">
+              <a:solidFill>
+                <a:schemeClr val="tx1"/>
+              </a:solidFill>
+              <a:tailEnd type="stealth" w="lg" len="lg"/>
+            </a:ln>
+          </p:spPr>
+          <p:style>
+            <a:lnRef idx="1">
+              <a:schemeClr val="accent1"/>
+            </a:lnRef>
+            <a:fillRef idx="0">
+              <a:schemeClr val="accent1"/>
+            </a:fillRef>
+            <a:effectRef idx="0">
+              <a:schemeClr val="accent1"/>
+            </a:effectRef>
+            <a:fontRef idx="minor">
+              <a:schemeClr val="tx1"/>
+            </a:fontRef>
+          </p:style>
+        </p:cxnSp>
+        <p:cxnSp>
+          <p:nvCxnSpPr>
+            <p:cNvPr id="37" name="Straight Connector 36">
+              <a:extLst>
+                <a:ext uri="{FF2B5EF4-FFF2-40B4-BE49-F238E27FC236}">
+                  <a16:creationId xmlns:a16="http://schemas.microsoft.com/office/drawing/2014/main" id="{62511E4F-40B4-45CA-AF3C-DAC6C4642895}"/>
+                </a:ext>
+              </a:extLst>
+            </p:cNvPr>
+            <p:cNvCxnSpPr>
+              <a:cxnSpLocks/>
+              <a:endCxn id="15" idx="2"/>
+            </p:cNvCxnSpPr>
+            <p:nvPr/>
+          </p:nvCxnSpPr>
+          <p:spPr>
+            <a:xfrm>
+              <a:off x="3769815" y="2930149"/>
+              <a:ext cx="629945" cy="0"/>
+            </a:xfrm>
+            <a:prstGeom prst="line">
+              <a:avLst/>
+            </a:prstGeom>
+            <a:ln w="38100">
+              <a:solidFill>
+                <a:schemeClr val="tx1"/>
+              </a:solidFill>
+              <a:headEnd type="none" w="lg" len="lg"/>
+              <a:tailEnd type="stealth" w="lg" len="lg"/>
+            </a:ln>
+          </p:spPr>
+          <p:style>
+            <a:lnRef idx="1">
+              <a:schemeClr val="accent1"/>
+            </a:lnRef>
+            <a:fillRef idx="0">
+              <a:schemeClr val="accent1"/>
+            </a:fillRef>
+            <a:effectRef idx="0">
+              <a:schemeClr val="accent1"/>
+            </a:effectRef>
+            <a:fontRef idx="minor">
+              <a:schemeClr val="tx1"/>
+            </a:fontRef>
+          </p:style>
+        </p:cxnSp>
+        <p:cxnSp>
+          <p:nvCxnSpPr>
+            <p:cNvPr id="40" name="Straight Connector 39">
+              <a:extLst>
+                <a:ext uri="{FF2B5EF4-FFF2-40B4-BE49-F238E27FC236}">
+                  <a16:creationId xmlns:a16="http://schemas.microsoft.com/office/drawing/2014/main" id="{D919E765-B978-4DD0-A59F-0FD3938A9D58}"/>
+                </a:ext>
+              </a:extLst>
+            </p:cNvPr>
+            <p:cNvCxnSpPr>
+              <a:cxnSpLocks/>
+              <a:stCxn id="14" idx="5"/>
+              <a:endCxn id="13" idx="0"/>
+            </p:cNvCxnSpPr>
+            <p:nvPr/>
+          </p:nvCxnSpPr>
+          <p:spPr>
+            <a:xfrm>
+              <a:off x="3002939" y="3292040"/>
+              <a:ext cx="783335" cy="506209"/>
+            </a:xfrm>
+            <a:prstGeom prst="line">
+              <a:avLst/>
+            </a:prstGeom>
+            <a:ln>
+              <a:solidFill>
+                <a:schemeClr val="bg1">
+                  <a:lumMod val="65000"/>
+                </a:schemeClr>
+              </a:solidFill>
+            </a:ln>
+          </p:spPr>
+          <p:style>
+            <a:lnRef idx="1">
+              <a:schemeClr val="accent1"/>
+            </a:lnRef>
+            <a:fillRef idx="0">
+              <a:schemeClr val="accent1"/>
+            </a:fillRef>
+            <a:effectRef idx="0">
+              <a:schemeClr val="accent1"/>
+            </a:effectRef>
+            <a:fontRef idx="minor">
+              <a:schemeClr val="tx1"/>
+            </a:fontRef>
+          </p:style>
+        </p:cxnSp>
+        <p:cxnSp>
+          <p:nvCxnSpPr>
+            <p:cNvPr id="43" name="Straight Connector 42">
+              <a:extLst>
+                <a:ext uri="{FF2B5EF4-FFF2-40B4-BE49-F238E27FC236}">
+                  <a16:creationId xmlns:a16="http://schemas.microsoft.com/office/drawing/2014/main" id="{461F3A8F-79F0-43BE-9B5B-B5DAD19A51CE}"/>
+                </a:ext>
+              </a:extLst>
+            </p:cNvPr>
+            <p:cNvCxnSpPr>
+              <a:cxnSpLocks/>
+              <a:stCxn id="15" idx="3"/>
+              <a:endCxn id="13" idx="0"/>
+            </p:cNvCxnSpPr>
+            <p:nvPr/>
+          </p:nvCxnSpPr>
+          <p:spPr>
+            <a:xfrm flipH="1">
+              <a:off x="3786274" y="3292040"/>
+              <a:ext cx="759389" cy="506209"/>
+            </a:xfrm>
+            <a:prstGeom prst="line">
+              <a:avLst/>
+            </a:prstGeom>
+            <a:ln>
+              <a:solidFill>
+                <a:schemeClr val="bg1">
+                  <a:lumMod val="65000"/>
+                </a:schemeClr>
+              </a:solidFill>
+            </a:ln>
+          </p:spPr>
+          <p:style>
+            <a:lnRef idx="1">
+              <a:schemeClr val="accent1"/>
+            </a:lnRef>
+            <a:fillRef idx="0">
+              <a:schemeClr val="accent1"/>
+            </a:fillRef>
+            <a:effectRef idx="0">
+              <a:schemeClr val="accent1"/>
+            </a:effectRef>
+            <a:fontRef idx="minor">
+              <a:schemeClr val="tx1"/>
+            </a:fontRef>
+          </p:style>
+        </p:cxnSp>
+        <p:cxnSp>
+          <p:nvCxnSpPr>
+            <p:cNvPr id="46" name="Straight Connector 45">
+              <a:extLst>
+                <a:ext uri="{FF2B5EF4-FFF2-40B4-BE49-F238E27FC236}">
+                  <a16:creationId xmlns:a16="http://schemas.microsoft.com/office/drawing/2014/main" id="{DF506958-B860-42C1-A48A-3FE1092EA919}"/>
+                </a:ext>
+              </a:extLst>
+            </p:cNvPr>
+            <p:cNvCxnSpPr>
+              <a:cxnSpLocks/>
+              <a:stCxn id="13" idx="2"/>
+              <a:endCxn id="18" idx="0"/>
+            </p:cNvCxnSpPr>
+            <p:nvPr/>
+          </p:nvCxnSpPr>
+          <p:spPr>
+            <a:xfrm>
+              <a:off x="3786274" y="4821831"/>
+              <a:ext cx="0" cy="355600"/>
+            </a:xfrm>
+            <a:prstGeom prst="line">
+              <a:avLst/>
+            </a:prstGeom>
+            <a:ln>
+              <a:solidFill>
+                <a:schemeClr val="bg1">
+                  <a:lumMod val="65000"/>
+                </a:schemeClr>
+              </a:solidFill>
+              <a:tailEnd type="stealth" w="lg" len="lg"/>
+            </a:ln>
+          </p:spPr>
+          <p:style>
+            <a:lnRef idx="1">
+              <a:schemeClr val="accent1"/>
+            </a:lnRef>
+            <a:fillRef idx="0">
+              <a:schemeClr val="accent1"/>
+            </a:fillRef>
+            <a:effectRef idx="0">
+              <a:schemeClr val="accent1"/>
+            </a:effectRef>
+            <a:fontRef idx="minor">
+              <a:schemeClr val="tx1"/>
+            </a:fontRef>
+          </p:style>
+        </p:cxnSp>
+        <p:cxnSp>
+          <p:nvCxnSpPr>
+            <p:cNvPr id="53" name="Straight Connector 52">
+              <a:extLst>
+                <a:ext uri="{FF2B5EF4-FFF2-40B4-BE49-F238E27FC236}">
+                  <a16:creationId xmlns:a16="http://schemas.microsoft.com/office/drawing/2014/main" id="{A7F5E524-DE0D-4A5F-B29E-40EE4F8423FC}"/>
+                </a:ext>
+              </a:extLst>
+            </p:cNvPr>
+            <p:cNvCxnSpPr>
+              <a:cxnSpLocks/>
+              <a:stCxn id="15" idx="6"/>
+              <a:endCxn id="16" idx="2"/>
+            </p:cNvCxnSpPr>
+            <p:nvPr/>
+          </p:nvCxnSpPr>
+          <p:spPr>
+            <a:xfrm>
+              <a:off x="5396047" y="2930149"/>
+              <a:ext cx="923562" cy="708"/>
+            </a:xfrm>
+            <a:prstGeom prst="line">
+              <a:avLst/>
+            </a:prstGeom>
+            <a:ln w="38100">
+              <a:solidFill>
+                <a:schemeClr val="tx1"/>
+              </a:solidFill>
+            </a:ln>
+          </p:spPr>
+          <p:style>
+            <a:lnRef idx="1">
+              <a:schemeClr val="accent1"/>
+            </a:lnRef>
+            <a:fillRef idx="0">
+              <a:schemeClr val="accent1"/>
+            </a:fillRef>
+            <a:effectRef idx="0">
+              <a:schemeClr val="accent1"/>
+            </a:effectRef>
+            <a:fontRef idx="minor">
+              <a:schemeClr val="tx1"/>
+            </a:fontRef>
+          </p:style>
+        </p:cxnSp>
+        <p:cxnSp>
+          <p:nvCxnSpPr>
+            <p:cNvPr id="56" name="Straight Connector 55">
+              <a:extLst>
+                <a:ext uri="{FF2B5EF4-FFF2-40B4-BE49-F238E27FC236}">
+                  <a16:creationId xmlns:a16="http://schemas.microsoft.com/office/drawing/2014/main" id="{0F90FAEF-2C22-4C7C-8F98-B658346ED045}"/>
+                </a:ext>
+              </a:extLst>
+            </p:cNvPr>
+            <p:cNvCxnSpPr>
+              <a:cxnSpLocks/>
+              <a:endCxn id="10" idx="0"/>
+            </p:cNvCxnSpPr>
+            <p:nvPr/>
+          </p:nvCxnSpPr>
+          <p:spPr>
+            <a:xfrm>
+              <a:off x="5895801" y="2930149"/>
+              <a:ext cx="0" cy="868100"/>
+            </a:xfrm>
+            <a:prstGeom prst="line">
+              <a:avLst/>
+            </a:prstGeom>
+            <a:ln w="38100">
+              <a:solidFill>
+                <a:schemeClr val="tx1"/>
+              </a:solidFill>
+            </a:ln>
+          </p:spPr>
+          <p:style>
+            <a:lnRef idx="1">
+              <a:schemeClr val="accent1"/>
+            </a:lnRef>
+            <a:fillRef idx="0">
+              <a:schemeClr val="accent1"/>
+            </a:fillRef>
+            <a:effectRef idx="0">
+              <a:schemeClr val="accent1"/>
+            </a:effectRef>
+            <a:fontRef idx="minor">
+              <a:schemeClr val="tx1"/>
+            </a:fontRef>
+          </p:style>
+        </p:cxnSp>
+        <p:cxnSp>
+          <p:nvCxnSpPr>
+            <p:cNvPr id="70" name="Straight Connector 69">
+              <a:extLst>
+                <a:ext uri="{FF2B5EF4-FFF2-40B4-BE49-F238E27FC236}">
+                  <a16:creationId xmlns:a16="http://schemas.microsoft.com/office/drawing/2014/main" id="{D362097A-891D-4CE1-816B-820D4BA0DB19}"/>
+                </a:ext>
+              </a:extLst>
+            </p:cNvPr>
+            <p:cNvCxnSpPr>
+              <a:cxnSpLocks/>
+              <a:stCxn id="10" idx="2"/>
+              <a:endCxn id="11" idx="0"/>
+            </p:cNvCxnSpPr>
+            <p:nvPr/>
+          </p:nvCxnSpPr>
+          <p:spPr>
+            <a:xfrm>
+              <a:off x="5895801" y="4821830"/>
+              <a:ext cx="0" cy="355601"/>
+            </a:xfrm>
+            <a:prstGeom prst="line">
+              <a:avLst/>
+            </a:prstGeom>
+            <a:ln w="38100">
+              <a:solidFill>
+                <a:schemeClr val="tx1"/>
+              </a:solidFill>
+              <a:tailEnd type="stealth" w="lg" len="lg"/>
+            </a:ln>
+          </p:spPr>
+          <p:style>
+            <a:lnRef idx="1">
+              <a:schemeClr val="accent1"/>
+            </a:lnRef>
+            <a:fillRef idx="0">
+              <a:schemeClr val="accent1"/>
+            </a:fillRef>
+            <a:effectRef idx="0">
+              <a:schemeClr val="accent1"/>
+            </a:effectRef>
+            <a:fontRef idx="minor">
+              <a:schemeClr val="tx1"/>
+            </a:fontRef>
+          </p:style>
+        </p:cxnSp>
+        <p:cxnSp>
+          <p:nvCxnSpPr>
+            <p:cNvPr id="75" name="Straight Connector 74">
+              <a:extLst>
+                <a:ext uri="{FF2B5EF4-FFF2-40B4-BE49-F238E27FC236}">
+                  <a16:creationId xmlns:a16="http://schemas.microsoft.com/office/drawing/2014/main" id="{35D304FD-E684-4B87-B8FA-2408E3965E93}"/>
+                </a:ext>
+              </a:extLst>
+            </p:cNvPr>
+            <p:cNvCxnSpPr>
+              <a:cxnSpLocks/>
+              <a:stCxn id="11" idx="1"/>
+              <a:endCxn id="13" idx="3"/>
+            </p:cNvCxnSpPr>
+            <p:nvPr/>
+          </p:nvCxnSpPr>
+          <p:spPr>
+            <a:xfrm flipH="1" flipV="1">
+              <a:off x="4399760" y="4310040"/>
+              <a:ext cx="1143800" cy="1017291"/>
+            </a:xfrm>
+            <a:prstGeom prst="line">
+              <a:avLst/>
+            </a:prstGeom>
+            <a:ln>
+              <a:solidFill>
+                <a:schemeClr val="bg1">
+                  <a:lumMod val="65000"/>
+                </a:schemeClr>
+              </a:solidFill>
+              <a:tailEnd type="stealth" w="lg" len="lg"/>
+            </a:ln>
+          </p:spPr>
+          <p:style>
+            <a:lnRef idx="1">
+              <a:schemeClr val="accent1"/>
+            </a:lnRef>
+            <a:fillRef idx="0">
+              <a:schemeClr val="accent1"/>
+            </a:fillRef>
+            <a:effectRef idx="0">
+              <a:schemeClr val="accent1"/>
+            </a:effectRef>
+            <a:fontRef idx="minor">
+              <a:schemeClr val="tx1"/>
+            </a:fontRef>
+          </p:style>
+        </p:cxnSp>
+        <p:cxnSp>
+          <p:nvCxnSpPr>
+            <p:cNvPr id="113" name="Connector: Elbow 112">
+              <a:extLst>
+                <a:ext uri="{FF2B5EF4-FFF2-40B4-BE49-F238E27FC236}">
+                  <a16:creationId xmlns:a16="http://schemas.microsoft.com/office/drawing/2014/main" id="{4F4B3100-BCE9-4270-9A56-4FF131EE5D56}"/>
+                </a:ext>
+              </a:extLst>
+            </p:cNvPr>
+            <p:cNvCxnSpPr>
+              <a:cxnSpLocks/>
+              <a:stCxn id="18" idx="6"/>
+            </p:cNvCxnSpPr>
+            <p:nvPr/>
+          </p:nvCxnSpPr>
+          <p:spPr>
+            <a:xfrm flipV="1">
+              <a:off x="4284417" y="3616310"/>
+              <a:ext cx="608867" cy="2072912"/>
+            </a:xfrm>
+            <a:prstGeom prst="bentConnector2">
+              <a:avLst/>
+            </a:prstGeom>
+            <a:ln>
+              <a:solidFill>
+                <a:schemeClr val="bg1">
+                  <a:lumMod val="65000"/>
+                </a:schemeClr>
+              </a:solidFill>
+              <a:tailEnd type="none" w="lg" len="lg"/>
+            </a:ln>
+          </p:spPr>
+          <p:style>
+            <a:lnRef idx="1">
+              <a:schemeClr val="accent1"/>
+            </a:lnRef>
+            <a:fillRef idx="0">
+              <a:schemeClr val="accent1"/>
+            </a:fillRef>
+            <a:effectRef idx="0">
+              <a:schemeClr val="accent1"/>
+            </a:effectRef>
+            <a:fontRef idx="minor">
+              <a:schemeClr val="tx1"/>
+            </a:fontRef>
+          </p:style>
+        </p:cxnSp>
+        <p:sp>
+          <p:nvSpPr>
+            <p:cNvPr id="152" name="Rectangle 151">
+              <a:extLst>
+                <a:ext uri="{FF2B5EF4-FFF2-40B4-BE49-F238E27FC236}">
+                  <a16:creationId xmlns:a16="http://schemas.microsoft.com/office/drawing/2014/main" id="{E4489FA5-608F-4DF1-812F-B5B8522A42C5}"/>
+                </a:ext>
+              </a:extLst>
+            </p:cNvPr>
+            <p:cNvSpPr/>
+            <p:nvPr/>
+          </p:nvSpPr>
+          <p:spPr>
+            <a:xfrm>
+              <a:off x="7943945" y="1147170"/>
+              <a:ext cx="1651000" cy="889000"/>
+            </a:xfrm>
+            <a:prstGeom prst="rect">
+              <a:avLst/>
+            </a:prstGeom>
+            <a:solidFill>
+              <a:schemeClr val="accent5">
+                <a:lumMod val="60000"/>
+                <a:lumOff val="40000"/>
+              </a:schemeClr>
+            </a:solidFill>
+            <a:ln>
+              <a:solidFill>
+                <a:schemeClr val="bg1">
+                  <a:lumMod val="65000"/>
+                </a:schemeClr>
+              </a:solidFill>
+            </a:ln>
+          </p:spPr>
+          <p:style>
+            <a:lnRef idx="2">
+              <a:schemeClr val="accent1">
+                <a:shade val="50000"/>
+              </a:schemeClr>
+            </a:lnRef>
+            <a:fillRef idx="1">
+              <a:schemeClr val="accent1"/>
+            </a:fillRef>
+            <a:effectRef idx="0">
+              <a:schemeClr val="accent1"/>
+            </a:effectRef>
+            <a:fontRef idx="minor">
+              <a:schemeClr val="lt1"/>
+            </a:fontRef>
+          </p:style>
+          <p:txBody>
+            <a:bodyPr wrap="none" rtlCol="0" anchor="ctr"/>
+            <a:lstStyle/>
+            <a:p>
+              <a:pPr algn="ctr"/>
+              <a:r>
+                <a:rPr lang="en-US" dirty="0" err="1">
+                  <a:solidFill>
+                    <a:schemeClr val="tx1"/>
+                  </a:solidFill>
+                  <a:latin typeface="Times New Roman" panose="02020603050405020304" pitchFamily="18" charset="0"/>
+                  <a:cs typeface="Times New Roman" panose="02020603050405020304" pitchFamily="18" charset="0"/>
+                </a:rPr>
+                <a:t>LakeCat</a:t>
+              </a:r>
+              <a:endParaRPr lang="en-US" dirty="0">
+                <a:solidFill>
+                  <a:schemeClr val="tx1"/>
+                </a:solidFill>
+                <a:latin typeface="Times New Roman" panose="02020603050405020304" pitchFamily="18" charset="0"/>
+                <a:cs typeface="Times New Roman" panose="02020603050405020304" pitchFamily="18" charset="0"/>
+              </a:endParaRPr>
+            </a:p>
+          </p:txBody>
+        </p:sp>
+        <p:sp>
+          <p:nvSpPr>
+            <p:cNvPr id="153" name="Oval 152">
+              <a:extLst>
+                <a:ext uri="{FF2B5EF4-FFF2-40B4-BE49-F238E27FC236}">
+                  <a16:creationId xmlns:a16="http://schemas.microsoft.com/office/drawing/2014/main" id="{B86308A3-039A-4CB8-852A-F6FCAD65EA24}"/>
+                </a:ext>
+              </a:extLst>
+            </p:cNvPr>
+            <p:cNvSpPr/>
+            <p:nvPr/>
+          </p:nvSpPr>
+          <p:spPr>
+            <a:xfrm>
+              <a:off x="8255379" y="2418358"/>
+              <a:ext cx="1028132" cy="1023583"/>
+            </a:xfrm>
+            <a:prstGeom prst="ellipse">
+              <a:avLst/>
+            </a:prstGeom>
+            <a:solidFill>
+              <a:schemeClr val="accent6">
+                <a:lumMod val="60000"/>
+                <a:lumOff val="40000"/>
+              </a:schemeClr>
+            </a:solidFill>
+            <a:ln>
+              <a:solidFill>
+                <a:schemeClr val="bg1">
+                  <a:lumMod val="65000"/>
+                </a:schemeClr>
+              </a:solidFill>
+            </a:ln>
+          </p:spPr>
+          <p:style>
+            <a:lnRef idx="2">
+              <a:schemeClr val="accent1">
+                <a:shade val="50000"/>
+              </a:schemeClr>
+            </a:lnRef>
+            <a:fillRef idx="1">
+              <a:schemeClr val="accent1"/>
+            </a:fillRef>
+            <a:effectRef idx="0">
+              <a:schemeClr val="accent1"/>
+            </a:effectRef>
+            <a:fontRef idx="minor">
+              <a:schemeClr val="lt1"/>
+            </a:fontRef>
+          </p:style>
+          <p:txBody>
+            <a:bodyPr wrap="none" rtlCol="0" anchor="ctr"/>
+            <a:lstStyle/>
+            <a:p>
+              <a:pPr algn="ctr"/>
+              <a:r>
+                <a:rPr lang="en-US" dirty="0" err="1">
+                  <a:solidFill>
+                    <a:schemeClr val="tx1"/>
+                  </a:solidFill>
+                  <a:latin typeface="Times New Roman" panose="02020603050405020304" pitchFamily="18" charset="0"/>
+                  <a:cs typeface="Times New Roman" panose="02020603050405020304" pitchFamily="18" charset="0"/>
+                </a:rPr>
+                <a:t>Wshed</a:t>
+              </a:r>
+              <a:endParaRPr lang="en-US" dirty="0">
+                <a:solidFill>
+                  <a:schemeClr val="tx1"/>
+                </a:solidFill>
+                <a:latin typeface="Times New Roman" panose="02020603050405020304" pitchFamily="18" charset="0"/>
+                <a:cs typeface="Times New Roman" panose="02020603050405020304" pitchFamily="18" charset="0"/>
+              </a:endParaRPr>
+            </a:p>
+          </p:txBody>
+        </p:sp>
+        <p:cxnSp>
+          <p:nvCxnSpPr>
+            <p:cNvPr id="154" name="Straight Connector 153">
+              <a:extLst>
+                <a:ext uri="{FF2B5EF4-FFF2-40B4-BE49-F238E27FC236}">
+                  <a16:creationId xmlns:a16="http://schemas.microsoft.com/office/drawing/2014/main" id="{18DDB134-ABAC-4B0C-8787-87174A57F54A}"/>
+                </a:ext>
+              </a:extLst>
+            </p:cNvPr>
+            <p:cNvCxnSpPr>
+              <a:cxnSpLocks/>
+              <a:stCxn id="152" idx="1"/>
+            </p:cNvCxnSpPr>
+            <p:nvPr/>
+          </p:nvCxnSpPr>
+          <p:spPr>
+            <a:xfrm flipH="1">
+              <a:off x="7347740" y="1591670"/>
+              <a:ext cx="596205" cy="0"/>
+            </a:xfrm>
+            <a:prstGeom prst="line">
+              <a:avLst/>
+            </a:prstGeom>
+            <a:ln>
+              <a:solidFill>
+                <a:schemeClr val="bg1">
+                  <a:lumMod val="65000"/>
+                </a:schemeClr>
+              </a:solidFill>
+              <a:tailEnd type="stealth" w="lg" len="lg"/>
+            </a:ln>
+          </p:spPr>
+          <p:style>
+            <a:lnRef idx="1">
+              <a:schemeClr val="accent1"/>
+            </a:lnRef>
+            <a:fillRef idx="0">
+              <a:schemeClr val="accent1"/>
+            </a:fillRef>
+            <a:effectRef idx="0">
+              <a:schemeClr val="accent1"/>
+            </a:effectRef>
+            <a:fontRef idx="minor">
+              <a:schemeClr val="tx1"/>
+            </a:fontRef>
+          </p:style>
+        </p:cxnSp>
+        <p:cxnSp>
+          <p:nvCxnSpPr>
+            <p:cNvPr id="155" name="Straight Connector 154">
+              <a:extLst>
+                <a:ext uri="{FF2B5EF4-FFF2-40B4-BE49-F238E27FC236}">
+                  <a16:creationId xmlns:a16="http://schemas.microsoft.com/office/drawing/2014/main" id="{984886D1-2CA9-4FC6-98A6-C3BD0A2757FB}"/>
+                </a:ext>
+              </a:extLst>
+            </p:cNvPr>
+            <p:cNvCxnSpPr>
+              <a:cxnSpLocks/>
+            </p:cNvCxnSpPr>
+            <p:nvPr/>
+          </p:nvCxnSpPr>
+          <p:spPr>
+            <a:xfrm>
+              <a:off x="6833675" y="2103461"/>
+              <a:ext cx="0" cy="315605"/>
+            </a:xfrm>
+            <a:prstGeom prst="line">
+              <a:avLst/>
+            </a:prstGeom>
+            <a:ln w="38100">
+              <a:solidFill>
+                <a:schemeClr val="tx1"/>
+              </a:solidFill>
+              <a:tailEnd type="stealth" w="lg" len="lg"/>
+            </a:ln>
+          </p:spPr>
+          <p:style>
+            <a:lnRef idx="1">
+              <a:schemeClr val="accent1"/>
+            </a:lnRef>
+            <a:fillRef idx="0">
+              <a:schemeClr val="accent1"/>
+            </a:fillRef>
+            <a:effectRef idx="0">
+              <a:schemeClr val="accent1"/>
+            </a:effectRef>
+            <a:fontRef idx="minor">
+              <a:schemeClr val="tx1"/>
+            </a:fontRef>
+          </p:style>
+        </p:cxnSp>
+        <p:cxnSp>
+          <p:nvCxnSpPr>
+            <p:cNvPr id="156" name="Straight Connector 155">
+              <a:extLst>
+                <a:ext uri="{FF2B5EF4-FFF2-40B4-BE49-F238E27FC236}">
+                  <a16:creationId xmlns:a16="http://schemas.microsoft.com/office/drawing/2014/main" id="{D71BAFDD-435C-44CF-B8A0-9F5C96F7E026}"/>
+                </a:ext>
+              </a:extLst>
+            </p:cNvPr>
+            <p:cNvCxnSpPr>
+              <a:cxnSpLocks/>
+              <a:stCxn id="153" idx="4"/>
+              <a:endCxn id="159" idx="0"/>
+            </p:cNvCxnSpPr>
+            <p:nvPr/>
+          </p:nvCxnSpPr>
+          <p:spPr>
+            <a:xfrm flipH="1">
+              <a:off x="8767100" y="3441941"/>
+              <a:ext cx="2345" cy="356307"/>
+            </a:xfrm>
+            <a:prstGeom prst="line">
+              <a:avLst/>
+            </a:prstGeom>
+            <a:ln>
+              <a:solidFill>
+                <a:schemeClr val="bg1">
+                  <a:lumMod val="65000"/>
+                </a:schemeClr>
+              </a:solidFill>
+            </a:ln>
+          </p:spPr>
+          <p:style>
+            <a:lnRef idx="1">
+              <a:schemeClr val="accent1"/>
+            </a:lnRef>
+            <a:fillRef idx="0">
+              <a:schemeClr val="accent1"/>
+            </a:fillRef>
+            <a:effectRef idx="0">
+              <a:schemeClr val="accent1"/>
+            </a:effectRef>
+            <a:fontRef idx="minor">
+              <a:schemeClr val="tx1"/>
+            </a:fontRef>
+          </p:style>
+        </p:cxnSp>
+        <p:cxnSp>
+          <p:nvCxnSpPr>
+            <p:cNvPr id="157" name="Straight Connector 156">
+              <a:extLst>
+                <a:ext uri="{FF2B5EF4-FFF2-40B4-BE49-F238E27FC236}">
+                  <a16:creationId xmlns:a16="http://schemas.microsoft.com/office/drawing/2014/main" id="{DD70639F-79A0-4670-A7FF-2BC5E55BDFA3}"/>
+                </a:ext>
+              </a:extLst>
+            </p:cNvPr>
+            <p:cNvCxnSpPr>
+              <a:cxnSpLocks/>
+              <a:stCxn id="152" idx="2"/>
+              <a:endCxn id="153" idx="0"/>
+            </p:cNvCxnSpPr>
+            <p:nvPr/>
+          </p:nvCxnSpPr>
+          <p:spPr>
+            <a:xfrm>
+              <a:off x="8769445" y="2036170"/>
+              <a:ext cx="0" cy="382188"/>
+            </a:xfrm>
+            <a:prstGeom prst="line">
+              <a:avLst/>
+            </a:prstGeom>
+            <a:ln>
+              <a:solidFill>
+                <a:schemeClr val="bg1">
+                  <a:lumMod val="65000"/>
+                </a:schemeClr>
+              </a:solidFill>
+              <a:tailEnd type="stealth" w="lg" len="lg"/>
+            </a:ln>
+          </p:spPr>
+          <p:style>
+            <a:lnRef idx="1">
+              <a:schemeClr val="accent1"/>
+            </a:lnRef>
+            <a:fillRef idx="0">
+              <a:schemeClr val="accent1"/>
+            </a:fillRef>
+            <a:effectRef idx="0">
+              <a:schemeClr val="accent1"/>
+            </a:effectRef>
+            <a:fontRef idx="minor">
+              <a:schemeClr val="tx1"/>
+            </a:fontRef>
+          </p:style>
+        </p:cxnSp>
+        <p:cxnSp>
+          <p:nvCxnSpPr>
+            <p:cNvPr id="158" name="Straight Connector 157">
+              <a:extLst>
+                <a:ext uri="{FF2B5EF4-FFF2-40B4-BE49-F238E27FC236}">
+                  <a16:creationId xmlns:a16="http://schemas.microsoft.com/office/drawing/2014/main" id="{729F5773-9A4F-4152-8BE4-FE5A72FD692C}"/>
+                </a:ext>
+              </a:extLst>
+            </p:cNvPr>
+            <p:cNvCxnSpPr>
+              <a:cxnSpLocks/>
+              <a:stCxn id="159" idx="2"/>
+              <a:endCxn id="161" idx="0"/>
+            </p:cNvCxnSpPr>
+            <p:nvPr/>
+          </p:nvCxnSpPr>
+          <p:spPr>
+            <a:xfrm>
+              <a:off x="8767100" y="4821830"/>
+              <a:ext cx="4620" cy="355601"/>
+            </a:xfrm>
+            <a:prstGeom prst="line">
+              <a:avLst/>
+            </a:prstGeom>
+            <a:ln>
+              <a:solidFill>
+                <a:schemeClr val="bg1">
+                  <a:lumMod val="65000"/>
+                </a:schemeClr>
+              </a:solidFill>
+              <a:tailEnd type="stealth" w="lg" len="lg"/>
+            </a:ln>
+          </p:spPr>
+          <p:style>
+            <a:lnRef idx="1">
+              <a:schemeClr val="accent1"/>
+            </a:lnRef>
+            <a:fillRef idx="0">
+              <a:schemeClr val="accent1"/>
+            </a:fillRef>
+            <a:effectRef idx="0">
+              <a:schemeClr val="accent1"/>
+            </a:effectRef>
+            <a:fontRef idx="minor">
+              <a:schemeClr val="tx1"/>
+            </a:fontRef>
+          </p:style>
+        </p:cxnSp>
+        <p:sp>
+          <p:nvSpPr>
+            <p:cNvPr id="159" name="Diamond 158">
+              <a:extLst>
+                <a:ext uri="{FF2B5EF4-FFF2-40B4-BE49-F238E27FC236}">
+                  <a16:creationId xmlns:a16="http://schemas.microsoft.com/office/drawing/2014/main" id="{5B36556F-A35C-4153-AEE3-EEAC0A721CDA}"/>
+                </a:ext>
+              </a:extLst>
+            </p:cNvPr>
+            <p:cNvSpPr/>
+            <p:nvPr/>
+          </p:nvSpPr>
+          <p:spPr>
+            <a:xfrm>
+              <a:off x="8153614" y="3798248"/>
+              <a:ext cx="1226972" cy="1023582"/>
+            </a:xfrm>
+            <a:prstGeom prst="diamond">
+              <a:avLst/>
+            </a:prstGeom>
+            <a:solidFill>
+              <a:schemeClr val="accent2">
+                <a:lumMod val="60000"/>
+                <a:lumOff val="40000"/>
+              </a:schemeClr>
+            </a:solidFill>
+            <a:ln>
+              <a:solidFill>
+                <a:schemeClr val="bg1">
+                  <a:lumMod val="65000"/>
+                </a:schemeClr>
+              </a:solidFill>
+            </a:ln>
+          </p:spPr>
+          <p:style>
+            <a:lnRef idx="2">
+              <a:schemeClr val="accent1">
+                <a:shade val="50000"/>
+              </a:schemeClr>
+            </a:lnRef>
+            <a:fillRef idx="1">
+              <a:schemeClr val="accent1"/>
+            </a:fillRef>
+            <a:effectRef idx="0">
+              <a:schemeClr val="accent1"/>
+            </a:effectRef>
+            <a:fontRef idx="minor">
+              <a:schemeClr val="lt1"/>
+            </a:fontRef>
+          </p:style>
+          <p:txBody>
+            <a:bodyPr wrap="none" rtlCol="0" anchor="ctr"/>
+            <a:lstStyle/>
+            <a:p>
+              <a:pPr algn="ctr"/>
+              <a:r>
+                <a:rPr lang="en-US" dirty="0">
+                  <a:solidFill>
+                    <a:schemeClr val="tx1"/>
+                  </a:solidFill>
+                  <a:latin typeface="Times New Roman" panose="02020603050405020304" pitchFamily="18" charset="0"/>
+                  <a:cs typeface="Times New Roman" panose="02020603050405020304" pitchFamily="18" charset="0"/>
+                </a:rPr>
+                <a:t>Factor</a:t>
+              </a:r>
+            </a:p>
+            <a:p>
+              <a:pPr algn="ctr"/>
+              <a:r>
+                <a:rPr lang="en-US" dirty="0">
+                  <a:solidFill>
+                    <a:schemeClr val="tx1"/>
+                  </a:solidFill>
+                  <a:latin typeface="Times New Roman" panose="02020603050405020304" pitchFamily="18" charset="0"/>
+                  <a:cs typeface="Times New Roman" panose="02020603050405020304" pitchFamily="18" charset="0"/>
+                </a:rPr>
+                <a:t>Model</a:t>
+              </a:r>
+            </a:p>
+          </p:txBody>
+        </p:sp>
+        <p:grpSp>
+          <p:nvGrpSpPr>
+            <p:cNvPr id="160" name="Group 159">
+              <a:extLst>
+                <a:ext uri="{FF2B5EF4-FFF2-40B4-BE49-F238E27FC236}">
+                  <a16:creationId xmlns:a16="http://schemas.microsoft.com/office/drawing/2014/main" id="{F1FEC7CF-4F10-4397-956A-0164A3B5E85C}"/>
+                </a:ext>
+              </a:extLst>
+            </p:cNvPr>
+            <p:cNvGrpSpPr/>
+            <p:nvPr/>
+          </p:nvGrpSpPr>
+          <p:grpSpPr>
+            <a:xfrm>
+              <a:off x="8273576" y="5177431"/>
+              <a:ext cx="996287" cy="1023582"/>
+              <a:chOff x="8246280" y="5177431"/>
+              <a:chExt cx="996287" cy="1023582"/>
+            </a:xfrm>
+          </p:grpSpPr>
+          <p:sp>
+            <p:nvSpPr>
+              <p:cNvPr id="161" name="Oval 160">
+                <a:extLst>
+                  <a:ext uri="{FF2B5EF4-FFF2-40B4-BE49-F238E27FC236}">
+                    <a16:creationId xmlns:a16="http://schemas.microsoft.com/office/drawing/2014/main" id="{8BEA005A-86F1-4DC2-AFB7-3A0CFF4B9FFD}"/>
+                  </a:ext>
+                </a:extLst>
+              </p:cNvPr>
+              <p:cNvSpPr/>
+              <p:nvPr/>
+            </p:nvSpPr>
+            <p:spPr>
+              <a:xfrm>
+                <a:off x="8246280" y="5177431"/>
+                <a:ext cx="996287" cy="1023582"/>
+              </a:xfrm>
+              <a:prstGeom prst="ellipse">
+                <a:avLst/>
+              </a:prstGeom>
+              <a:solidFill>
+                <a:schemeClr val="accent6">
+                  <a:lumMod val="60000"/>
+                  <a:lumOff val="40000"/>
+                </a:schemeClr>
+              </a:solidFill>
+              <a:ln>
+                <a:solidFill>
+                  <a:schemeClr val="bg1">
+                    <a:lumMod val="65000"/>
+                  </a:schemeClr>
+                </a:solidFill>
+              </a:ln>
+            </p:spPr>
+            <p:style>
+              <a:lnRef idx="2">
+                <a:schemeClr val="accent1">
+                  <a:shade val="50000"/>
+                </a:schemeClr>
+              </a:lnRef>
+              <a:fillRef idx="1">
+                <a:schemeClr val="accent1"/>
+              </a:fillRef>
+              <a:effectRef idx="0">
+                <a:schemeClr val="accent1"/>
+              </a:effectRef>
+              <a:fontRef idx="minor">
+                <a:schemeClr val="lt1"/>
+              </a:fontRef>
+            </p:style>
+            <p:txBody>
+              <a:bodyPr wrap="none" rtlCol="0" anchor="ctr"/>
+              <a:lstStyle/>
+              <a:p>
+                <a:pPr algn="ctr"/>
+                <a:endParaRPr lang="en-US" dirty="0">
+                  <a:solidFill>
+                    <a:schemeClr val="tx1"/>
+                  </a:solidFill>
+                  <a:latin typeface="Times New Roman" panose="02020603050405020304" pitchFamily="18" charset="0"/>
+                  <a:cs typeface="Times New Roman" panose="02020603050405020304" pitchFamily="18" charset="0"/>
+                </a:endParaRPr>
+              </a:p>
+            </p:txBody>
+          </p:sp>
+          <mc:AlternateContent xmlns:mc="http://schemas.openxmlformats.org/markup-compatibility/2006" xmlns:a14="http://schemas.microsoft.com/office/drawing/2010/main">
+            <mc:Choice Requires="a14">
+              <p:sp>
+                <p:nvSpPr>
+                  <p:cNvPr id="162" name="TextBox 161">
+                    <a:extLst>
+                      <a:ext uri="{FF2B5EF4-FFF2-40B4-BE49-F238E27FC236}">
+                        <a16:creationId xmlns:a16="http://schemas.microsoft.com/office/drawing/2014/main" id="{E5420EB9-4958-4EB2-BA48-EA243921C04A}"/>
+                      </a:ext>
+                    </a:extLst>
+                  </p:cNvPr>
+                  <p:cNvSpPr txBox="1"/>
+                  <p:nvPr/>
+                </p:nvSpPr>
+                <p:spPr>
+                  <a:xfrm>
+                    <a:off x="8324494" y="5543220"/>
+                    <a:ext cx="885212" cy="284437"/>
+                  </a:xfrm>
+                  <a:prstGeom prst="rect">
+                    <a:avLst/>
+                  </a:prstGeom>
+                  <a:noFill/>
+                  <a:ln>
+                    <a:noFill/>
+                  </a:ln>
+                </p:spPr>
+                <p:txBody>
+                  <a:bodyPr wrap="square" lIns="0" tIns="0" rIns="0" bIns="0" rtlCol="0">
+                    <a:spAutoFit/>
+                  </a:bodyPr>
+                  <a:lstStyle/>
+                  <a:p>
+                    <a:pPr algn="r"/>
+                    <a14:m>
+                      <m:oMathPara xmlns:m="http://schemas.openxmlformats.org/officeDocument/2006/math">
+                        <m:oMathParaPr>
+                          <m:jc m:val="centerGroup"/>
+                        </m:oMathParaPr>
+                        <m:oMath xmlns:m="http://schemas.openxmlformats.org/officeDocument/2006/math">
+                          <m:acc>
+                            <m:accPr>
+                              <m:chr m:val="̂"/>
+                              <m:ctrlPr>
+                                <a:rPr lang="en-US" i="1" smtClean="0">
+                                  <a:latin typeface="Cambria Math" panose="02040503050406030204" pitchFamily="18" charset="0"/>
+                                </a:rPr>
+                              </m:ctrlPr>
+                            </m:accPr>
+                            <m:e>
+                              <m:r>
+                                <m:rPr>
+                                  <m:sty m:val="p"/>
+                                </m:rPr>
+                                <a:rPr lang="en-US" b="0" i="0" smtClean="0">
+                                  <a:latin typeface="Cambria Math" panose="02040503050406030204" pitchFamily="18" charset="0"/>
+                                </a:rPr>
+                                <m:t>Factors</m:t>
+                              </m:r>
+                            </m:e>
+                          </m:acc>
+                        </m:oMath>
+                      </m:oMathPara>
+                    </a14:m>
+                    <a:endParaRPr lang="en-US" dirty="0">
+                      <a:latin typeface="Times New Roman" panose="02020603050405020304" pitchFamily="18" charset="0"/>
+                      <a:cs typeface="Times New Roman" panose="02020603050405020304" pitchFamily="18" charset="0"/>
+                    </a:endParaRPr>
+                  </a:p>
+                </p:txBody>
+              </p:sp>
+            </mc:Choice>
+            <mc:Fallback xmlns="">
+              <p:sp>
+                <p:nvSpPr>
+                  <p:cNvPr id="162" name="TextBox 161">
+                    <a:extLst>
+                      <a:ext uri="{FF2B5EF4-FFF2-40B4-BE49-F238E27FC236}">
+                        <a16:creationId xmlns:a16="http://schemas.microsoft.com/office/drawing/2014/main" id="{E5420EB9-4958-4EB2-BA48-EA243921C04A}"/>
+                      </a:ext>
+                    </a:extLst>
+                  </p:cNvPr>
+                  <p:cNvSpPr txBox="1">
+                    <a:spLocks noRot="1" noChangeAspect="1" noMove="1" noResize="1" noEditPoints="1" noAdjustHandles="1" noChangeArrowheads="1" noChangeShapeType="1" noTextEdit="1"/>
+                  </p:cNvSpPr>
+                  <p:nvPr/>
+                </p:nvSpPr>
+                <p:spPr>
+                  <a:xfrm>
+                    <a:off x="8324494" y="5543220"/>
+                    <a:ext cx="885212" cy="284437"/>
+                  </a:xfrm>
+                  <a:prstGeom prst="rect">
+                    <a:avLst/>
+                  </a:prstGeom>
+                  <a:blipFill>
+                    <a:blip r:embed="rId4"/>
+                    <a:stretch>
+                      <a:fillRect t="-14894" r="-35172" b="-10638"/>
+                    </a:stretch>
+                  </a:blipFill>
+                  <a:ln>
+                    <a:noFill/>
+                  </a:ln>
+                </p:spPr>
+                <p:txBody>
+                  <a:bodyPr/>
+                  <a:lstStyle/>
+                  <a:p>
+                    <a:r>
+                      <a:rPr lang="en-US">
+                        <a:noFill/>
+                      </a:rPr>
+                      <a:t> </a:t>
+                    </a:r>
+                  </a:p>
+                </p:txBody>
+              </p:sp>
+            </mc:Fallback>
+          </mc:AlternateContent>
+        </p:grpSp>
+        <p:cxnSp>
+          <p:nvCxnSpPr>
+            <p:cNvPr id="168" name="Straight Connector 167">
+              <a:extLst>
+                <a:ext uri="{FF2B5EF4-FFF2-40B4-BE49-F238E27FC236}">
+                  <a16:creationId xmlns:a16="http://schemas.microsoft.com/office/drawing/2014/main" id="{8CF0E04D-749B-4B9E-B81F-103FA5632C0D}"/>
+                </a:ext>
+              </a:extLst>
+            </p:cNvPr>
+            <p:cNvCxnSpPr>
+              <a:cxnSpLocks/>
+            </p:cNvCxnSpPr>
+            <p:nvPr/>
+          </p:nvCxnSpPr>
+          <p:spPr>
+            <a:xfrm>
+              <a:off x="4897902" y="3620094"/>
+              <a:ext cx="1935772" cy="0"/>
+            </a:xfrm>
+            <a:prstGeom prst="line">
+              <a:avLst/>
+            </a:prstGeom>
+            <a:ln>
+              <a:solidFill>
+                <a:schemeClr val="bg1">
+                  <a:lumMod val="65000"/>
+                </a:schemeClr>
+              </a:solidFill>
+            </a:ln>
+          </p:spPr>
+          <p:style>
+            <a:lnRef idx="1">
+              <a:schemeClr val="accent1"/>
+            </a:lnRef>
+            <a:fillRef idx="0">
+              <a:schemeClr val="accent1"/>
+            </a:fillRef>
+            <a:effectRef idx="0">
+              <a:schemeClr val="accent1"/>
+            </a:effectRef>
+            <a:fontRef idx="minor">
+              <a:schemeClr val="tx1"/>
+            </a:fontRef>
+          </p:style>
+        </p:cxnSp>
+        <p:cxnSp>
+          <p:nvCxnSpPr>
+            <p:cNvPr id="171" name="Straight Connector 170">
+              <a:extLst>
+                <a:ext uri="{FF2B5EF4-FFF2-40B4-BE49-F238E27FC236}">
+                  <a16:creationId xmlns:a16="http://schemas.microsoft.com/office/drawing/2014/main" id="{061A834B-A21D-4B4D-A35D-074ABFE50998}"/>
+                </a:ext>
+              </a:extLst>
+            </p:cNvPr>
+            <p:cNvCxnSpPr>
+              <a:cxnSpLocks/>
+              <a:endCxn id="159" idx="1"/>
+            </p:cNvCxnSpPr>
+            <p:nvPr/>
+          </p:nvCxnSpPr>
+          <p:spPr>
+            <a:xfrm>
+              <a:off x="6833674" y="3620094"/>
+              <a:ext cx="1319940" cy="689945"/>
+            </a:xfrm>
+            <a:prstGeom prst="line">
+              <a:avLst/>
+            </a:prstGeom>
+            <a:ln>
+              <a:solidFill>
+                <a:schemeClr val="bg1">
+                  <a:lumMod val="65000"/>
+                </a:schemeClr>
+              </a:solidFill>
+              <a:tailEnd type="stealth" w="lg" len="lg"/>
+            </a:ln>
+          </p:spPr>
+          <p:style>
+            <a:lnRef idx="1">
+              <a:schemeClr val="accent1"/>
+            </a:lnRef>
+            <a:fillRef idx="0">
+              <a:schemeClr val="accent1"/>
+            </a:fillRef>
+            <a:effectRef idx="0">
+              <a:schemeClr val="accent1"/>
+            </a:effectRef>
+            <a:fontRef idx="minor">
+              <a:schemeClr val="tx1"/>
+            </a:fontRef>
+          </p:style>
+        </p:cxnSp>
+      </p:grpSp>
+    </p:spTree>
+    <p:extLst>
+      <p:ext uri="{BB962C8B-B14F-4D97-AF65-F5344CB8AC3E}">
+        <p14:creationId xmlns:p14="http://schemas.microsoft.com/office/powerpoint/2010/main" val="3088925297"/>
+      </p:ext>
+    </p:extLst>
+  </p:cSld>
+  <p:clrMapOvr>
+    <a:masterClrMapping/>
+  </p:clrMapOvr>
+</p:sld>
+</file>
+
+<file path=ppt/slides/slide4.xml><?xml version="1.0" encoding="utf-8"?>
+<p:sld xmlns:a="http://schemas.openxmlformats.org/drawingml/2006/main" xmlns:r="http://schemas.openxmlformats.org/officeDocument/2006/relationships" xmlns:p="http://schemas.openxmlformats.org/presentationml/2006/main">
+  <p:cSld>
+    <p:spTree>
+      <p:nvGrpSpPr>
+        <p:cNvPr id="1" name=""/>
+        <p:cNvGrpSpPr/>
+        <p:nvPr/>
+      </p:nvGrpSpPr>
+      <p:grpSpPr>
+        <a:xfrm>
+          <a:off x="0" y="0"/>
+          <a:ext cx="0" cy="0"/>
+          <a:chOff x="0" y="0"/>
+          <a:chExt cx="0" cy="0"/>
+        </a:xfrm>
+      </p:grpSpPr>
+      <p:grpSp>
+        <p:nvGrpSpPr>
+          <p:cNvPr id="7" name="Group 6">
+            <a:extLst>
+              <a:ext uri="{FF2B5EF4-FFF2-40B4-BE49-F238E27FC236}">
+                <a16:creationId xmlns:a16="http://schemas.microsoft.com/office/drawing/2014/main" id="{8C43F644-8ABF-4582-ACB0-C53230D8467B}"/>
+              </a:ext>
+            </a:extLst>
+          </p:cNvPr>
+          <p:cNvGrpSpPr/>
+          <p:nvPr/>
+        </p:nvGrpSpPr>
+        <p:grpSpPr>
+          <a:xfrm>
+            <a:off x="2152555" y="1079879"/>
+            <a:ext cx="7442390" cy="5121134"/>
+            <a:chOff x="2152555" y="1079879"/>
+            <a:chExt cx="7442390" cy="5121134"/>
+          </a:xfrm>
+        </p:grpSpPr>
+        <p:cxnSp>
+          <p:nvCxnSpPr>
+            <p:cNvPr id="113" name="Connector: Elbow 112">
+              <a:extLst>
+                <a:ext uri="{FF2B5EF4-FFF2-40B4-BE49-F238E27FC236}">
+                  <a16:creationId xmlns:a16="http://schemas.microsoft.com/office/drawing/2014/main" id="{4F4B3100-BCE9-4270-9A56-4FF131EE5D56}"/>
+                </a:ext>
+              </a:extLst>
+            </p:cNvPr>
+            <p:cNvCxnSpPr>
+              <a:cxnSpLocks/>
+              <a:stCxn id="18" idx="6"/>
+            </p:cNvCxnSpPr>
+            <p:nvPr/>
+          </p:nvCxnSpPr>
+          <p:spPr>
+            <a:xfrm flipV="1">
+              <a:off x="4284417" y="3616310"/>
+              <a:ext cx="608867" cy="2072912"/>
+            </a:xfrm>
+            <a:prstGeom prst="bentConnector2">
+              <a:avLst/>
+            </a:prstGeom>
+            <a:ln>
+              <a:solidFill>
+                <a:schemeClr val="bg1">
+                  <a:lumMod val="65000"/>
+                </a:schemeClr>
+              </a:solidFill>
+              <a:tailEnd type="none" w="lg" len="lg"/>
+            </a:ln>
+          </p:spPr>
+          <p:style>
+            <a:lnRef idx="1">
+              <a:schemeClr val="accent1"/>
+            </a:lnRef>
+            <a:fillRef idx="0">
+              <a:schemeClr val="accent1"/>
+            </a:fillRef>
+            <a:effectRef idx="0">
+              <a:schemeClr val="accent1"/>
+            </a:effectRef>
+            <a:fontRef idx="minor">
+              <a:schemeClr val="tx1"/>
+            </a:fontRef>
+          </p:style>
+        </p:cxnSp>
+        <p:cxnSp>
+          <p:nvCxnSpPr>
+            <p:cNvPr id="168" name="Straight Connector 167">
+              <a:extLst>
+                <a:ext uri="{FF2B5EF4-FFF2-40B4-BE49-F238E27FC236}">
+                  <a16:creationId xmlns:a16="http://schemas.microsoft.com/office/drawing/2014/main" id="{8CF0E04D-749B-4B9E-B81F-103FA5632C0D}"/>
+                </a:ext>
+              </a:extLst>
+            </p:cNvPr>
+            <p:cNvCxnSpPr>
+              <a:cxnSpLocks/>
+            </p:cNvCxnSpPr>
+            <p:nvPr/>
+          </p:nvCxnSpPr>
+          <p:spPr>
+            <a:xfrm>
+              <a:off x="4897902" y="3620094"/>
+              <a:ext cx="1935772" cy="0"/>
+            </a:xfrm>
+            <a:prstGeom prst="line">
+              <a:avLst/>
+            </a:prstGeom>
+            <a:ln>
+              <a:solidFill>
+                <a:schemeClr val="bg1">
+                  <a:lumMod val="65000"/>
+                </a:schemeClr>
+              </a:solidFill>
+            </a:ln>
+          </p:spPr>
+          <p:style>
+            <a:lnRef idx="1">
+              <a:schemeClr val="accent1"/>
+            </a:lnRef>
+            <a:fillRef idx="0">
+              <a:schemeClr val="accent1"/>
+            </a:fillRef>
+            <a:effectRef idx="0">
+              <a:schemeClr val="accent1"/>
+            </a:effectRef>
+            <a:fontRef idx="minor">
+              <a:schemeClr val="tx1"/>
+            </a:fontRef>
+          </p:style>
+        </p:cxnSp>
+        <p:sp>
+          <p:nvSpPr>
+            <p:cNvPr id="4" name="Rectangle 3">
+              <a:extLst>
+                <a:ext uri="{FF2B5EF4-FFF2-40B4-BE49-F238E27FC236}">
+                  <a16:creationId xmlns:a16="http://schemas.microsoft.com/office/drawing/2014/main" id="{65053684-02D1-4E0A-83E8-018CF3CCA89F}"/>
+                </a:ext>
+              </a:extLst>
+            </p:cNvPr>
+            <p:cNvSpPr/>
+            <p:nvPr/>
+          </p:nvSpPr>
+          <p:spPr>
+            <a:xfrm>
+              <a:off x="2944315" y="1147170"/>
+              <a:ext cx="1651000" cy="889000"/>
+            </a:xfrm>
+            <a:prstGeom prst="rect">
+              <a:avLst/>
+            </a:prstGeom>
+            <a:solidFill>
+              <a:schemeClr val="accent5">
+                <a:lumMod val="60000"/>
+                <a:lumOff val="40000"/>
+              </a:schemeClr>
+            </a:solidFill>
+            <a:ln>
+              <a:solidFill>
+                <a:schemeClr val="bg1">
+                  <a:lumMod val="65000"/>
+                </a:schemeClr>
+              </a:solidFill>
+            </a:ln>
+          </p:spPr>
+          <p:style>
+            <a:lnRef idx="2">
+              <a:schemeClr val="accent1">
+                <a:shade val="50000"/>
+              </a:schemeClr>
+            </a:lnRef>
+            <a:fillRef idx="1">
+              <a:schemeClr val="accent1"/>
+            </a:fillRef>
+            <a:effectRef idx="0">
+              <a:schemeClr val="accent1"/>
+            </a:effectRef>
+            <a:fontRef idx="minor">
+              <a:schemeClr val="lt1"/>
+            </a:fontRef>
+          </p:style>
+          <p:txBody>
+            <a:bodyPr wrap="none" rtlCol="0" anchor="ctr"/>
+            <a:lstStyle/>
+            <a:p>
+              <a:pPr algn="ctr"/>
+              <a:r>
+                <a:rPr lang="en-US" dirty="0">
+                  <a:solidFill>
+                    <a:schemeClr val="tx1"/>
+                  </a:solidFill>
+                  <a:latin typeface="Times New Roman" panose="02020603050405020304" pitchFamily="18" charset="0"/>
+                  <a:cs typeface="Times New Roman" panose="02020603050405020304" pitchFamily="18" charset="0"/>
+                </a:rPr>
+                <a:t>NLA</a:t>
+              </a:r>
+            </a:p>
+          </p:txBody>
+        </p:sp>
+        <p:sp>
+          <p:nvSpPr>
+            <p:cNvPr id="9" name="Oval 8">
+              <a:extLst>
+                <a:ext uri="{FF2B5EF4-FFF2-40B4-BE49-F238E27FC236}">
+                  <a16:creationId xmlns:a16="http://schemas.microsoft.com/office/drawing/2014/main" id="{FE7992FF-18F1-4050-B73B-F8A9729F2E0F}"/>
+                </a:ext>
+              </a:extLst>
+            </p:cNvPr>
+            <p:cNvSpPr/>
+            <p:nvPr/>
+          </p:nvSpPr>
+          <p:spPr>
+            <a:xfrm>
+              <a:off x="6319609" y="1079879"/>
+              <a:ext cx="1028131" cy="1023582"/>
+            </a:xfrm>
+            <a:prstGeom prst="ellipse">
+              <a:avLst/>
+            </a:prstGeom>
+            <a:solidFill>
+              <a:schemeClr val="accent6">
+                <a:lumMod val="60000"/>
+                <a:lumOff val="40000"/>
+              </a:schemeClr>
+            </a:solidFill>
+            <a:ln w="38100">
+              <a:solidFill>
+                <a:schemeClr val="tx1"/>
+              </a:solidFill>
+            </a:ln>
+          </p:spPr>
+          <p:style>
+            <a:lnRef idx="2">
+              <a:schemeClr val="accent1">
+                <a:shade val="50000"/>
+              </a:schemeClr>
+            </a:lnRef>
+            <a:fillRef idx="1">
+              <a:schemeClr val="accent1"/>
+            </a:fillRef>
+            <a:effectRef idx="0">
+              <a:schemeClr val="accent1"/>
+            </a:effectRef>
+            <a:fontRef idx="minor">
+              <a:schemeClr val="lt1"/>
+            </a:fontRef>
+          </p:style>
+          <p:txBody>
+            <a:bodyPr wrap="none" rtlCol="0" anchor="ctr"/>
+            <a:lstStyle/>
+            <a:p>
+              <a:pPr algn="ctr"/>
+              <a:r>
+                <a:rPr lang="en-US" b="1" dirty="0">
+                  <a:solidFill>
+                    <a:schemeClr val="tx1"/>
+                  </a:solidFill>
+                  <a:latin typeface="Times New Roman" panose="02020603050405020304" pitchFamily="18" charset="0"/>
+                  <a:cs typeface="Times New Roman" panose="02020603050405020304" pitchFamily="18" charset="0"/>
+                </a:rPr>
+                <a:t>Lat/Lon</a:t>
+              </a:r>
+            </a:p>
+          </p:txBody>
+        </p:sp>
+        <p:sp>
+          <p:nvSpPr>
+            <p:cNvPr id="10" name="Diamond 9">
+              <a:extLst>
+                <a:ext uri="{FF2B5EF4-FFF2-40B4-BE49-F238E27FC236}">
+                  <a16:creationId xmlns:a16="http://schemas.microsoft.com/office/drawing/2014/main" id="{31B7A722-0AF1-4D77-B0D3-B21AC1CA9009}"/>
+                </a:ext>
+              </a:extLst>
+            </p:cNvPr>
+            <p:cNvSpPr/>
+            <p:nvPr/>
+          </p:nvSpPr>
+          <p:spPr>
+            <a:xfrm>
+              <a:off x="5282315" y="3798249"/>
+              <a:ext cx="1226972" cy="1023581"/>
+            </a:xfrm>
+            <a:prstGeom prst="diamond">
+              <a:avLst/>
+            </a:prstGeom>
+            <a:solidFill>
+              <a:schemeClr val="accent2">
+                <a:lumMod val="60000"/>
+                <a:lumOff val="40000"/>
+              </a:schemeClr>
+            </a:solidFill>
+            <a:ln w="38100">
+              <a:solidFill>
+                <a:schemeClr val="tx1"/>
+              </a:solidFill>
+            </a:ln>
+          </p:spPr>
+          <p:style>
+            <a:lnRef idx="2">
+              <a:schemeClr val="accent1">
+                <a:shade val="50000"/>
+              </a:schemeClr>
+            </a:lnRef>
+            <a:fillRef idx="1">
+              <a:schemeClr val="accent1"/>
+            </a:fillRef>
+            <a:effectRef idx="0">
+              <a:schemeClr val="accent1"/>
+            </a:effectRef>
+            <a:fontRef idx="minor">
+              <a:schemeClr val="lt1"/>
+            </a:fontRef>
+          </p:style>
+          <p:txBody>
+            <a:bodyPr wrap="none" rtlCol="0" anchor="ctr"/>
+            <a:lstStyle/>
+            <a:p>
+              <a:pPr algn="ctr"/>
+              <a:r>
+                <a:rPr lang="en-US" b="1" dirty="0" err="1">
+                  <a:solidFill>
+                    <a:schemeClr val="tx1"/>
+                  </a:solidFill>
+                  <a:latin typeface="Times New Roman" panose="02020603050405020304" pitchFamily="18" charset="0"/>
+                  <a:cs typeface="Times New Roman" panose="02020603050405020304" pitchFamily="18" charset="0"/>
+                </a:rPr>
+                <a:t>Chl</a:t>
+              </a:r>
+              <a:endParaRPr lang="en-US" b="1" dirty="0">
+                <a:solidFill>
+                  <a:schemeClr val="tx1"/>
+                </a:solidFill>
+                <a:latin typeface="Times New Roman" panose="02020603050405020304" pitchFamily="18" charset="0"/>
+                <a:cs typeface="Times New Roman" panose="02020603050405020304" pitchFamily="18" charset="0"/>
+              </a:endParaRPr>
+            </a:p>
+            <a:p>
+              <a:pPr algn="ctr"/>
+              <a:r>
+                <a:rPr lang="en-US" b="1" dirty="0">
+                  <a:solidFill>
+                    <a:schemeClr val="tx1"/>
+                  </a:solidFill>
+                  <a:latin typeface="Times New Roman" panose="02020603050405020304" pitchFamily="18" charset="0"/>
+                  <a:cs typeface="Times New Roman" panose="02020603050405020304" pitchFamily="18" charset="0"/>
+                </a:rPr>
+                <a:t>Model</a:t>
+              </a:r>
+            </a:p>
+          </p:txBody>
+        </p:sp>
+        <p:sp>
+          <p:nvSpPr>
+            <p:cNvPr id="13" name="Diamond 12">
+              <a:extLst>
+                <a:ext uri="{FF2B5EF4-FFF2-40B4-BE49-F238E27FC236}">
+                  <a16:creationId xmlns:a16="http://schemas.microsoft.com/office/drawing/2014/main" id="{8CB83055-A4E4-4161-B825-C8BDFCA1BF02}"/>
+                </a:ext>
+              </a:extLst>
+            </p:cNvPr>
+            <p:cNvSpPr/>
+            <p:nvPr/>
+          </p:nvSpPr>
+          <p:spPr>
+            <a:xfrm>
+              <a:off x="3172788" y="3798249"/>
+              <a:ext cx="1226972" cy="1023582"/>
+            </a:xfrm>
+            <a:prstGeom prst="diamond">
+              <a:avLst/>
+            </a:prstGeom>
+            <a:solidFill>
+              <a:schemeClr val="accent2">
+                <a:lumMod val="60000"/>
+                <a:lumOff val="40000"/>
+              </a:schemeClr>
+            </a:solidFill>
+            <a:ln w="38100">
+              <a:solidFill>
+                <a:schemeClr val="tx1"/>
+              </a:solidFill>
+            </a:ln>
+          </p:spPr>
+          <p:style>
+            <a:lnRef idx="2">
+              <a:schemeClr val="accent1">
+                <a:shade val="50000"/>
+              </a:schemeClr>
+            </a:lnRef>
+            <a:fillRef idx="1">
+              <a:schemeClr val="accent1"/>
+            </a:fillRef>
+            <a:effectRef idx="0">
+              <a:schemeClr val="accent1"/>
+            </a:effectRef>
+            <a:fontRef idx="minor">
+              <a:schemeClr val="lt1"/>
+            </a:fontRef>
+          </p:style>
+          <p:txBody>
+            <a:bodyPr wrap="none" rtlCol="0" anchor="ctr"/>
+            <a:lstStyle/>
+            <a:p>
+              <a:pPr algn="ctr"/>
+              <a:r>
+                <a:rPr lang="en-US" b="1" dirty="0">
+                  <a:solidFill>
+                    <a:schemeClr val="tx1"/>
+                  </a:solidFill>
+                  <a:latin typeface="Times New Roman" panose="02020603050405020304" pitchFamily="18" charset="0"/>
+                  <a:cs typeface="Times New Roman" panose="02020603050405020304" pitchFamily="18" charset="0"/>
+                </a:rPr>
+                <a:t>Risk</a:t>
+              </a:r>
+            </a:p>
+            <a:p>
+              <a:pPr algn="ctr"/>
+              <a:r>
+                <a:rPr lang="en-US" b="1" dirty="0">
+                  <a:solidFill>
+                    <a:schemeClr val="tx1"/>
+                  </a:solidFill>
+                  <a:latin typeface="Times New Roman" panose="02020603050405020304" pitchFamily="18" charset="0"/>
+                  <a:cs typeface="Times New Roman" panose="02020603050405020304" pitchFamily="18" charset="0"/>
+                </a:rPr>
+                <a:t>Model</a:t>
+              </a:r>
+            </a:p>
+          </p:txBody>
+        </p:sp>
+        <p:sp>
+          <p:nvSpPr>
+            <p:cNvPr id="14" name="Oval 13">
+              <a:extLst>
+                <a:ext uri="{FF2B5EF4-FFF2-40B4-BE49-F238E27FC236}">
+                  <a16:creationId xmlns:a16="http://schemas.microsoft.com/office/drawing/2014/main" id="{59C6CED7-3A14-4247-B43D-72EA003B480F}"/>
+                </a:ext>
+              </a:extLst>
+            </p:cNvPr>
+            <p:cNvSpPr/>
+            <p:nvPr/>
+          </p:nvSpPr>
+          <p:spPr>
+            <a:xfrm>
+              <a:off x="2152555" y="2418358"/>
+              <a:ext cx="996287" cy="1023582"/>
+            </a:xfrm>
+            <a:prstGeom prst="ellipse">
+              <a:avLst/>
+            </a:prstGeom>
+            <a:solidFill>
+              <a:schemeClr val="accent6">
+                <a:lumMod val="60000"/>
+                <a:lumOff val="40000"/>
+              </a:schemeClr>
+            </a:solidFill>
+            <a:ln>
+              <a:solidFill>
+                <a:schemeClr val="bg1">
+                  <a:lumMod val="65000"/>
+                </a:schemeClr>
+              </a:solidFill>
+            </a:ln>
+          </p:spPr>
+          <p:style>
+            <a:lnRef idx="2">
+              <a:schemeClr val="accent1">
+                <a:shade val="50000"/>
+              </a:schemeClr>
+            </a:lnRef>
+            <a:fillRef idx="1">
+              <a:schemeClr val="accent1"/>
+            </a:fillRef>
+            <a:effectRef idx="0">
+              <a:schemeClr val="accent1"/>
+            </a:effectRef>
+            <a:fontRef idx="minor">
+              <a:schemeClr val="lt1"/>
+            </a:fontRef>
+          </p:style>
+          <p:txBody>
+            <a:bodyPr wrap="none" rtlCol="0" anchor="ctr"/>
+            <a:lstStyle/>
+            <a:p>
+              <a:pPr algn="ctr"/>
+              <a:r>
+                <a:rPr lang="en-US" dirty="0" err="1">
+                  <a:solidFill>
+                    <a:schemeClr val="tx1"/>
+                  </a:solidFill>
+                  <a:latin typeface="Times New Roman" panose="02020603050405020304" pitchFamily="18" charset="0"/>
+                  <a:cs typeface="Times New Roman" panose="02020603050405020304" pitchFamily="18" charset="0"/>
+                </a:rPr>
+                <a:t>Myc</a:t>
+              </a:r>
+              <a:endParaRPr lang="en-US" dirty="0">
+                <a:solidFill>
+                  <a:schemeClr val="tx1"/>
+                </a:solidFill>
+                <a:latin typeface="Times New Roman" panose="02020603050405020304" pitchFamily="18" charset="0"/>
+                <a:cs typeface="Times New Roman" panose="02020603050405020304" pitchFamily="18" charset="0"/>
+              </a:endParaRPr>
+            </a:p>
+          </p:txBody>
+        </p:sp>
+        <p:sp>
+          <p:nvSpPr>
+            <p:cNvPr id="15" name="Oval 14">
+              <a:extLst>
+                <a:ext uri="{FF2B5EF4-FFF2-40B4-BE49-F238E27FC236}">
+                  <a16:creationId xmlns:a16="http://schemas.microsoft.com/office/drawing/2014/main" id="{4D75F8AA-E688-40EB-9805-0C072B8A7C27}"/>
+                </a:ext>
+              </a:extLst>
+            </p:cNvPr>
+            <p:cNvSpPr/>
+            <p:nvPr/>
+          </p:nvSpPr>
+          <p:spPr>
+            <a:xfrm>
+              <a:off x="4399760" y="2418358"/>
+              <a:ext cx="996287" cy="1023582"/>
+            </a:xfrm>
+            <a:prstGeom prst="ellipse">
+              <a:avLst/>
+            </a:prstGeom>
+            <a:solidFill>
+              <a:schemeClr val="accent6">
+                <a:lumMod val="60000"/>
+                <a:lumOff val="40000"/>
+              </a:schemeClr>
+            </a:solidFill>
+            <a:ln>
+              <a:solidFill>
+                <a:schemeClr val="bg1">
+                  <a:lumMod val="65000"/>
+                </a:schemeClr>
+              </a:solidFill>
+            </a:ln>
+          </p:spPr>
+          <p:style>
+            <a:lnRef idx="2">
+              <a:schemeClr val="accent1">
+                <a:shade val="50000"/>
+              </a:schemeClr>
+            </a:lnRef>
+            <a:fillRef idx="1">
+              <a:schemeClr val="accent1"/>
+            </a:fillRef>
+            <a:effectRef idx="0">
+              <a:schemeClr val="accent1"/>
+            </a:effectRef>
+            <a:fontRef idx="minor">
+              <a:schemeClr val="lt1"/>
+            </a:fontRef>
+          </p:style>
+          <p:txBody>
+            <a:bodyPr wrap="none" rtlCol="0" anchor="ctr"/>
+            <a:lstStyle/>
+            <a:p>
+              <a:pPr algn="ctr"/>
+              <a:r>
+                <a:rPr lang="en-US" dirty="0" err="1">
+                  <a:solidFill>
+                    <a:schemeClr val="tx1"/>
+                  </a:solidFill>
+                  <a:latin typeface="Times New Roman" panose="02020603050405020304" pitchFamily="18" charset="0"/>
+                  <a:cs typeface="Times New Roman" panose="02020603050405020304" pitchFamily="18" charset="0"/>
+                </a:rPr>
+                <a:t>Chl</a:t>
+              </a:r>
+              <a:endParaRPr lang="en-US" dirty="0">
+                <a:solidFill>
+                  <a:schemeClr val="tx1"/>
+                </a:solidFill>
+                <a:latin typeface="Times New Roman" panose="02020603050405020304" pitchFamily="18" charset="0"/>
+                <a:cs typeface="Times New Roman" panose="02020603050405020304" pitchFamily="18" charset="0"/>
+              </a:endParaRPr>
+            </a:p>
+          </p:txBody>
+        </p:sp>
+        <p:sp>
+          <p:nvSpPr>
+            <p:cNvPr id="16" name="Oval 15">
+              <a:extLst>
+                <a:ext uri="{FF2B5EF4-FFF2-40B4-BE49-F238E27FC236}">
+                  <a16:creationId xmlns:a16="http://schemas.microsoft.com/office/drawing/2014/main" id="{6CF7586B-6BA6-4EA7-B948-CEEB1C000028}"/>
+                </a:ext>
+              </a:extLst>
+            </p:cNvPr>
+            <p:cNvSpPr/>
+            <p:nvPr/>
+          </p:nvSpPr>
+          <p:spPr>
+            <a:xfrm>
+              <a:off x="6319609" y="2419066"/>
+              <a:ext cx="1028131" cy="1023582"/>
+            </a:xfrm>
+            <a:prstGeom prst="ellipse">
+              <a:avLst/>
+            </a:prstGeom>
+            <a:solidFill>
+              <a:schemeClr val="accent6">
+                <a:lumMod val="60000"/>
+                <a:lumOff val="40000"/>
+              </a:schemeClr>
+            </a:solidFill>
+            <a:ln w="38100">
+              <a:solidFill>
+                <a:schemeClr val="tx1"/>
+              </a:solidFill>
+            </a:ln>
+          </p:spPr>
+          <p:style>
+            <a:lnRef idx="2">
+              <a:schemeClr val="accent1">
+                <a:shade val="50000"/>
+              </a:schemeClr>
+            </a:lnRef>
+            <a:fillRef idx="1">
+              <a:schemeClr val="accent1"/>
+            </a:fillRef>
+            <a:effectRef idx="0">
+              <a:schemeClr val="accent1"/>
+            </a:effectRef>
+            <a:fontRef idx="minor">
+              <a:schemeClr val="lt1"/>
+            </a:fontRef>
+          </p:style>
+          <p:txBody>
+            <a:bodyPr wrap="none" rtlCol="0" anchor="ctr"/>
+            <a:lstStyle/>
+            <a:p>
+              <a:pPr algn="ctr"/>
+              <a:r>
+                <a:rPr lang="en-US" b="1" dirty="0">
+                  <a:solidFill>
+                    <a:schemeClr val="tx1"/>
+                  </a:solidFill>
+                  <a:latin typeface="Times New Roman" panose="02020603050405020304" pitchFamily="18" charset="0"/>
+                  <a:cs typeface="Times New Roman" panose="02020603050405020304" pitchFamily="18" charset="0"/>
+                </a:rPr>
+                <a:t>PCNM</a:t>
+              </a:r>
+            </a:p>
+          </p:txBody>
+        </p:sp>
+        <p:grpSp>
+          <p:nvGrpSpPr>
+            <p:cNvPr id="21" name="Group 20">
+              <a:extLst>
+                <a:ext uri="{FF2B5EF4-FFF2-40B4-BE49-F238E27FC236}">
+                  <a16:creationId xmlns:a16="http://schemas.microsoft.com/office/drawing/2014/main" id="{F754C712-C775-4CCB-A2B6-6D8CD0A73D85}"/>
+                </a:ext>
+              </a:extLst>
+            </p:cNvPr>
+            <p:cNvGrpSpPr/>
+            <p:nvPr/>
+          </p:nvGrpSpPr>
+          <p:grpSpPr>
+            <a:xfrm>
+              <a:off x="3288130" y="5177431"/>
+              <a:ext cx="996287" cy="1023582"/>
+              <a:chOff x="3288130" y="5177431"/>
+              <a:chExt cx="996287" cy="1023582"/>
+            </a:xfrm>
+          </p:grpSpPr>
+          <p:sp>
+            <p:nvSpPr>
+              <p:cNvPr id="18" name="Oval 17">
+                <a:extLst>
+                  <a:ext uri="{FF2B5EF4-FFF2-40B4-BE49-F238E27FC236}">
+                    <a16:creationId xmlns:a16="http://schemas.microsoft.com/office/drawing/2014/main" id="{3BF0C161-BD02-4670-AD72-9D4E97CE99D4}"/>
+                  </a:ext>
+                </a:extLst>
+              </p:cNvPr>
+              <p:cNvSpPr/>
+              <p:nvPr/>
+            </p:nvSpPr>
+            <p:spPr>
+              <a:xfrm>
+                <a:off x="3288130" y="5177431"/>
+                <a:ext cx="996287" cy="1023582"/>
+              </a:xfrm>
+              <a:prstGeom prst="ellipse">
+                <a:avLst/>
+              </a:prstGeom>
+              <a:solidFill>
+                <a:schemeClr val="accent6">
+                  <a:lumMod val="60000"/>
+                  <a:lumOff val="40000"/>
+                </a:schemeClr>
+              </a:solidFill>
+              <a:ln w="38100">
+                <a:solidFill>
+                  <a:schemeClr val="tx1"/>
+                </a:solidFill>
+              </a:ln>
+            </p:spPr>
+            <p:style>
+              <a:lnRef idx="2">
+                <a:schemeClr val="accent1">
+                  <a:shade val="50000"/>
+                </a:schemeClr>
+              </a:lnRef>
+              <a:fillRef idx="1">
+                <a:schemeClr val="accent1"/>
+              </a:fillRef>
+              <a:effectRef idx="0">
+                <a:schemeClr val="accent1"/>
+              </a:effectRef>
+              <a:fontRef idx="minor">
+                <a:schemeClr val="lt1"/>
+              </a:fontRef>
+            </p:style>
+            <p:txBody>
+              <a:bodyPr wrap="none" rtlCol="0" anchor="ctr"/>
+              <a:lstStyle/>
+              <a:p>
+                <a:pPr algn="ctr"/>
+                <a:endParaRPr lang="en-US" dirty="0">
+                  <a:solidFill>
+                    <a:schemeClr val="tx1"/>
+                  </a:solidFill>
+                  <a:latin typeface="Times New Roman" panose="02020603050405020304" pitchFamily="18" charset="0"/>
+                  <a:cs typeface="Times New Roman" panose="02020603050405020304" pitchFamily="18" charset="0"/>
+                </a:endParaRPr>
+              </a:p>
+            </p:txBody>
+          </p:sp>
+          <mc:AlternateContent xmlns:mc="http://schemas.openxmlformats.org/markup-compatibility/2006" xmlns:a14="http://schemas.microsoft.com/office/drawing/2010/main">
+            <mc:Choice Requires="a14">
+              <p:sp>
+                <p:nvSpPr>
+                  <p:cNvPr id="20" name="TextBox 19">
+                    <a:extLst>
+                      <a:ext uri="{FF2B5EF4-FFF2-40B4-BE49-F238E27FC236}">
+                        <a16:creationId xmlns:a16="http://schemas.microsoft.com/office/drawing/2014/main" id="{BC64BCCC-F661-4005-B78C-454D88363C94}"/>
+                      </a:ext>
+                    </a:extLst>
+                  </p:cNvPr>
+                  <p:cNvSpPr txBox="1"/>
+                  <p:nvPr/>
+                </p:nvSpPr>
+                <p:spPr>
+                  <a:xfrm>
+                    <a:off x="3516167" y="5543220"/>
+                    <a:ext cx="540212" cy="292003"/>
+                  </a:xfrm>
+                  <a:prstGeom prst="rect">
+                    <a:avLst/>
+                  </a:prstGeom>
+                  <a:noFill/>
+                  <a:ln w="38100">
+                    <a:noFill/>
+                  </a:ln>
+                </p:spPr>
+                <p:txBody>
+                  <a:bodyPr wrap="none" lIns="0" tIns="0" rIns="0" bIns="0" rtlCol="0">
+                    <a:spAutoFit/>
+                  </a:bodyPr>
+                  <a:lstStyle/>
+                  <a:p>
+                    <a:pPr algn="r"/>
+                    <a14:m>
+                      <m:oMathPara xmlns:m="http://schemas.openxmlformats.org/officeDocument/2006/math">
+                        <m:oMathParaPr>
+                          <m:jc m:val="centerGroup"/>
+                        </m:oMathParaPr>
+                        <m:oMath xmlns:m="http://schemas.openxmlformats.org/officeDocument/2006/math">
+                          <m:acc>
+                            <m:accPr>
+                              <m:chr m:val="̂"/>
+                              <m:ctrlPr>
+                                <a:rPr lang="en-US" b="1" i="1" smtClean="0">
+                                  <a:latin typeface="Cambria Math" panose="02040503050406030204" pitchFamily="18" charset="0"/>
+                                </a:rPr>
+                              </m:ctrlPr>
+                            </m:accPr>
+                            <m:e>
+                              <m:r>
+                                <a:rPr lang="en-US" b="1" i="0" smtClean="0">
+                                  <a:latin typeface="Cambria Math" panose="02040503050406030204" pitchFamily="18" charset="0"/>
+                                </a:rPr>
+                                <m:t>𝐑𝐢𝐬𝐤</m:t>
+                              </m:r>
+                            </m:e>
+                          </m:acc>
+                        </m:oMath>
+                      </m:oMathPara>
+                    </a14:m>
+                    <a:endParaRPr lang="en-US" b="1" dirty="0">
+                      <a:latin typeface="Times New Roman" panose="02020603050405020304" pitchFamily="18" charset="0"/>
+                      <a:cs typeface="Times New Roman" panose="02020603050405020304" pitchFamily="18" charset="0"/>
+                    </a:endParaRPr>
+                  </a:p>
+                </p:txBody>
+              </p:sp>
+            </mc:Choice>
+            <mc:Fallback xmlns="">
+              <p:sp>
+                <p:nvSpPr>
+                  <p:cNvPr id="20" name="TextBox 19">
+                    <a:extLst>
+                      <a:ext uri="{FF2B5EF4-FFF2-40B4-BE49-F238E27FC236}">
+                        <a16:creationId xmlns:a16="http://schemas.microsoft.com/office/drawing/2014/main" id="{BC64BCCC-F661-4005-B78C-454D88363C94}"/>
+                      </a:ext>
+                    </a:extLst>
+                  </p:cNvPr>
+                  <p:cNvSpPr txBox="1">
+                    <a:spLocks noRot="1" noChangeAspect="1" noMove="1" noResize="1" noEditPoints="1" noAdjustHandles="1" noChangeArrowheads="1" noChangeShapeType="1" noTextEdit="1"/>
+                  </p:cNvSpPr>
+                  <p:nvPr/>
+                </p:nvSpPr>
+                <p:spPr>
+                  <a:xfrm>
+                    <a:off x="3516167" y="5543220"/>
+                    <a:ext cx="540212" cy="292003"/>
+                  </a:xfrm>
+                  <a:prstGeom prst="rect">
+                    <a:avLst/>
+                  </a:prstGeom>
+                  <a:blipFill>
+                    <a:blip r:embed="rId2"/>
+                    <a:stretch>
+                      <a:fillRect l="-11364" t="-14583" r="-23864" b="-12500"/>
+                    </a:stretch>
+                  </a:blipFill>
+                  <a:ln w="38100">
                     <a:noFill/>
                   </a:ln>
                 </p:spPr>
@@ -8759,7 +11095,7 @@
                             <m:accPr>
                               <m:chr m:val="̂"/>
                               <m:ctrlPr>
-                                <a:rPr lang="en-US" b="1" smtClean="0">
+                                <a:rPr lang="en-US" i="1" smtClean="0">
                                   <a:latin typeface="Cambria Math" panose="02040503050406030204" pitchFamily="18" charset="0"/>
                                 </a:rPr>
                               </m:ctrlPr>
@@ -8776,7 +11112,7 @@
                         </m:oMath>
                       </m:oMathPara>
                     </a14:m>
-                    <a:endParaRPr lang="en-US" b="1" dirty="0">
+                    <a:endParaRPr lang="en-US" dirty="0">
                       <a:latin typeface="Times New Roman" panose="02020603050405020304" pitchFamily="18" charset="0"/>
                       <a:cs typeface="Times New Roman" panose="02020603050405020304" pitchFamily="18" charset="0"/>
                     </a:endParaRPr>
@@ -8856,9 +11192,11 @@
             <a:prstGeom prst="line">
               <a:avLst/>
             </a:prstGeom>
-            <a:ln w="38100">
-              <a:solidFill>
-                <a:schemeClr val="tx1"/>
+            <a:ln>
+              <a:solidFill>
+                <a:schemeClr val="bg1">
+                  <a:lumMod val="65000"/>
+                </a:schemeClr>
               </a:solidFill>
             </a:ln>
           </p:spPr>
@@ -8901,9 +11239,11 @@
             <a:prstGeom prst="line">
               <a:avLst/>
             </a:prstGeom>
-            <a:ln w="38100">
-              <a:solidFill>
-                <a:schemeClr val="tx1"/>
+            <a:ln>
+              <a:solidFill>
+                <a:schemeClr val="bg1">
+                  <a:lumMod val="65000"/>
+                </a:schemeClr>
               </a:solidFill>
               <a:tailEnd type="stealth" w="lg" len="lg"/>
             </a:ln>
@@ -8934,23 +11274,26 @@
             </p:cNvPr>
             <p:cNvCxnSpPr>
               <a:cxnSpLocks/>
+              <a:stCxn id="14" idx="6"/>
               <a:endCxn id="15" idx="2"/>
             </p:cNvCxnSpPr>
             <p:nvPr/>
           </p:nvCxnSpPr>
           <p:spPr>
             <a:xfrm>
-              <a:off x="3769815" y="2930149"/>
-              <a:ext cx="629945" cy="0"/>
+              <a:off x="3148842" y="2930149"/>
+              <a:ext cx="1250918" cy="0"/>
             </a:xfrm>
             <a:prstGeom prst="line">
               <a:avLst/>
             </a:prstGeom>
-            <a:ln w="38100">
-              <a:solidFill>
-                <a:schemeClr val="tx1"/>
-              </a:solidFill>
-              <a:headEnd type="none" w="lg" len="lg"/>
+            <a:ln>
+              <a:solidFill>
+                <a:schemeClr val="bg1">
+                  <a:lumMod val="65000"/>
+                </a:schemeClr>
+              </a:solidFill>
+              <a:headEnd type="stealth" w="lg" len="lg"/>
               <a:tailEnd type="stealth" w="lg" len="lg"/>
             </a:ln>
           </p:spPr>
@@ -9087,11 +11430,9 @@
             <a:prstGeom prst="line">
               <a:avLst/>
             </a:prstGeom>
-            <a:ln>
-              <a:solidFill>
-                <a:schemeClr val="bg1">
-                  <a:lumMod val="65000"/>
-                </a:schemeClr>
+            <a:ln w="38100">
+              <a:solidFill>
+                <a:schemeClr val="tx1"/>
               </a:solidFill>
               <a:tailEnd type="stealth" w="lg" len="lg"/>
             </a:ln>
@@ -9122,15 +11463,14 @@
             </p:cNvPr>
             <p:cNvCxnSpPr>
               <a:cxnSpLocks/>
-              <a:stCxn id="15" idx="6"/>
               <a:endCxn id="16" idx="2"/>
             </p:cNvCxnSpPr>
             <p:nvPr/>
           </p:nvCxnSpPr>
           <p:spPr>
             <a:xfrm>
-              <a:off x="5396047" y="2930149"/>
-              <a:ext cx="923562" cy="708"/>
+              <a:off x="5895801" y="2930857"/>
+              <a:ext cx="423808" cy="0"/>
             </a:xfrm>
             <a:prstGeom prst="line">
               <a:avLst/>
@@ -9270,60 +11610,11 @@
             <a:prstGeom prst="line">
               <a:avLst/>
             </a:prstGeom>
-            <a:ln>
-              <a:solidFill>
-                <a:schemeClr val="bg1">
-                  <a:lumMod val="65000"/>
-                </a:schemeClr>
+            <a:ln w="38100">
+              <a:solidFill>
+                <a:schemeClr val="tx1"/>
               </a:solidFill>
               <a:tailEnd type="stealth" w="lg" len="lg"/>
-            </a:ln>
-          </p:spPr>
-          <p:style>
-            <a:lnRef idx="1">
-              <a:schemeClr val="accent1"/>
-            </a:lnRef>
-            <a:fillRef idx="0">
-              <a:schemeClr val="accent1"/>
-            </a:fillRef>
-            <a:effectRef idx="0">
-              <a:schemeClr val="accent1"/>
-            </a:effectRef>
-            <a:fontRef idx="minor">
-              <a:schemeClr val="tx1"/>
-            </a:fontRef>
-          </p:style>
-        </p:cxnSp>
-        <p:cxnSp>
-          <p:nvCxnSpPr>
-            <p:cNvPr id="113" name="Connector: Elbow 112">
-              <a:extLst>
-                <a:ext uri="{FF2B5EF4-FFF2-40B4-BE49-F238E27FC236}">
-                  <a16:creationId xmlns:a16="http://schemas.microsoft.com/office/drawing/2014/main" id="{4F4B3100-BCE9-4270-9A56-4FF131EE5D56}"/>
-                </a:ext>
-              </a:extLst>
-            </p:cNvPr>
-            <p:cNvCxnSpPr>
-              <a:cxnSpLocks/>
-              <a:stCxn id="18" idx="6"/>
-            </p:cNvCxnSpPr>
-            <p:nvPr/>
-          </p:nvCxnSpPr>
-          <p:spPr>
-            <a:xfrm flipV="1">
-              <a:off x="4284417" y="3616310"/>
-              <a:ext cx="608867" cy="2072912"/>
-            </a:xfrm>
-            <a:prstGeom prst="bentConnector2">
-              <a:avLst/>
-            </a:prstGeom>
-            <a:ln>
-              <a:solidFill>
-                <a:schemeClr val="bg1">
-                  <a:lumMod val="65000"/>
-                </a:schemeClr>
-              </a:solidFill>
-              <a:tailEnd type="none" w="lg" len="lg"/>
             </a:ln>
           </p:spPr>
           <p:style>
@@ -9367,11 +11658,9 @@
                 <a:lumOff val="40000"/>
               </a:schemeClr>
             </a:solidFill>
-            <a:ln>
-              <a:solidFill>
-                <a:schemeClr val="bg1">
-                  <a:lumMod val="65000"/>
-                </a:schemeClr>
+            <a:ln w="38100">
+              <a:solidFill>
+                <a:schemeClr val="tx1"/>
               </a:solidFill>
             </a:ln>
           </p:spPr>
@@ -9514,11 +11803,9 @@
             <a:prstGeom prst="line">
               <a:avLst/>
             </a:prstGeom>
-            <a:ln>
-              <a:solidFill>
-                <a:schemeClr val="bg1">
-                  <a:lumMod val="65000"/>
-                </a:schemeClr>
+            <a:ln w="38100">
+              <a:solidFill>
+                <a:schemeClr val="tx1"/>
               </a:solidFill>
               <a:tailEnd type="stealth" w="lg" len="lg"/>
             </a:ln>
@@ -9891,8 +12178,8 @@
               </a:p>
             </p:txBody>
           </p:sp>
-          <mc:AlternateContent xmlns:mc="http://schemas.openxmlformats.org/markup-compatibility/2006">
-            <mc:Choice xmlns:a14="http://schemas.microsoft.com/office/drawing/2010/main" Requires="a14">
+          <mc:AlternateContent xmlns:mc="http://schemas.openxmlformats.org/markup-compatibility/2006" xmlns:a14="http://schemas.microsoft.com/office/drawing/2010/main">
+            <mc:Choice Requires="a14">
               <p:sp>
                 <p:nvSpPr>
                   <p:cNvPr id="162" name="TextBox 161">
@@ -9935,7 +12222,7 @@
                             <m:accPr>
                               <m:chr m:val="̂"/>
                               <m:ctrlPr>
-                                <a:rPr lang="en-US" smtClean="0">
+                                <a:rPr lang="en-US" i="1" smtClean="0">
                                   <a:latin typeface="Cambria Math" panose="02040503050406030204" pitchFamily="18" charset="0"/>
                                 </a:rPr>
                               </m:ctrlPr>
@@ -9963,2292 +12250,7 @@
                 </p:txBody>
               </p:sp>
             </mc:Choice>
-            <mc:Fallback>
-              <p:sp>
-                <p:nvSpPr>
-                  <p:cNvPr id="162" name="TextBox 161">
-                    <a:extLst>
-                      <a:ext uri="{FF2B5EF4-FFF2-40B4-BE49-F238E27FC236}">
-                        <a16:creationId xmlns:a16="http://schemas.microsoft.com/office/drawing/2014/main" id="{E5420EB9-4958-4EB2-BA48-EA243921C04A}"/>
-                      </a:ext>
-                    </a:extLst>
-                  </p:cNvPr>
-                  <p:cNvSpPr txBox="1">
-                    <a:spLocks noRot="1" noChangeAspect="1" noMove="1" noResize="1" noEditPoints="1" noAdjustHandles="1" noChangeArrowheads="1" noChangeShapeType="1" noTextEdit="1"/>
-                  </p:cNvSpPr>
-                  <p:nvPr/>
-                </p:nvSpPr>
-                <p:spPr>
-                  <a:xfrm>
-                    <a:off x="8324494" y="5543220"/>
-                    <a:ext cx="885212" cy="284437"/>
-                  </a:xfrm>
-                  <a:prstGeom prst="rect">
-                    <a:avLst/>
-                  </a:prstGeom>
-                  <a:blipFill>
-                    <a:blip r:embed="rId4"/>
-                    <a:stretch>
-                      <a:fillRect t="-14894" r="-35172" b="-10638"/>
-                    </a:stretch>
-                  </a:blipFill>
-                  <a:ln>
-                    <a:noFill/>
-                  </a:ln>
-                </p:spPr>
-                <p:txBody>
-                  <a:bodyPr/>
-                  <a:lstStyle/>
-                  <a:p>
-                    <a:r>
-                      <a:rPr lang="en-US">
-                        <a:noFill/>
-                      </a:rPr>
-                      <a:t> </a:t>
-                    </a:r>
-                  </a:p>
-                </p:txBody>
-              </p:sp>
-            </mc:Fallback>
-          </mc:AlternateContent>
-        </p:grpSp>
-        <p:cxnSp>
-          <p:nvCxnSpPr>
-            <p:cNvPr id="168" name="Straight Connector 167">
-              <a:extLst>
-                <a:ext uri="{FF2B5EF4-FFF2-40B4-BE49-F238E27FC236}">
-                  <a16:creationId xmlns:a16="http://schemas.microsoft.com/office/drawing/2014/main" id="{8CF0E04D-749B-4B9E-B81F-103FA5632C0D}"/>
-                </a:ext>
-              </a:extLst>
-            </p:cNvPr>
-            <p:cNvCxnSpPr>
-              <a:cxnSpLocks/>
-            </p:cNvCxnSpPr>
-            <p:nvPr/>
-          </p:nvCxnSpPr>
-          <p:spPr>
-            <a:xfrm>
-              <a:off x="4897902" y="3620094"/>
-              <a:ext cx="1935772" cy="0"/>
-            </a:xfrm>
-            <a:prstGeom prst="line">
-              <a:avLst/>
-            </a:prstGeom>
-            <a:ln>
-              <a:solidFill>
-                <a:schemeClr val="bg1">
-                  <a:lumMod val="65000"/>
-                </a:schemeClr>
-              </a:solidFill>
-            </a:ln>
-          </p:spPr>
-          <p:style>
-            <a:lnRef idx="1">
-              <a:schemeClr val="accent1"/>
-            </a:lnRef>
-            <a:fillRef idx="0">
-              <a:schemeClr val="accent1"/>
-            </a:fillRef>
-            <a:effectRef idx="0">
-              <a:schemeClr val="accent1"/>
-            </a:effectRef>
-            <a:fontRef idx="minor">
-              <a:schemeClr val="tx1"/>
-            </a:fontRef>
-          </p:style>
-        </p:cxnSp>
-        <p:cxnSp>
-          <p:nvCxnSpPr>
-            <p:cNvPr id="171" name="Straight Connector 170">
-              <a:extLst>
-                <a:ext uri="{FF2B5EF4-FFF2-40B4-BE49-F238E27FC236}">
-                  <a16:creationId xmlns:a16="http://schemas.microsoft.com/office/drawing/2014/main" id="{061A834B-A21D-4B4D-A35D-074ABFE50998}"/>
-                </a:ext>
-              </a:extLst>
-            </p:cNvPr>
-            <p:cNvCxnSpPr>
-              <a:cxnSpLocks/>
-              <a:endCxn id="159" idx="1"/>
-            </p:cNvCxnSpPr>
-            <p:nvPr/>
-          </p:nvCxnSpPr>
-          <p:spPr>
-            <a:xfrm>
-              <a:off x="6833674" y="3620094"/>
-              <a:ext cx="1319940" cy="689945"/>
-            </a:xfrm>
-            <a:prstGeom prst="line">
-              <a:avLst/>
-            </a:prstGeom>
-            <a:ln>
-              <a:solidFill>
-                <a:schemeClr val="bg1">
-                  <a:lumMod val="65000"/>
-                </a:schemeClr>
-              </a:solidFill>
-              <a:tailEnd type="stealth" w="lg" len="lg"/>
-            </a:ln>
-          </p:spPr>
-          <p:style>
-            <a:lnRef idx="1">
-              <a:schemeClr val="accent1"/>
-            </a:lnRef>
-            <a:fillRef idx="0">
-              <a:schemeClr val="accent1"/>
-            </a:fillRef>
-            <a:effectRef idx="0">
-              <a:schemeClr val="accent1"/>
-            </a:effectRef>
-            <a:fontRef idx="minor">
-              <a:schemeClr val="tx1"/>
-            </a:fontRef>
-          </p:style>
-        </p:cxnSp>
-      </p:grpSp>
-    </p:spTree>
-    <p:extLst>
-      <p:ext uri="{BB962C8B-B14F-4D97-AF65-F5344CB8AC3E}">
-        <p14:creationId xmlns:p14="http://schemas.microsoft.com/office/powerpoint/2010/main" val="3088925297"/>
-      </p:ext>
-    </p:extLst>
-  </p:cSld>
-  <p:clrMapOvr>
-    <a:masterClrMapping/>
-  </p:clrMapOvr>
-</p:sld>
-</file>
-
-<file path=ppt/slides/slide4.xml><?xml version="1.0" encoding="utf-8"?>
-<p:sld xmlns:a="http://schemas.openxmlformats.org/drawingml/2006/main" xmlns:r="http://schemas.openxmlformats.org/officeDocument/2006/relationships" xmlns:p="http://schemas.openxmlformats.org/presentationml/2006/main">
-  <p:cSld>
-    <p:spTree>
-      <p:nvGrpSpPr>
-        <p:cNvPr id="1" name=""/>
-        <p:cNvGrpSpPr/>
-        <p:nvPr/>
-      </p:nvGrpSpPr>
-      <p:grpSpPr>
-        <a:xfrm>
-          <a:off x="0" y="0"/>
-          <a:ext cx="0" cy="0"/>
-          <a:chOff x="0" y="0"/>
-          <a:chExt cx="0" cy="0"/>
-        </a:xfrm>
-      </p:grpSpPr>
-      <p:grpSp>
-        <p:nvGrpSpPr>
-          <p:cNvPr id="7" name="Group 6">
-            <a:extLst>
-              <a:ext uri="{FF2B5EF4-FFF2-40B4-BE49-F238E27FC236}">
-                <a16:creationId xmlns:a16="http://schemas.microsoft.com/office/drawing/2014/main" id="{8C43F644-8ABF-4582-ACB0-C53230D8467B}"/>
-              </a:ext>
-            </a:extLst>
-          </p:cNvPr>
-          <p:cNvGrpSpPr/>
-          <p:nvPr/>
-        </p:nvGrpSpPr>
-        <p:grpSpPr>
-          <a:xfrm>
-            <a:off x="2152555" y="1079879"/>
-            <a:ext cx="7442390" cy="5121134"/>
-            <a:chOff x="2152555" y="1079879"/>
-            <a:chExt cx="7442390" cy="5121134"/>
-          </a:xfrm>
-        </p:grpSpPr>
-        <p:cxnSp>
-          <p:nvCxnSpPr>
-            <p:cNvPr id="113" name="Connector: Elbow 112">
-              <a:extLst>
-                <a:ext uri="{FF2B5EF4-FFF2-40B4-BE49-F238E27FC236}">
-                  <a16:creationId xmlns:a16="http://schemas.microsoft.com/office/drawing/2014/main" id="{4F4B3100-BCE9-4270-9A56-4FF131EE5D56}"/>
-                </a:ext>
-              </a:extLst>
-            </p:cNvPr>
-            <p:cNvCxnSpPr>
-              <a:cxnSpLocks/>
-              <a:stCxn id="18" idx="6"/>
-            </p:cNvCxnSpPr>
-            <p:nvPr/>
-          </p:nvCxnSpPr>
-          <p:spPr>
-            <a:xfrm flipV="1">
-              <a:off x="4284417" y="3616310"/>
-              <a:ext cx="608867" cy="2072912"/>
-            </a:xfrm>
-            <a:prstGeom prst="bentConnector2">
-              <a:avLst/>
-            </a:prstGeom>
-            <a:ln>
-              <a:solidFill>
-                <a:schemeClr val="bg1">
-                  <a:lumMod val="65000"/>
-                </a:schemeClr>
-              </a:solidFill>
-              <a:tailEnd type="none" w="lg" len="lg"/>
-            </a:ln>
-          </p:spPr>
-          <p:style>
-            <a:lnRef idx="1">
-              <a:schemeClr val="accent1"/>
-            </a:lnRef>
-            <a:fillRef idx="0">
-              <a:schemeClr val="accent1"/>
-            </a:fillRef>
-            <a:effectRef idx="0">
-              <a:schemeClr val="accent1"/>
-            </a:effectRef>
-            <a:fontRef idx="minor">
-              <a:schemeClr val="tx1"/>
-            </a:fontRef>
-          </p:style>
-        </p:cxnSp>
-        <p:cxnSp>
-          <p:nvCxnSpPr>
-            <p:cNvPr id="168" name="Straight Connector 167">
-              <a:extLst>
-                <a:ext uri="{FF2B5EF4-FFF2-40B4-BE49-F238E27FC236}">
-                  <a16:creationId xmlns:a16="http://schemas.microsoft.com/office/drawing/2014/main" id="{8CF0E04D-749B-4B9E-B81F-103FA5632C0D}"/>
-                </a:ext>
-              </a:extLst>
-            </p:cNvPr>
-            <p:cNvCxnSpPr>
-              <a:cxnSpLocks/>
-            </p:cNvCxnSpPr>
-            <p:nvPr/>
-          </p:nvCxnSpPr>
-          <p:spPr>
-            <a:xfrm>
-              <a:off x="4897902" y="3620094"/>
-              <a:ext cx="1935772" cy="0"/>
-            </a:xfrm>
-            <a:prstGeom prst="line">
-              <a:avLst/>
-            </a:prstGeom>
-            <a:ln>
-              <a:solidFill>
-                <a:schemeClr val="bg1">
-                  <a:lumMod val="65000"/>
-                </a:schemeClr>
-              </a:solidFill>
-            </a:ln>
-          </p:spPr>
-          <p:style>
-            <a:lnRef idx="1">
-              <a:schemeClr val="accent1"/>
-            </a:lnRef>
-            <a:fillRef idx="0">
-              <a:schemeClr val="accent1"/>
-            </a:fillRef>
-            <a:effectRef idx="0">
-              <a:schemeClr val="accent1"/>
-            </a:effectRef>
-            <a:fontRef idx="minor">
-              <a:schemeClr val="tx1"/>
-            </a:fontRef>
-          </p:style>
-        </p:cxnSp>
-        <p:sp>
-          <p:nvSpPr>
-            <p:cNvPr id="4" name="Rectangle 3">
-              <a:extLst>
-                <a:ext uri="{FF2B5EF4-FFF2-40B4-BE49-F238E27FC236}">
-                  <a16:creationId xmlns:a16="http://schemas.microsoft.com/office/drawing/2014/main" id="{65053684-02D1-4E0A-83E8-018CF3CCA89F}"/>
-                </a:ext>
-              </a:extLst>
-            </p:cNvPr>
-            <p:cNvSpPr/>
-            <p:nvPr/>
-          </p:nvSpPr>
-          <p:spPr>
-            <a:xfrm>
-              <a:off x="2944315" y="1147170"/>
-              <a:ext cx="1651000" cy="889000"/>
-            </a:xfrm>
-            <a:prstGeom prst="rect">
-              <a:avLst/>
-            </a:prstGeom>
-            <a:solidFill>
-              <a:schemeClr val="accent5">
-                <a:lumMod val="60000"/>
-                <a:lumOff val="40000"/>
-              </a:schemeClr>
-            </a:solidFill>
-            <a:ln>
-              <a:solidFill>
-                <a:schemeClr val="bg1">
-                  <a:lumMod val="65000"/>
-                </a:schemeClr>
-              </a:solidFill>
-            </a:ln>
-          </p:spPr>
-          <p:style>
-            <a:lnRef idx="2">
-              <a:schemeClr val="accent1">
-                <a:shade val="50000"/>
-              </a:schemeClr>
-            </a:lnRef>
-            <a:fillRef idx="1">
-              <a:schemeClr val="accent1"/>
-            </a:fillRef>
-            <a:effectRef idx="0">
-              <a:schemeClr val="accent1"/>
-            </a:effectRef>
-            <a:fontRef idx="minor">
-              <a:schemeClr val="lt1"/>
-            </a:fontRef>
-          </p:style>
-          <p:txBody>
-            <a:bodyPr wrap="none" rtlCol="0" anchor="ctr"/>
-            <a:lstStyle/>
-            <a:p>
-              <a:pPr algn="ctr"/>
-              <a:r>
-                <a:rPr lang="en-US" dirty="0">
-                  <a:solidFill>
-                    <a:schemeClr val="tx1"/>
-                  </a:solidFill>
-                  <a:latin typeface="Times New Roman" panose="02020603050405020304" pitchFamily="18" charset="0"/>
-                  <a:cs typeface="Times New Roman" panose="02020603050405020304" pitchFamily="18" charset="0"/>
-                </a:rPr>
-                <a:t>NLA</a:t>
-              </a:r>
-            </a:p>
-          </p:txBody>
-        </p:sp>
-        <p:sp>
-          <p:nvSpPr>
-            <p:cNvPr id="9" name="Oval 8">
-              <a:extLst>
-                <a:ext uri="{FF2B5EF4-FFF2-40B4-BE49-F238E27FC236}">
-                  <a16:creationId xmlns:a16="http://schemas.microsoft.com/office/drawing/2014/main" id="{FE7992FF-18F1-4050-B73B-F8A9729F2E0F}"/>
-                </a:ext>
-              </a:extLst>
-            </p:cNvPr>
-            <p:cNvSpPr/>
-            <p:nvPr/>
-          </p:nvSpPr>
-          <p:spPr>
-            <a:xfrm>
-              <a:off x="6319609" y="1079879"/>
-              <a:ext cx="1028131" cy="1023582"/>
-            </a:xfrm>
-            <a:prstGeom prst="ellipse">
-              <a:avLst/>
-            </a:prstGeom>
-            <a:solidFill>
-              <a:schemeClr val="accent6">
-                <a:lumMod val="60000"/>
-                <a:lumOff val="40000"/>
-              </a:schemeClr>
-            </a:solidFill>
-            <a:ln w="38100">
-              <a:solidFill>
-                <a:schemeClr val="tx1"/>
-              </a:solidFill>
-            </a:ln>
-          </p:spPr>
-          <p:style>
-            <a:lnRef idx="2">
-              <a:schemeClr val="accent1">
-                <a:shade val="50000"/>
-              </a:schemeClr>
-            </a:lnRef>
-            <a:fillRef idx="1">
-              <a:schemeClr val="accent1"/>
-            </a:fillRef>
-            <a:effectRef idx="0">
-              <a:schemeClr val="accent1"/>
-            </a:effectRef>
-            <a:fontRef idx="minor">
-              <a:schemeClr val="lt1"/>
-            </a:fontRef>
-          </p:style>
-          <p:txBody>
-            <a:bodyPr wrap="none" rtlCol="0" anchor="ctr"/>
-            <a:lstStyle/>
-            <a:p>
-              <a:pPr algn="ctr"/>
-              <a:r>
-                <a:rPr lang="en-US" b="1" dirty="0">
-                  <a:solidFill>
-                    <a:schemeClr val="tx1"/>
-                  </a:solidFill>
-                  <a:latin typeface="Times New Roman" panose="02020603050405020304" pitchFamily="18" charset="0"/>
-                  <a:cs typeface="Times New Roman" panose="02020603050405020304" pitchFamily="18" charset="0"/>
-                </a:rPr>
-                <a:t>Lat/Lon</a:t>
-              </a:r>
-            </a:p>
-          </p:txBody>
-        </p:sp>
-        <p:sp>
-          <p:nvSpPr>
-            <p:cNvPr id="10" name="Diamond 9">
-              <a:extLst>
-                <a:ext uri="{FF2B5EF4-FFF2-40B4-BE49-F238E27FC236}">
-                  <a16:creationId xmlns:a16="http://schemas.microsoft.com/office/drawing/2014/main" id="{31B7A722-0AF1-4D77-B0D3-B21AC1CA9009}"/>
-                </a:ext>
-              </a:extLst>
-            </p:cNvPr>
-            <p:cNvSpPr/>
-            <p:nvPr/>
-          </p:nvSpPr>
-          <p:spPr>
-            <a:xfrm>
-              <a:off x="5282315" y="3798249"/>
-              <a:ext cx="1226972" cy="1023581"/>
-            </a:xfrm>
-            <a:prstGeom prst="diamond">
-              <a:avLst/>
-            </a:prstGeom>
-            <a:solidFill>
-              <a:schemeClr val="accent2">
-                <a:lumMod val="60000"/>
-                <a:lumOff val="40000"/>
-              </a:schemeClr>
-            </a:solidFill>
-            <a:ln w="38100">
-              <a:solidFill>
-                <a:schemeClr val="tx1"/>
-              </a:solidFill>
-            </a:ln>
-          </p:spPr>
-          <p:style>
-            <a:lnRef idx="2">
-              <a:schemeClr val="accent1">
-                <a:shade val="50000"/>
-              </a:schemeClr>
-            </a:lnRef>
-            <a:fillRef idx="1">
-              <a:schemeClr val="accent1"/>
-            </a:fillRef>
-            <a:effectRef idx="0">
-              <a:schemeClr val="accent1"/>
-            </a:effectRef>
-            <a:fontRef idx="minor">
-              <a:schemeClr val="lt1"/>
-            </a:fontRef>
-          </p:style>
-          <p:txBody>
-            <a:bodyPr wrap="none" rtlCol="0" anchor="ctr"/>
-            <a:lstStyle/>
-            <a:p>
-              <a:pPr algn="ctr"/>
-              <a:r>
-                <a:rPr lang="en-US" b="1" dirty="0" err="1">
-                  <a:solidFill>
-                    <a:schemeClr val="tx1"/>
-                  </a:solidFill>
-                  <a:latin typeface="Times New Roman" panose="02020603050405020304" pitchFamily="18" charset="0"/>
-                  <a:cs typeface="Times New Roman" panose="02020603050405020304" pitchFamily="18" charset="0"/>
-                </a:rPr>
-                <a:t>Chl</a:t>
-              </a:r>
-              <a:endParaRPr lang="en-US" b="1" dirty="0">
-                <a:solidFill>
-                  <a:schemeClr val="tx1"/>
-                </a:solidFill>
-                <a:latin typeface="Times New Roman" panose="02020603050405020304" pitchFamily="18" charset="0"/>
-                <a:cs typeface="Times New Roman" panose="02020603050405020304" pitchFamily="18" charset="0"/>
-              </a:endParaRPr>
-            </a:p>
-            <a:p>
-              <a:pPr algn="ctr"/>
-              <a:r>
-                <a:rPr lang="en-US" b="1" dirty="0">
-                  <a:solidFill>
-                    <a:schemeClr val="tx1"/>
-                  </a:solidFill>
-                  <a:latin typeface="Times New Roman" panose="02020603050405020304" pitchFamily="18" charset="0"/>
-                  <a:cs typeface="Times New Roman" panose="02020603050405020304" pitchFamily="18" charset="0"/>
-                </a:rPr>
-                <a:t>Model</a:t>
-              </a:r>
-            </a:p>
-          </p:txBody>
-        </p:sp>
-        <p:sp>
-          <p:nvSpPr>
-            <p:cNvPr id="13" name="Diamond 12">
-              <a:extLst>
-                <a:ext uri="{FF2B5EF4-FFF2-40B4-BE49-F238E27FC236}">
-                  <a16:creationId xmlns:a16="http://schemas.microsoft.com/office/drawing/2014/main" id="{8CB83055-A4E4-4161-B825-C8BDFCA1BF02}"/>
-                </a:ext>
-              </a:extLst>
-            </p:cNvPr>
-            <p:cNvSpPr/>
-            <p:nvPr/>
-          </p:nvSpPr>
-          <p:spPr>
-            <a:xfrm>
-              <a:off x="3172788" y="3798249"/>
-              <a:ext cx="1226972" cy="1023582"/>
-            </a:xfrm>
-            <a:prstGeom prst="diamond">
-              <a:avLst/>
-            </a:prstGeom>
-            <a:solidFill>
-              <a:schemeClr val="accent2">
-                <a:lumMod val="60000"/>
-                <a:lumOff val="40000"/>
-              </a:schemeClr>
-            </a:solidFill>
-            <a:ln w="38100">
-              <a:solidFill>
-                <a:schemeClr val="tx1"/>
-              </a:solidFill>
-            </a:ln>
-          </p:spPr>
-          <p:style>
-            <a:lnRef idx="2">
-              <a:schemeClr val="accent1">
-                <a:shade val="50000"/>
-              </a:schemeClr>
-            </a:lnRef>
-            <a:fillRef idx="1">
-              <a:schemeClr val="accent1"/>
-            </a:fillRef>
-            <a:effectRef idx="0">
-              <a:schemeClr val="accent1"/>
-            </a:effectRef>
-            <a:fontRef idx="minor">
-              <a:schemeClr val="lt1"/>
-            </a:fontRef>
-          </p:style>
-          <p:txBody>
-            <a:bodyPr wrap="none" rtlCol="0" anchor="ctr"/>
-            <a:lstStyle/>
-            <a:p>
-              <a:pPr algn="ctr"/>
-              <a:r>
-                <a:rPr lang="en-US" b="1" dirty="0">
-                  <a:solidFill>
-                    <a:schemeClr val="tx1"/>
-                  </a:solidFill>
-                  <a:latin typeface="Times New Roman" panose="02020603050405020304" pitchFamily="18" charset="0"/>
-                  <a:cs typeface="Times New Roman" panose="02020603050405020304" pitchFamily="18" charset="0"/>
-                </a:rPr>
-                <a:t>Risk</a:t>
-              </a:r>
-            </a:p>
-            <a:p>
-              <a:pPr algn="ctr"/>
-              <a:r>
-                <a:rPr lang="en-US" b="1" dirty="0">
-                  <a:solidFill>
-                    <a:schemeClr val="tx1"/>
-                  </a:solidFill>
-                  <a:latin typeface="Times New Roman" panose="02020603050405020304" pitchFamily="18" charset="0"/>
-                  <a:cs typeface="Times New Roman" panose="02020603050405020304" pitchFamily="18" charset="0"/>
-                </a:rPr>
-                <a:t>Model</a:t>
-              </a:r>
-            </a:p>
-          </p:txBody>
-        </p:sp>
-        <p:sp>
-          <p:nvSpPr>
-            <p:cNvPr id="14" name="Oval 13">
-              <a:extLst>
-                <a:ext uri="{FF2B5EF4-FFF2-40B4-BE49-F238E27FC236}">
-                  <a16:creationId xmlns:a16="http://schemas.microsoft.com/office/drawing/2014/main" id="{59C6CED7-3A14-4247-B43D-72EA003B480F}"/>
-                </a:ext>
-              </a:extLst>
-            </p:cNvPr>
-            <p:cNvSpPr/>
-            <p:nvPr/>
-          </p:nvSpPr>
-          <p:spPr>
-            <a:xfrm>
-              <a:off x="2152555" y="2418358"/>
-              <a:ext cx="996287" cy="1023582"/>
-            </a:xfrm>
-            <a:prstGeom prst="ellipse">
-              <a:avLst/>
-            </a:prstGeom>
-            <a:solidFill>
-              <a:schemeClr val="accent6">
-                <a:lumMod val="60000"/>
-                <a:lumOff val="40000"/>
-              </a:schemeClr>
-            </a:solidFill>
-            <a:ln>
-              <a:solidFill>
-                <a:schemeClr val="bg1">
-                  <a:lumMod val="65000"/>
-                </a:schemeClr>
-              </a:solidFill>
-            </a:ln>
-          </p:spPr>
-          <p:style>
-            <a:lnRef idx="2">
-              <a:schemeClr val="accent1">
-                <a:shade val="50000"/>
-              </a:schemeClr>
-            </a:lnRef>
-            <a:fillRef idx="1">
-              <a:schemeClr val="accent1"/>
-            </a:fillRef>
-            <a:effectRef idx="0">
-              <a:schemeClr val="accent1"/>
-            </a:effectRef>
-            <a:fontRef idx="minor">
-              <a:schemeClr val="lt1"/>
-            </a:fontRef>
-          </p:style>
-          <p:txBody>
-            <a:bodyPr wrap="none" rtlCol="0" anchor="ctr"/>
-            <a:lstStyle/>
-            <a:p>
-              <a:pPr algn="ctr"/>
-              <a:r>
-                <a:rPr lang="en-US" dirty="0" err="1">
-                  <a:solidFill>
-                    <a:schemeClr val="tx1"/>
-                  </a:solidFill>
-                  <a:latin typeface="Times New Roman" panose="02020603050405020304" pitchFamily="18" charset="0"/>
-                  <a:cs typeface="Times New Roman" panose="02020603050405020304" pitchFamily="18" charset="0"/>
-                </a:rPr>
-                <a:t>Myc</a:t>
-              </a:r>
-              <a:endParaRPr lang="en-US" dirty="0">
-                <a:solidFill>
-                  <a:schemeClr val="tx1"/>
-                </a:solidFill>
-                <a:latin typeface="Times New Roman" panose="02020603050405020304" pitchFamily="18" charset="0"/>
-                <a:cs typeface="Times New Roman" panose="02020603050405020304" pitchFamily="18" charset="0"/>
-              </a:endParaRPr>
-            </a:p>
-          </p:txBody>
-        </p:sp>
-        <p:sp>
-          <p:nvSpPr>
-            <p:cNvPr id="15" name="Oval 14">
-              <a:extLst>
-                <a:ext uri="{FF2B5EF4-FFF2-40B4-BE49-F238E27FC236}">
-                  <a16:creationId xmlns:a16="http://schemas.microsoft.com/office/drawing/2014/main" id="{4D75F8AA-E688-40EB-9805-0C072B8A7C27}"/>
-                </a:ext>
-              </a:extLst>
-            </p:cNvPr>
-            <p:cNvSpPr/>
-            <p:nvPr/>
-          </p:nvSpPr>
-          <p:spPr>
-            <a:xfrm>
-              <a:off x="4399760" y="2418358"/>
-              <a:ext cx="996287" cy="1023582"/>
-            </a:xfrm>
-            <a:prstGeom prst="ellipse">
-              <a:avLst/>
-            </a:prstGeom>
-            <a:solidFill>
-              <a:schemeClr val="accent6">
-                <a:lumMod val="60000"/>
-                <a:lumOff val="40000"/>
-              </a:schemeClr>
-            </a:solidFill>
-            <a:ln>
-              <a:solidFill>
-                <a:schemeClr val="bg1">
-                  <a:lumMod val="65000"/>
-                </a:schemeClr>
-              </a:solidFill>
-            </a:ln>
-          </p:spPr>
-          <p:style>
-            <a:lnRef idx="2">
-              <a:schemeClr val="accent1">
-                <a:shade val="50000"/>
-              </a:schemeClr>
-            </a:lnRef>
-            <a:fillRef idx="1">
-              <a:schemeClr val="accent1"/>
-            </a:fillRef>
-            <a:effectRef idx="0">
-              <a:schemeClr val="accent1"/>
-            </a:effectRef>
-            <a:fontRef idx="minor">
-              <a:schemeClr val="lt1"/>
-            </a:fontRef>
-          </p:style>
-          <p:txBody>
-            <a:bodyPr wrap="none" rtlCol="0" anchor="ctr"/>
-            <a:lstStyle/>
-            <a:p>
-              <a:pPr algn="ctr"/>
-              <a:r>
-                <a:rPr lang="en-US" dirty="0" err="1">
-                  <a:solidFill>
-                    <a:schemeClr val="tx1"/>
-                  </a:solidFill>
-                  <a:latin typeface="Times New Roman" panose="02020603050405020304" pitchFamily="18" charset="0"/>
-                  <a:cs typeface="Times New Roman" panose="02020603050405020304" pitchFamily="18" charset="0"/>
-                </a:rPr>
-                <a:t>Chl</a:t>
-              </a:r>
-              <a:endParaRPr lang="en-US" dirty="0">
-                <a:solidFill>
-                  <a:schemeClr val="tx1"/>
-                </a:solidFill>
-                <a:latin typeface="Times New Roman" panose="02020603050405020304" pitchFamily="18" charset="0"/>
-                <a:cs typeface="Times New Roman" panose="02020603050405020304" pitchFamily="18" charset="0"/>
-              </a:endParaRPr>
-            </a:p>
-          </p:txBody>
-        </p:sp>
-        <p:sp>
-          <p:nvSpPr>
-            <p:cNvPr id="16" name="Oval 15">
-              <a:extLst>
-                <a:ext uri="{FF2B5EF4-FFF2-40B4-BE49-F238E27FC236}">
-                  <a16:creationId xmlns:a16="http://schemas.microsoft.com/office/drawing/2014/main" id="{6CF7586B-6BA6-4EA7-B948-CEEB1C000028}"/>
-                </a:ext>
-              </a:extLst>
-            </p:cNvPr>
-            <p:cNvSpPr/>
-            <p:nvPr/>
-          </p:nvSpPr>
-          <p:spPr>
-            <a:xfrm>
-              <a:off x="6319609" y="2419066"/>
-              <a:ext cx="1028131" cy="1023582"/>
-            </a:xfrm>
-            <a:prstGeom prst="ellipse">
-              <a:avLst/>
-            </a:prstGeom>
-            <a:solidFill>
-              <a:schemeClr val="accent6">
-                <a:lumMod val="60000"/>
-                <a:lumOff val="40000"/>
-              </a:schemeClr>
-            </a:solidFill>
-            <a:ln w="38100">
-              <a:solidFill>
-                <a:schemeClr val="tx1"/>
-              </a:solidFill>
-            </a:ln>
-          </p:spPr>
-          <p:style>
-            <a:lnRef idx="2">
-              <a:schemeClr val="accent1">
-                <a:shade val="50000"/>
-              </a:schemeClr>
-            </a:lnRef>
-            <a:fillRef idx="1">
-              <a:schemeClr val="accent1"/>
-            </a:fillRef>
-            <a:effectRef idx="0">
-              <a:schemeClr val="accent1"/>
-            </a:effectRef>
-            <a:fontRef idx="minor">
-              <a:schemeClr val="lt1"/>
-            </a:fontRef>
-          </p:style>
-          <p:txBody>
-            <a:bodyPr wrap="none" rtlCol="0" anchor="ctr"/>
-            <a:lstStyle/>
-            <a:p>
-              <a:pPr algn="ctr"/>
-              <a:r>
-                <a:rPr lang="en-US" b="1" dirty="0">
-                  <a:solidFill>
-                    <a:schemeClr val="tx1"/>
-                  </a:solidFill>
-                  <a:latin typeface="Times New Roman" panose="02020603050405020304" pitchFamily="18" charset="0"/>
-                  <a:cs typeface="Times New Roman" panose="02020603050405020304" pitchFamily="18" charset="0"/>
-                </a:rPr>
-                <a:t>PCNM</a:t>
-              </a:r>
-            </a:p>
-          </p:txBody>
-        </p:sp>
-        <p:grpSp>
-          <p:nvGrpSpPr>
-            <p:cNvPr id="21" name="Group 20">
-              <a:extLst>
-                <a:ext uri="{FF2B5EF4-FFF2-40B4-BE49-F238E27FC236}">
-                  <a16:creationId xmlns:a16="http://schemas.microsoft.com/office/drawing/2014/main" id="{F754C712-C775-4CCB-A2B6-6D8CD0A73D85}"/>
-                </a:ext>
-              </a:extLst>
-            </p:cNvPr>
-            <p:cNvGrpSpPr/>
-            <p:nvPr/>
-          </p:nvGrpSpPr>
-          <p:grpSpPr>
-            <a:xfrm>
-              <a:off x="3288130" y="5177431"/>
-              <a:ext cx="996287" cy="1023582"/>
-              <a:chOff x="3288130" y="5177431"/>
-              <a:chExt cx="996287" cy="1023582"/>
-            </a:xfrm>
-          </p:grpSpPr>
-          <p:sp>
-            <p:nvSpPr>
-              <p:cNvPr id="18" name="Oval 17">
-                <a:extLst>
-                  <a:ext uri="{FF2B5EF4-FFF2-40B4-BE49-F238E27FC236}">
-                    <a16:creationId xmlns:a16="http://schemas.microsoft.com/office/drawing/2014/main" id="{3BF0C161-BD02-4670-AD72-9D4E97CE99D4}"/>
-                  </a:ext>
-                </a:extLst>
-              </p:cNvPr>
-              <p:cNvSpPr/>
-              <p:nvPr/>
-            </p:nvSpPr>
-            <p:spPr>
-              <a:xfrm>
-                <a:off x="3288130" y="5177431"/>
-                <a:ext cx="996287" cy="1023582"/>
-              </a:xfrm>
-              <a:prstGeom prst="ellipse">
-                <a:avLst/>
-              </a:prstGeom>
-              <a:solidFill>
-                <a:schemeClr val="accent6">
-                  <a:lumMod val="60000"/>
-                  <a:lumOff val="40000"/>
-                </a:schemeClr>
-              </a:solidFill>
-              <a:ln w="38100">
-                <a:solidFill>
-                  <a:schemeClr val="tx1"/>
-                </a:solidFill>
-              </a:ln>
-            </p:spPr>
-            <p:style>
-              <a:lnRef idx="2">
-                <a:schemeClr val="accent1">
-                  <a:shade val="50000"/>
-                </a:schemeClr>
-              </a:lnRef>
-              <a:fillRef idx="1">
-                <a:schemeClr val="accent1"/>
-              </a:fillRef>
-              <a:effectRef idx="0">
-                <a:schemeClr val="accent1"/>
-              </a:effectRef>
-              <a:fontRef idx="minor">
-                <a:schemeClr val="lt1"/>
-              </a:fontRef>
-            </p:style>
-            <p:txBody>
-              <a:bodyPr wrap="none" rtlCol="0" anchor="ctr"/>
-              <a:lstStyle/>
-              <a:p>
-                <a:pPr algn="ctr"/>
-                <a:endParaRPr lang="en-US" dirty="0">
-                  <a:solidFill>
-                    <a:schemeClr val="tx1"/>
-                  </a:solidFill>
-                  <a:latin typeface="Times New Roman" panose="02020603050405020304" pitchFamily="18" charset="0"/>
-                  <a:cs typeface="Times New Roman" panose="02020603050405020304" pitchFamily="18" charset="0"/>
-                </a:endParaRPr>
-              </a:p>
-            </p:txBody>
-          </p:sp>
-          <mc:AlternateContent xmlns:mc="http://schemas.openxmlformats.org/markup-compatibility/2006">
-            <mc:Choice xmlns:a14="http://schemas.microsoft.com/office/drawing/2010/main" Requires="a14">
-              <p:sp>
-                <p:nvSpPr>
-                  <p:cNvPr id="20" name="TextBox 19">
-                    <a:extLst>
-                      <a:ext uri="{FF2B5EF4-FFF2-40B4-BE49-F238E27FC236}">
-                        <a16:creationId xmlns:a16="http://schemas.microsoft.com/office/drawing/2014/main" id="{BC64BCCC-F661-4005-B78C-454D88363C94}"/>
-                      </a:ext>
-                    </a:extLst>
-                  </p:cNvPr>
-                  <p:cNvSpPr txBox="1"/>
-                  <p:nvPr/>
-                </p:nvSpPr>
-                <p:spPr>
-                  <a:xfrm>
-                    <a:off x="3516167" y="5543220"/>
-                    <a:ext cx="540212" cy="292003"/>
-                  </a:xfrm>
-                  <a:prstGeom prst="rect">
-                    <a:avLst/>
-                  </a:prstGeom>
-                  <a:noFill/>
-                  <a:ln w="38100">
-                    <a:noFill/>
-                  </a:ln>
-                </p:spPr>
-                <p:txBody>
-                  <a:bodyPr wrap="none" lIns="0" tIns="0" rIns="0" bIns="0" rtlCol="0">
-                    <a:spAutoFit/>
-                  </a:bodyPr>
-                  <a:lstStyle/>
-                  <a:p>
-                    <a:pPr algn="r"/>
-                    <a14:m>
-                      <m:oMathPara xmlns:m="http://schemas.openxmlformats.org/officeDocument/2006/math">
-                        <m:oMathParaPr>
-                          <m:jc m:val="centerGroup"/>
-                        </m:oMathParaPr>
-                        <m:oMath xmlns:m="http://schemas.openxmlformats.org/officeDocument/2006/math">
-                          <m:acc>
-                            <m:accPr>
-                              <m:chr m:val="̂"/>
-                              <m:ctrlPr>
-                                <a:rPr lang="en-US" b="1" smtClean="0">
-                                  <a:latin typeface="Cambria Math" panose="02040503050406030204" pitchFamily="18" charset="0"/>
-                                </a:rPr>
-                              </m:ctrlPr>
-                            </m:accPr>
-                            <m:e>
-                              <m:r>
-                                <a:rPr lang="en-US" b="1" i="0" smtClean="0">
-                                  <a:latin typeface="Cambria Math" panose="02040503050406030204" pitchFamily="18" charset="0"/>
-                                </a:rPr>
-                                <m:t>𝐑𝐢𝐬𝐤</m:t>
-                              </m:r>
-                            </m:e>
-                          </m:acc>
-                        </m:oMath>
-                      </m:oMathPara>
-                    </a14:m>
-                    <a:endParaRPr lang="en-US" b="1" dirty="0">
-                      <a:latin typeface="Times New Roman" panose="02020603050405020304" pitchFamily="18" charset="0"/>
-                      <a:cs typeface="Times New Roman" panose="02020603050405020304" pitchFamily="18" charset="0"/>
-                    </a:endParaRPr>
-                  </a:p>
-                </p:txBody>
-              </p:sp>
-            </mc:Choice>
-            <mc:Fallback>
-              <p:sp>
-                <p:nvSpPr>
-                  <p:cNvPr id="20" name="TextBox 19">
-                    <a:extLst>
-                      <a:ext uri="{FF2B5EF4-FFF2-40B4-BE49-F238E27FC236}">
-                        <a16:creationId xmlns:a16="http://schemas.microsoft.com/office/drawing/2014/main" id="{BC64BCCC-F661-4005-B78C-454D88363C94}"/>
-                      </a:ext>
-                    </a:extLst>
-                  </p:cNvPr>
-                  <p:cNvSpPr txBox="1">
-                    <a:spLocks noRot="1" noChangeAspect="1" noMove="1" noResize="1" noEditPoints="1" noAdjustHandles="1" noChangeArrowheads="1" noChangeShapeType="1" noTextEdit="1"/>
-                  </p:cNvSpPr>
-                  <p:nvPr/>
-                </p:nvSpPr>
-                <p:spPr>
-                  <a:xfrm>
-                    <a:off x="3516167" y="5543220"/>
-                    <a:ext cx="540212" cy="292003"/>
-                  </a:xfrm>
-                  <a:prstGeom prst="rect">
-                    <a:avLst/>
-                  </a:prstGeom>
-                  <a:blipFill>
-                    <a:blip r:embed="rId2"/>
-                    <a:stretch>
-                      <a:fillRect l="-11364" t="-14583" r="-23864" b="-12500"/>
-                    </a:stretch>
-                  </a:blipFill>
-                  <a:ln w="38100">
-                    <a:noFill/>
-                  </a:ln>
-                </p:spPr>
-                <p:txBody>
-                  <a:bodyPr/>
-                  <a:lstStyle/>
-                  <a:p>
-                    <a:r>
-                      <a:rPr lang="en-US">
-                        <a:noFill/>
-                      </a:rPr>
-                      <a:t> </a:t>
-                    </a:r>
-                  </a:p>
-                </p:txBody>
-              </p:sp>
-            </mc:Fallback>
-          </mc:AlternateContent>
-        </p:grpSp>
-        <p:grpSp>
-          <p:nvGrpSpPr>
-            <p:cNvPr id="89" name="Group 88">
-              <a:extLst>
-                <a:ext uri="{FF2B5EF4-FFF2-40B4-BE49-F238E27FC236}">
-                  <a16:creationId xmlns:a16="http://schemas.microsoft.com/office/drawing/2014/main" id="{26BDF985-F68B-4525-9D0E-F92D49FC6246}"/>
-                </a:ext>
-              </a:extLst>
-            </p:cNvPr>
-            <p:cNvGrpSpPr/>
-            <p:nvPr/>
-          </p:nvGrpSpPr>
-          <p:grpSpPr>
-            <a:xfrm>
-              <a:off x="5397657" y="5177431"/>
-              <a:ext cx="996287" cy="1023582"/>
-              <a:chOff x="5397657" y="5177431"/>
-              <a:chExt cx="996287" cy="1023582"/>
-            </a:xfrm>
-          </p:grpSpPr>
-          <p:sp>
-            <p:nvSpPr>
-              <p:cNvPr id="11" name="Oval 10">
-                <a:extLst>
-                  <a:ext uri="{FF2B5EF4-FFF2-40B4-BE49-F238E27FC236}">
-                    <a16:creationId xmlns:a16="http://schemas.microsoft.com/office/drawing/2014/main" id="{72BF1ADA-C42E-4C51-953A-E6E4ACF9F406}"/>
-                  </a:ext>
-                </a:extLst>
-              </p:cNvPr>
-              <p:cNvSpPr/>
-              <p:nvPr/>
-            </p:nvSpPr>
-            <p:spPr>
-              <a:xfrm>
-                <a:off x="5397657" y="5177431"/>
-                <a:ext cx="996287" cy="1023582"/>
-              </a:xfrm>
-              <a:prstGeom prst="ellipse">
-                <a:avLst/>
-              </a:prstGeom>
-              <a:solidFill>
-                <a:schemeClr val="accent6">
-                  <a:lumMod val="60000"/>
-                  <a:lumOff val="40000"/>
-                </a:schemeClr>
-              </a:solidFill>
-              <a:ln w="38100">
-                <a:solidFill>
-                  <a:schemeClr val="tx1"/>
-                </a:solidFill>
-              </a:ln>
-            </p:spPr>
-            <p:style>
-              <a:lnRef idx="2">
-                <a:schemeClr val="accent1">
-                  <a:shade val="50000"/>
-                </a:schemeClr>
-              </a:lnRef>
-              <a:fillRef idx="1">
-                <a:schemeClr val="accent1"/>
-              </a:fillRef>
-              <a:effectRef idx="0">
-                <a:schemeClr val="accent1"/>
-              </a:effectRef>
-              <a:fontRef idx="minor">
-                <a:schemeClr val="lt1"/>
-              </a:fontRef>
-            </p:style>
-            <p:txBody>
-              <a:bodyPr wrap="none" rtlCol="0" anchor="ctr"/>
-              <a:lstStyle/>
-              <a:p>
-                <a:pPr algn="ctr"/>
-                <a:endParaRPr lang="en-US" b="1" dirty="0">
-                  <a:solidFill>
-                    <a:schemeClr val="tx1"/>
-                  </a:solidFill>
-                  <a:latin typeface="Times New Roman" panose="02020603050405020304" pitchFamily="18" charset="0"/>
-                  <a:cs typeface="Times New Roman" panose="02020603050405020304" pitchFamily="18" charset="0"/>
-                </a:endParaRPr>
-              </a:p>
-            </p:txBody>
-          </p:sp>
-          <mc:AlternateContent xmlns:mc="http://schemas.openxmlformats.org/markup-compatibility/2006">
-            <mc:Choice xmlns:a14="http://schemas.microsoft.com/office/drawing/2010/main" Requires="a14">
-              <p:sp>
-                <p:nvSpPr>
-                  <p:cNvPr id="22" name="TextBox 21">
-                    <a:extLst>
-                      <a:ext uri="{FF2B5EF4-FFF2-40B4-BE49-F238E27FC236}">
-                        <a16:creationId xmlns:a16="http://schemas.microsoft.com/office/drawing/2014/main" id="{BF2138BE-A664-4795-A942-50CE27EB1BA6}"/>
-                      </a:ext>
-                    </a:extLst>
-                  </p:cNvPr>
-                  <p:cNvSpPr txBox="1"/>
-                  <p:nvPr/>
-                </p:nvSpPr>
-                <p:spPr>
-                  <a:xfrm>
-                    <a:off x="5733194" y="5543476"/>
-                    <a:ext cx="297916" cy="291747"/>
-                  </a:xfrm>
-                  <a:prstGeom prst="rect">
-                    <a:avLst/>
-                  </a:prstGeom>
-                  <a:noFill/>
-                  <a:ln w="38100">
-                    <a:noFill/>
-                  </a:ln>
-                </p:spPr>
-                <p:txBody>
-                  <a:bodyPr wrap="square" lIns="0" tIns="0" rIns="0" bIns="0" rtlCol="0">
-                    <a:spAutoFit/>
-                  </a:bodyPr>
-                  <a:lstStyle/>
-                  <a:p>
-                    <a:pPr algn="r"/>
-                    <a14:m>
-                      <m:oMathPara xmlns:m="http://schemas.openxmlformats.org/officeDocument/2006/math">
-                        <m:oMathParaPr>
-                          <m:jc m:val="centerGroup"/>
-                        </m:oMathParaPr>
-                        <m:oMath xmlns:m="http://schemas.openxmlformats.org/officeDocument/2006/math">
-                          <m:acc>
-                            <m:accPr>
-                              <m:chr m:val="̂"/>
-                              <m:ctrlPr>
-                                <a:rPr lang="en-US" smtClean="0">
-                                  <a:latin typeface="Cambria Math" panose="02040503050406030204" pitchFamily="18" charset="0"/>
-                                </a:rPr>
-                              </m:ctrlPr>
-                            </m:accPr>
-                            <m:e>
-                              <m:r>
-                                <m:rPr>
-                                  <m:sty m:val="p"/>
-                                </m:rPr>
-                                <a:rPr lang="en-US" b="0" i="0" smtClean="0">
-                                  <a:latin typeface="Cambria Math" panose="02040503050406030204" pitchFamily="18" charset="0"/>
-                                </a:rPr>
-                                <m:t>Chl</m:t>
-                              </m:r>
-                            </m:e>
-                          </m:acc>
-                        </m:oMath>
-                      </m:oMathPara>
-                    </a14:m>
-                    <a:endParaRPr lang="en-US" dirty="0">
-                      <a:latin typeface="Times New Roman" panose="02020603050405020304" pitchFamily="18" charset="0"/>
-                      <a:cs typeface="Times New Roman" panose="02020603050405020304" pitchFamily="18" charset="0"/>
-                    </a:endParaRPr>
-                  </a:p>
-                </p:txBody>
-              </p:sp>
-            </mc:Choice>
-            <mc:Fallback>
-              <p:sp>
-                <p:nvSpPr>
-                  <p:cNvPr id="22" name="TextBox 21">
-                    <a:extLst>
-                      <a:ext uri="{FF2B5EF4-FFF2-40B4-BE49-F238E27FC236}">
-                        <a16:creationId xmlns:a16="http://schemas.microsoft.com/office/drawing/2014/main" id="{BF2138BE-A664-4795-A942-50CE27EB1BA6}"/>
-                      </a:ext>
-                    </a:extLst>
-                  </p:cNvPr>
-                  <p:cNvSpPr txBox="1">
-                    <a:spLocks noRot="1" noChangeAspect="1" noMove="1" noResize="1" noEditPoints="1" noAdjustHandles="1" noChangeArrowheads="1" noChangeShapeType="1" noTextEdit="1"/>
-                  </p:cNvSpPr>
-                  <p:nvPr/>
-                </p:nvSpPr>
-                <p:spPr>
-                  <a:xfrm>
-                    <a:off x="5733194" y="5543476"/>
-                    <a:ext cx="297916" cy="291747"/>
-                  </a:xfrm>
-                  <a:prstGeom prst="rect">
-                    <a:avLst/>
-                  </a:prstGeom>
-                  <a:blipFill>
-                    <a:blip r:embed="rId3"/>
-                    <a:stretch>
-                      <a:fillRect l="-28571" t="-14583" r="-38776" b="-10417"/>
-                    </a:stretch>
-                  </a:blipFill>
-                  <a:ln w="38100">
-                    <a:noFill/>
-                  </a:ln>
-                </p:spPr>
-                <p:txBody>
-                  <a:bodyPr/>
-                  <a:lstStyle/>
-                  <a:p>
-                    <a:r>
-                      <a:rPr lang="en-US">
-                        <a:noFill/>
-                      </a:rPr>
-                      <a:t> </a:t>
-                    </a:r>
-                  </a:p>
-                </p:txBody>
-              </p:sp>
-            </mc:Fallback>
-          </mc:AlternateContent>
-        </p:grpSp>
-        <p:cxnSp>
-          <p:nvCxnSpPr>
-            <p:cNvPr id="27" name="Straight Connector 26">
-              <a:extLst>
-                <a:ext uri="{FF2B5EF4-FFF2-40B4-BE49-F238E27FC236}">
-                  <a16:creationId xmlns:a16="http://schemas.microsoft.com/office/drawing/2014/main" id="{687E7B1E-D818-46C2-A185-8C6EF87A86BB}"/>
-                </a:ext>
-              </a:extLst>
-            </p:cNvPr>
-            <p:cNvCxnSpPr>
-              <a:cxnSpLocks/>
-              <a:stCxn id="4" idx="2"/>
-            </p:cNvCxnSpPr>
-            <p:nvPr/>
-          </p:nvCxnSpPr>
-          <p:spPr>
-            <a:xfrm>
-              <a:off x="3769815" y="2036170"/>
-              <a:ext cx="774" cy="893979"/>
-            </a:xfrm>
-            <a:prstGeom prst="line">
-              <a:avLst/>
-            </a:prstGeom>
-            <a:ln>
-              <a:solidFill>
-                <a:schemeClr val="bg1">
-                  <a:lumMod val="65000"/>
-                </a:schemeClr>
-              </a:solidFill>
-            </a:ln>
-          </p:spPr>
-          <p:style>
-            <a:lnRef idx="1">
-              <a:schemeClr val="accent1"/>
-            </a:lnRef>
-            <a:fillRef idx="0">
-              <a:schemeClr val="accent1"/>
-            </a:fillRef>
-            <a:effectRef idx="0">
-              <a:schemeClr val="accent1"/>
-            </a:effectRef>
-            <a:fontRef idx="minor">
-              <a:schemeClr val="tx1"/>
-            </a:fontRef>
-          </p:style>
-        </p:cxnSp>
-        <p:cxnSp>
-          <p:nvCxnSpPr>
-            <p:cNvPr id="28" name="Straight Connector 27">
-              <a:extLst>
-                <a:ext uri="{FF2B5EF4-FFF2-40B4-BE49-F238E27FC236}">
-                  <a16:creationId xmlns:a16="http://schemas.microsoft.com/office/drawing/2014/main" id="{622949D1-D980-40EE-8257-D498EABC1A11}"/>
-                </a:ext>
-              </a:extLst>
-            </p:cNvPr>
-            <p:cNvCxnSpPr>
-              <a:cxnSpLocks/>
-              <a:stCxn id="4" idx="3"/>
-              <a:endCxn id="9" idx="2"/>
-            </p:cNvCxnSpPr>
-            <p:nvPr/>
-          </p:nvCxnSpPr>
-          <p:spPr>
-            <a:xfrm>
-              <a:off x="4595315" y="1591670"/>
-              <a:ext cx="1724294" cy="0"/>
-            </a:xfrm>
-            <a:prstGeom prst="line">
-              <a:avLst/>
-            </a:prstGeom>
-            <a:ln>
-              <a:solidFill>
-                <a:schemeClr val="bg1">
-                  <a:lumMod val="65000"/>
-                </a:schemeClr>
-              </a:solidFill>
-              <a:tailEnd type="stealth" w="lg" len="lg"/>
-            </a:ln>
-          </p:spPr>
-          <p:style>
-            <a:lnRef idx="1">
-              <a:schemeClr val="accent1"/>
-            </a:lnRef>
-            <a:fillRef idx="0">
-              <a:schemeClr val="accent1"/>
-            </a:fillRef>
-            <a:effectRef idx="0">
-              <a:schemeClr val="accent1"/>
-            </a:effectRef>
-            <a:fontRef idx="minor">
-              <a:schemeClr val="tx1"/>
-            </a:fontRef>
-          </p:style>
-        </p:cxnSp>
-        <p:cxnSp>
-          <p:nvCxnSpPr>
-            <p:cNvPr id="37" name="Straight Connector 36">
-              <a:extLst>
-                <a:ext uri="{FF2B5EF4-FFF2-40B4-BE49-F238E27FC236}">
-                  <a16:creationId xmlns:a16="http://schemas.microsoft.com/office/drawing/2014/main" id="{62511E4F-40B4-45CA-AF3C-DAC6C4642895}"/>
-                </a:ext>
-              </a:extLst>
-            </p:cNvPr>
-            <p:cNvCxnSpPr>
-              <a:cxnSpLocks/>
-              <a:stCxn id="14" idx="6"/>
-              <a:endCxn id="15" idx="2"/>
-            </p:cNvCxnSpPr>
-            <p:nvPr/>
-          </p:nvCxnSpPr>
-          <p:spPr>
-            <a:xfrm>
-              <a:off x="3148842" y="2930149"/>
-              <a:ext cx="1250918" cy="0"/>
-            </a:xfrm>
-            <a:prstGeom prst="line">
-              <a:avLst/>
-            </a:prstGeom>
-            <a:ln>
-              <a:solidFill>
-                <a:schemeClr val="bg1">
-                  <a:lumMod val="65000"/>
-                </a:schemeClr>
-              </a:solidFill>
-              <a:headEnd type="stealth" w="lg" len="lg"/>
-              <a:tailEnd type="stealth" w="lg" len="lg"/>
-            </a:ln>
-          </p:spPr>
-          <p:style>
-            <a:lnRef idx="1">
-              <a:schemeClr val="accent1"/>
-            </a:lnRef>
-            <a:fillRef idx="0">
-              <a:schemeClr val="accent1"/>
-            </a:fillRef>
-            <a:effectRef idx="0">
-              <a:schemeClr val="accent1"/>
-            </a:effectRef>
-            <a:fontRef idx="minor">
-              <a:schemeClr val="tx1"/>
-            </a:fontRef>
-          </p:style>
-        </p:cxnSp>
-        <p:cxnSp>
-          <p:nvCxnSpPr>
-            <p:cNvPr id="40" name="Straight Connector 39">
-              <a:extLst>
-                <a:ext uri="{FF2B5EF4-FFF2-40B4-BE49-F238E27FC236}">
-                  <a16:creationId xmlns:a16="http://schemas.microsoft.com/office/drawing/2014/main" id="{D919E765-B978-4DD0-A59F-0FD3938A9D58}"/>
-                </a:ext>
-              </a:extLst>
-            </p:cNvPr>
-            <p:cNvCxnSpPr>
-              <a:cxnSpLocks/>
-              <a:stCxn id="14" idx="5"/>
-              <a:endCxn id="13" idx="0"/>
-            </p:cNvCxnSpPr>
-            <p:nvPr/>
-          </p:nvCxnSpPr>
-          <p:spPr>
-            <a:xfrm>
-              <a:off x="3002939" y="3292040"/>
-              <a:ext cx="783335" cy="506209"/>
-            </a:xfrm>
-            <a:prstGeom prst="line">
-              <a:avLst/>
-            </a:prstGeom>
-            <a:ln>
-              <a:solidFill>
-                <a:schemeClr val="bg1">
-                  <a:lumMod val="65000"/>
-                </a:schemeClr>
-              </a:solidFill>
-            </a:ln>
-          </p:spPr>
-          <p:style>
-            <a:lnRef idx="1">
-              <a:schemeClr val="accent1"/>
-            </a:lnRef>
-            <a:fillRef idx="0">
-              <a:schemeClr val="accent1"/>
-            </a:fillRef>
-            <a:effectRef idx="0">
-              <a:schemeClr val="accent1"/>
-            </a:effectRef>
-            <a:fontRef idx="minor">
-              <a:schemeClr val="tx1"/>
-            </a:fontRef>
-          </p:style>
-        </p:cxnSp>
-        <p:cxnSp>
-          <p:nvCxnSpPr>
-            <p:cNvPr id="43" name="Straight Connector 42">
-              <a:extLst>
-                <a:ext uri="{FF2B5EF4-FFF2-40B4-BE49-F238E27FC236}">
-                  <a16:creationId xmlns:a16="http://schemas.microsoft.com/office/drawing/2014/main" id="{461F3A8F-79F0-43BE-9B5B-B5DAD19A51CE}"/>
-                </a:ext>
-              </a:extLst>
-            </p:cNvPr>
-            <p:cNvCxnSpPr>
-              <a:cxnSpLocks/>
-              <a:stCxn id="15" idx="3"/>
-              <a:endCxn id="13" idx="0"/>
-            </p:cNvCxnSpPr>
-            <p:nvPr/>
-          </p:nvCxnSpPr>
-          <p:spPr>
-            <a:xfrm flipH="1">
-              <a:off x="3786274" y="3292040"/>
-              <a:ext cx="759389" cy="506209"/>
-            </a:xfrm>
-            <a:prstGeom prst="line">
-              <a:avLst/>
-            </a:prstGeom>
-            <a:ln>
-              <a:solidFill>
-                <a:schemeClr val="bg1">
-                  <a:lumMod val="65000"/>
-                </a:schemeClr>
-              </a:solidFill>
-            </a:ln>
-          </p:spPr>
-          <p:style>
-            <a:lnRef idx="1">
-              <a:schemeClr val="accent1"/>
-            </a:lnRef>
-            <a:fillRef idx="0">
-              <a:schemeClr val="accent1"/>
-            </a:fillRef>
-            <a:effectRef idx="0">
-              <a:schemeClr val="accent1"/>
-            </a:effectRef>
-            <a:fontRef idx="minor">
-              <a:schemeClr val="tx1"/>
-            </a:fontRef>
-          </p:style>
-        </p:cxnSp>
-        <p:cxnSp>
-          <p:nvCxnSpPr>
-            <p:cNvPr id="46" name="Straight Connector 45">
-              <a:extLst>
-                <a:ext uri="{FF2B5EF4-FFF2-40B4-BE49-F238E27FC236}">
-                  <a16:creationId xmlns:a16="http://schemas.microsoft.com/office/drawing/2014/main" id="{DF506958-B860-42C1-A48A-3FE1092EA919}"/>
-                </a:ext>
-              </a:extLst>
-            </p:cNvPr>
-            <p:cNvCxnSpPr>
-              <a:cxnSpLocks/>
-              <a:stCxn id="13" idx="2"/>
-              <a:endCxn id="18" idx="0"/>
-            </p:cNvCxnSpPr>
-            <p:nvPr/>
-          </p:nvCxnSpPr>
-          <p:spPr>
-            <a:xfrm>
-              <a:off x="3786274" y="4821831"/>
-              <a:ext cx="0" cy="355600"/>
-            </a:xfrm>
-            <a:prstGeom prst="line">
-              <a:avLst/>
-            </a:prstGeom>
-            <a:ln w="38100">
-              <a:solidFill>
-                <a:schemeClr val="tx1"/>
-              </a:solidFill>
-              <a:tailEnd type="stealth" w="lg" len="lg"/>
-            </a:ln>
-          </p:spPr>
-          <p:style>
-            <a:lnRef idx="1">
-              <a:schemeClr val="accent1"/>
-            </a:lnRef>
-            <a:fillRef idx="0">
-              <a:schemeClr val="accent1"/>
-            </a:fillRef>
-            <a:effectRef idx="0">
-              <a:schemeClr val="accent1"/>
-            </a:effectRef>
-            <a:fontRef idx="minor">
-              <a:schemeClr val="tx1"/>
-            </a:fontRef>
-          </p:style>
-        </p:cxnSp>
-        <p:cxnSp>
-          <p:nvCxnSpPr>
-            <p:cNvPr id="53" name="Straight Connector 52">
-              <a:extLst>
-                <a:ext uri="{FF2B5EF4-FFF2-40B4-BE49-F238E27FC236}">
-                  <a16:creationId xmlns:a16="http://schemas.microsoft.com/office/drawing/2014/main" id="{A7F5E524-DE0D-4A5F-B29E-40EE4F8423FC}"/>
-                </a:ext>
-              </a:extLst>
-            </p:cNvPr>
-            <p:cNvCxnSpPr>
-              <a:cxnSpLocks/>
-              <a:endCxn id="16" idx="2"/>
-            </p:cNvCxnSpPr>
-            <p:nvPr/>
-          </p:nvCxnSpPr>
-          <p:spPr>
-            <a:xfrm>
-              <a:off x="5895801" y="2930857"/>
-              <a:ext cx="423808" cy="0"/>
-            </a:xfrm>
-            <a:prstGeom prst="line">
-              <a:avLst/>
-            </a:prstGeom>
-            <a:ln w="38100">
-              <a:solidFill>
-                <a:schemeClr val="tx1"/>
-              </a:solidFill>
-            </a:ln>
-          </p:spPr>
-          <p:style>
-            <a:lnRef idx="1">
-              <a:schemeClr val="accent1"/>
-            </a:lnRef>
-            <a:fillRef idx="0">
-              <a:schemeClr val="accent1"/>
-            </a:fillRef>
-            <a:effectRef idx="0">
-              <a:schemeClr val="accent1"/>
-            </a:effectRef>
-            <a:fontRef idx="minor">
-              <a:schemeClr val="tx1"/>
-            </a:fontRef>
-          </p:style>
-        </p:cxnSp>
-        <p:cxnSp>
-          <p:nvCxnSpPr>
-            <p:cNvPr id="56" name="Straight Connector 55">
-              <a:extLst>
-                <a:ext uri="{FF2B5EF4-FFF2-40B4-BE49-F238E27FC236}">
-                  <a16:creationId xmlns:a16="http://schemas.microsoft.com/office/drawing/2014/main" id="{0F90FAEF-2C22-4C7C-8F98-B658346ED045}"/>
-                </a:ext>
-              </a:extLst>
-            </p:cNvPr>
-            <p:cNvCxnSpPr>
-              <a:cxnSpLocks/>
-              <a:endCxn id="10" idx="0"/>
-            </p:cNvCxnSpPr>
-            <p:nvPr/>
-          </p:nvCxnSpPr>
-          <p:spPr>
-            <a:xfrm>
-              <a:off x="5895801" y="2930149"/>
-              <a:ext cx="0" cy="868100"/>
-            </a:xfrm>
-            <a:prstGeom prst="line">
-              <a:avLst/>
-            </a:prstGeom>
-            <a:ln w="38100">
-              <a:solidFill>
-                <a:schemeClr val="tx1"/>
-              </a:solidFill>
-            </a:ln>
-          </p:spPr>
-          <p:style>
-            <a:lnRef idx="1">
-              <a:schemeClr val="accent1"/>
-            </a:lnRef>
-            <a:fillRef idx="0">
-              <a:schemeClr val="accent1"/>
-            </a:fillRef>
-            <a:effectRef idx="0">
-              <a:schemeClr val="accent1"/>
-            </a:effectRef>
-            <a:fontRef idx="minor">
-              <a:schemeClr val="tx1"/>
-            </a:fontRef>
-          </p:style>
-        </p:cxnSp>
-        <p:cxnSp>
-          <p:nvCxnSpPr>
-            <p:cNvPr id="70" name="Straight Connector 69">
-              <a:extLst>
-                <a:ext uri="{FF2B5EF4-FFF2-40B4-BE49-F238E27FC236}">
-                  <a16:creationId xmlns:a16="http://schemas.microsoft.com/office/drawing/2014/main" id="{D362097A-891D-4CE1-816B-820D4BA0DB19}"/>
-                </a:ext>
-              </a:extLst>
-            </p:cNvPr>
-            <p:cNvCxnSpPr>
-              <a:cxnSpLocks/>
-              <a:stCxn id="10" idx="2"/>
-              <a:endCxn id="11" idx="0"/>
-            </p:cNvCxnSpPr>
-            <p:nvPr/>
-          </p:nvCxnSpPr>
-          <p:spPr>
-            <a:xfrm>
-              <a:off x="5895801" y="4821830"/>
-              <a:ext cx="0" cy="355601"/>
-            </a:xfrm>
-            <a:prstGeom prst="line">
-              <a:avLst/>
-            </a:prstGeom>
-            <a:ln w="38100">
-              <a:solidFill>
-                <a:schemeClr val="tx1"/>
-              </a:solidFill>
-              <a:tailEnd type="stealth" w="lg" len="lg"/>
-            </a:ln>
-          </p:spPr>
-          <p:style>
-            <a:lnRef idx="1">
-              <a:schemeClr val="accent1"/>
-            </a:lnRef>
-            <a:fillRef idx="0">
-              <a:schemeClr val="accent1"/>
-            </a:fillRef>
-            <a:effectRef idx="0">
-              <a:schemeClr val="accent1"/>
-            </a:effectRef>
-            <a:fontRef idx="minor">
-              <a:schemeClr val="tx1"/>
-            </a:fontRef>
-          </p:style>
-        </p:cxnSp>
-        <p:cxnSp>
-          <p:nvCxnSpPr>
-            <p:cNvPr id="75" name="Straight Connector 74">
-              <a:extLst>
-                <a:ext uri="{FF2B5EF4-FFF2-40B4-BE49-F238E27FC236}">
-                  <a16:creationId xmlns:a16="http://schemas.microsoft.com/office/drawing/2014/main" id="{35D304FD-E684-4B87-B8FA-2408E3965E93}"/>
-                </a:ext>
-              </a:extLst>
-            </p:cNvPr>
-            <p:cNvCxnSpPr>
-              <a:cxnSpLocks/>
-              <a:stCxn id="11" idx="1"/>
-              <a:endCxn id="13" idx="3"/>
-            </p:cNvCxnSpPr>
-            <p:nvPr/>
-          </p:nvCxnSpPr>
-          <p:spPr>
-            <a:xfrm flipH="1" flipV="1">
-              <a:off x="4399760" y="4310040"/>
-              <a:ext cx="1143800" cy="1017291"/>
-            </a:xfrm>
-            <a:prstGeom prst="line">
-              <a:avLst/>
-            </a:prstGeom>
-            <a:ln w="38100">
-              <a:solidFill>
-                <a:schemeClr val="tx1"/>
-              </a:solidFill>
-              <a:tailEnd type="stealth" w="lg" len="lg"/>
-            </a:ln>
-          </p:spPr>
-          <p:style>
-            <a:lnRef idx="1">
-              <a:schemeClr val="accent1"/>
-            </a:lnRef>
-            <a:fillRef idx="0">
-              <a:schemeClr val="accent1"/>
-            </a:fillRef>
-            <a:effectRef idx="0">
-              <a:schemeClr val="accent1"/>
-            </a:effectRef>
-            <a:fontRef idx="minor">
-              <a:schemeClr val="tx1"/>
-            </a:fontRef>
-          </p:style>
-        </p:cxnSp>
-        <p:sp>
-          <p:nvSpPr>
-            <p:cNvPr id="152" name="Rectangle 151">
-              <a:extLst>
-                <a:ext uri="{FF2B5EF4-FFF2-40B4-BE49-F238E27FC236}">
-                  <a16:creationId xmlns:a16="http://schemas.microsoft.com/office/drawing/2014/main" id="{E4489FA5-608F-4DF1-812F-B5B8522A42C5}"/>
-                </a:ext>
-              </a:extLst>
-            </p:cNvPr>
-            <p:cNvSpPr/>
-            <p:nvPr/>
-          </p:nvSpPr>
-          <p:spPr>
-            <a:xfrm>
-              <a:off x="7943945" y="1147170"/>
-              <a:ext cx="1651000" cy="889000"/>
-            </a:xfrm>
-            <a:prstGeom prst="rect">
-              <a:avLst/>
-            </a:prstGeom>
-            <a:solidFill>
-              <a:schemeClr val="accent5">
-                <a:lumMod val="60000"/>
-                <a:lumOff val="40000"/>
-              </a:schemeClr>
-            </a:solidFill>
-            <a:ln w="38100">
-              <a:solidFill>
-                <a:schemeClr val="tx1"/>
-              </a:solidFill>
-            </a:ln>
-          </p:spPr>
-          <p:style>
-            <a:lnRef idx="2">
-              <a:schemeClr val="accent1">
-                <a:shade val="50000"/>
-              </a:schemeClr>
-            </a:lnRef>
-            <a:fillRef idx="1">
-              <a:schemeClr val="accent1"/>
-            </a:fillRef>
-            <a:effectRef idx="0">
-              <a:schemeClr val="accent1"/>
-            </a:effectRef>
-            <a:fontRef idx="minor">
-              <a:schemeClr val="lt1"/>
-            </a:fontRef>
-          </p:style>
-          <p:txBody>
-            <a:bodyPr wrap="none" rtlCol="0" anchor="ctr"/>
-            <a:lstStyle/>
-            <a:p>
-              <a:pPr algn="ctr"/>
-              <a:r>
-                <a:rPr lang="en-US" dirty="0" err="1">
-                  <a:solidFill>
-                    <a:schemeClr val="tx1"/>
-                  </a:solidFill>
-                  <a:latin typeface="Times New Roman" panose="02020603050405020304" pitchFamily="18" charset="0"/>
-                  <a:cs typeface="Times New Roman" panose="02020603050405020304" pitchFamily="18" charset="0"/>
-                </a:rPr>
-                <a:t>LakeCat</a:t>
-              </a:r>
-              <a:endParaRPr lang="en-US" dirty="0">
-                <a:solidFill>
-                  <a:schemeClr val="tx1"/>
-                </a:solidFill>
-                <a:latin typeface="Times New Roman" panose="02020603050405020304" pitchFamily="18" charset="0"/>
-                <a:cs typeface="Times New Roman" panose="02020603050405020304" pitchFamily="18" charset="0"/>
-              </a:endParaRPr>
-            </a:p>
-          </p:txBody>
-        </p:sp>
-        <p:sp>
-          <p:nvSpPr>
-            <p:cNvPr id="153" name="Oval 152">
-              <a:extLst>
-                <a:ext uri="{FF2B5EF4-FFF2-40B4-BE49-F238E27FC236}">
-                  <a16:creationId xmlns:a16="http://schemas.microsoft.com/office/drawing/2014/main" id="{B86308A3-039A-4CB8-852A-F6FCAD65EA24}"/>
-                </a:ext>
-              </a:extLst>
-            </p:cNvPr>
-            <p:cNvSpPr/>
-            <p:nvPr/>
-          </p:nvSpPr>
-          <p:spPr>
-            <a:xfrm>
-              <a:off x="8255379" y="2418358"/>
-              <a:ext cx="1028132" cy="1023583"/>
-            </a:xfrm>
-            <a:prstGeom prst="ellipse">
-              <a:avLst/>
-            </a:prstGeom>
-            <a:solidFill>
-              <a:schemeClr val="accent6">
-                <a:lumMod val="60000"/>
-                <a:lumOff val="40000"/>
-              </a:schemeClr>
-            </a:solidFill>
-            <a:ln>
-              <a:solidFill>
-                <a:schemeClr val="bg1">
-                  <a:lumMod val="65000"/>
-                </a:schemeClr>
-              </a:solidFill>
-            </a:ln>
-          </p:spPr>
-          <p:style>
-            <a:lnRef idx="2">
-              <a:schemeClr val="accent1">
-                <a:shade val="50000"/>
-              </a:schemeClr>
-            </a:lnRef>
-            <a:fillRef idx="1">
-              <a:schemeClr val="accent1"/>
-            </a:fillRef>
-            <a:effectRef idx="0">
-              <a:schemeClr val="accent1"/>
-            </a:effectRef>
-            <a:fontRef idx="minor">
-              <a:schemeClr val="lt1"/>
-            </a:fontRef>
-          </p:style>
-          <p:txBody>
-            <a:bodyPr wrap="none" rtlCol="0" anchor="ctr"/>
-            <a:lstStyle/>
-            <a:p>
-              <a:pPr algn="ctr"/>
-              <a:r>
-                <a:rPr lang="en-US" dirty="0" err="1">
-                  <a:solidFill>
-                    <a:schemeClr val="tx1"/>
-                  </a:solidFill>
-                  <a:latin typeface="Times New Roman" panose="02020603050405020304" pitchFamily="18" charset="0"/>
-                  <a:cs typeface="Times New Roman" panose="02020603050405020304" pitchFamily="18" charset="0"/>
-                </a:rPr>
-                <a:t>Wshed</a:t>
-              </a:r>
-              <a:endParaRPr lang="en-US" dirty="0">
-                <a:solidFill>
-                  <a:schemeClr val="tx1"/>
-                </a:solidFill>
-                <a:latin typeface="Times New Roman" panose="02020603050405020304" pitchFamily="18" charset="0"/>
-                <a:cs typeface="Times New Roman" panose="02020603050405020304" pitchFamily="18" charset="0"/>
-              </a:endParaRPr>
-            </a:p>
-          </p:txBody>
-        </p:sp>
-        <p:cxnSp>
-          <p:nvCxnSpPr>
-            <p:cNvPr id="154" name="Straight Connector 153">
-              <a:extLst>
-                <a:ext uri="{FF2B5EF4-FFF2-40B4-BE49-F238E27FC236}">
-                  <a16:creationId xmlns:a16="http://schemas.microsoft.com/office/drawing/2014/main" id="{18DDB134-ABAC-4B0C-8787-87174A57F54A}"/>
-                </a:ext>
-              </a:extLst>
-            </p:cNvPr>
-            <p:cNvCxnSpPr>
-              <a:cxnSpLocks/>
-              <a:stCxn id="152" idx="1"/>
-            </p:cNvCxnSpPr>
-            <p:nvPr/>
-          </p:nvCxnSpPr>
-          <p:spPr>
-            <a:xfrm flipH="1">
-              <a:off x="7347740" y="1591670"/>
-              <a:ext cx="596205" cy="0"/>
-            </a:xfrm>
-            <a:prstGeom prst="line">
-              <a:avLst/>
-            </a:prstGeom>
-            <a:ln w="38100">
-              <a:solidFill>
-                <a:schemeClr val="tx1"/>
-              </a:solidFill>
-              <a:tailEnd type="stealth" w="lg" len="lg"/>
-            </a:ln>
-          </p:spPr>
-          <p:style>
-            <a:lnRef idx="1">
-              <a:schemeClr val="accent1"/>
-            </a:lnRef>
-            <a:fillRef idx="0">
-              <a:schemeClr val="accent1"/>
-            </a:fillRef>
-            <a:effectRef idx="0">
-              <a:schemeClr val="accent1"/>
-            </a:effectRef>
-            <a:fontRef idx="minor">
-              <a:schemeClr val="tx1"/>
-            </a:fontRef>
-          </p:style>
-        </p:cxnSp>
-        <p:cxnSp>
-          <p:nvCxnSpPr>
-            <p:cNvPr id="155" name="Straight Connector 154">
-              <a:extLst>
-                <a:ext uri="{FF2B5EF4-FFF2-40B4-BE49-F238E27FC236}">
-                  <a16:creationId xmlns:a16="http://schemas.microsoft.com/office/drawing/2014/main" id="{984886D1-2CA9-4FC6-98A6-C3BD0A2757FB}"/>
-                </a:ext>
-              </a:extLst>
-            </p:cNvPr>
-            <p:cNvCxnSpPr>
-              <a:cxnSpLocks/>
-            </p:cNvCxnSpPr>
-            <p:nvPr/>
-          </p:nvCxnSpPr>
-          <p:spPr>
-            <a:xfrm>
-              <a:off x="6833675" y="2103461"/>
-              <a:ext cx="0" cy="315605"/>
-            </a:xfrm>
-            <a:prstGeom prst="line">
-              <a:avLst/>
-            </a:prstGeom>
-            <a:ln w="38100">
-              <a:solidFill>
-                <a:schemeClr val="tx1"/>
-              </a:solidFill>
-              <a:tailEnd type="stealth" w="lg" len="lg"/>
-            </a:ln>
-          </p:spPr>
-          <p:style>
-            <a:lnRef idx="1">
-              <a:schemeClr val="accent1"/>
-            </a:lnRef>
-            <a:fillRef idx="0">
-              <a:schemeClr val="accent1"/>
-            </a:fillRef>
-            <a:effectRef idx="0">
-              <a:schemeClr val="accent1"/>
-            </a:effectRef>
-            <a:fontRef idx="minor">
-              <a:schemeClr val="tx1"/>
-            </a:fontRef>
-          </p:style>
-        </p:cxnSp>
-        <p:cxnSp>
-          <p:nvCxnSpPr>
-            <p:cNvPr id="156" name="Straight Connector 155">
-              <a:extLst>
-                <a:ext uri="{FF2B5EF4-FFF2-40B4-BE49-F238E27FC236}">
-                  <a16:creationId xmlns:a16="http://schemas.microsoft.com/office/drawing/2014/main" id="{D71BAFDD-435C-44CF-B8A0-9F5C96F7E026}"/>
-                </a:ext>
-              </a:extLst>
-            </p:cNvPr>
-            <p:cNvCxnSpPr>
-              <a:cxnSpLocks/>
-              <a:stCxn id="153" idx="4"/>
-              <a:endCxn id="159" idx="0"/>
-            </p:cNvCxnSpPr>
-            <p:nvPr/>
-          </p:nvCxnSpPr>
-          <p:spPr>
-            <a:xfrm flipH="1">
-              <a:off x="8767100" y="3441941"/>
-              <a:ext cx="2345" cy="356307"/>
-            </a:xfrm>
-            <a:prstGeom prst="line">
-              <a:avLst/>
-            </a:prstGeom>
-            <a:ln>
-              <a:solidFill>
-                <a:schemeClr val="bg1">
-                  <a:lumMod val="65000"/>
-                </a:schemeClr>
-              </a:solidFill>
-            </a:ln>
-          </p:spPr>
-          <p:style>
-            <a:lnRef idx="1">
-              <a:schemeClr val="accent1"/>
-            </a:lnRef>
-            <a:fillRef idx="0">
-              <a:schemeClr val="accent1"/>
-            </a:fillRef>
-            <a:effectRef idx="0">
-              <a:schemeClr val="accent1"/>
-            </a:effectRef>
-            <a:fontRef idx="minor">
-              <a:schemeClr val="tx1"/>
-            </a:fontRef>
-          </p:style>
-        </p:cxnSp>
-        <p:cxnSp>
-          <p:nvCxnSpPr>
-            <p:cNvPr id="157" name="Straight Connector 156">
-              <a:extLst>
-                <a:ext uri="{FF2B5EF4-FFF2-40B4-BE49-F238E27FC236}">
-                  <a16:creationId xmlns:a16="http://schemas.microsoft.com/office/drawing/2014/main" id="{DD70639F-79A0-4670-A7FF-2BC5E55BDFA3}"/>
-                </a:ext>
-              </a:extLst>
-            </p:cNvPr>
-            <p:cNvCxnSpPr>
-              <a:cxnSpLocks/>
-              <a:stCxn id="152" idx="2"/>
-              <a:endCxn id="153" idx="0"/>
-            </p:cNvCxnSpPr>
-            <p:nvPr/>
-          </p:nvCxnSpPr>
-          <p:spPr>
-            <a:xfrm>
-              <a:off x="8769445" y="2036170"/>
-              <a:ext cx="0" cy="382188"/>
-            </a:xfrm>
-            <a:prstGeom prst="line">
-              <a:avLst/>
-            </a:prstGeom>
-            <a:ln>
-              <a:solidFill>
-                <a:schemeClr val="bg1">
-                  <a:lumMod val="65000"/>
-                </a:schemeClr>
-              </a:solidFill>
-              <a:tailEnd type="stealth" w="lg" len="lg"/>
-            </a:ln>
-          </p:spPr>
-          <p:style>
-            <a:lnRef idx="1">
-              <a:schemeClr val="accent1"/>
-            </a:lnRef>
-            <a:fillRef idx="0">
-              <a:schemeClr val="accent1"/>
-            </a:fillRef>
-            <a:effectRef idx="0">
-              <a:schemeClr val="accent1"/>
-            </a:effectRef>
-            <a:fontRef idx="minor">
-              <a:schemeClr val="tx1"/>
-            </a:fontRef>
-          </p:style>
-        </p:cxnSp>
-        <p:cxnSp>
-          <p:nvCxnSpPr>
-            <p:cNvPr id="158" name="Straight Connector 157">
-              <a:extLst>
-                <a:ext uri="{FF2B5EF4-FFF2-40B4-BE49-F238E27FC236}">
-                  <a16:creationId xmlns:a16="http://schemas.microsoft.com/office/drawing/2014/main" id="{729F5773-9A4F-4152-8BE4-FE5A72FD692C}"/>
-                </a:ext>
-              </a:extLst>
-            </p:cNvPr>
-            <p:cNvCxnSpPr>
-              <a:cxnSpLocks/>
-              <a:stCxn id="159" idx="2"/>
-              <a:endCxn id="161" idx="0"/>
-            </p:cNvCxnSpPr>
-            <p:nvPr/>
-          </p:nvCxnSpPr>
-          <p:spPr>
-            <a:xfrm>
-              <a:off x="8767100" y="4821830"/>
-              <a:ext cx="4620" cy="355601"/>
-            </a:xfrm>
-            <a:prstGeom prst="line">
-              <a:avLst/>
-            </a:prstGeom>
-            <a:ln>
-              <a:solidFill>
-                <a:schemeClr val="bg1">
-                  <a:lumMod val="65000"/>
-                </a:schemeClr>
-              </a:solidFill>
-              <a:tailEnd type="stealth" w="lg" len="lg"/>
-            </a:ln>
-          </p:spPr>
-          <p:style>
-            <a:lnRef idx="1">
-              <a:schemeClr val="accent1"/>
-            </a:lnRef>
-            <a:fillRef idx="0">
-              <a:schemeClr val="accent1"/>
-            </a:fillRef>
-            <a:effectRef idx="0">
-              <a:schemeClr val="accent1"/>
-            </a:effectRef>
-            <a:fontRef idx="minor">
-              <a:schemeClr val="tx1"/>
-            </a:fontRef>
-          </p:style>
-        </p:cxnSp>
-        <p:sp>
-          <p:nvSpPr>
-            <p:cNvPr id="159" name="Diamond 158">
-              <a:extLst>
-                <a:ext uri="{FF2B5EF4-FFF2-40B4-BE49-F238E27FC236}">
-                  <a16:creationId xmlns:a16="http://schemas.microsoft.com/office/drawing/2014/main" id="{5B36556F-A35C-4153-AEE3-EEAC0A721CDA}"/>
-                </a:ext>
-              </a:extLst>
-            </p:cNvPr>
-            <p:cNvSpPr/>
-            <p:nvPr/>
-          </p:nvSpPr>
-          <p:spPr>
-            <a:xfrm>
-              <a:off x="8153614" y="3798248"/>
-              <a:ext cx="1226972" cy="1023582"/>
-            </a:xfrm>
-            <a:prstGeom prst="diamond">
-              <a:avLst/>
-            </a:prstGeom>
-            <a:solidFill>
-              <a:schemeClr val="accent2">
-                <a:lumMod val="60000"/>
-                <a:lumOff val="40000"/>
-              </a:schemeClr>
-            </a:solidFill>
-            <a:ln>
-              <a:solidFill>
-                <a:schemeClr val="bg1">
-                  <a:lumMod val="65000"/>
-                </a:schemeClr>
-              </a:solidFill>
-            </a:ln>
-          </p:spPr>
-          <p:style>
-            <a:lnRef idx="2">
-              <a:schemeClr val="accent1">
-                <a:shade val="50000"/>
-              </a:schemeClr>
-            </a:lnRef>
-            <a:fillRef idx="1">
-              <a:schemeClr val="accent1"/>
-            </a:fillRef>
-            <a:effectRef idx="0">
-              <a:schemeClr val="accent1"/>
-            </a:effectRef>
-            <a:fontRef idx="minor">
-              <a:schemeClr val="lt1"/>
-            </a:fontRef>
-          </p:style>
-          <p:txBody>
-            <a:bodyPr wrap="none" rtlCol="0" anchor="ctr"/>
-            <a:lstStyle/>
-            <a:p>
-              <a:pPr algn="ctr"/>
-              <a:r>
-                <a:rPr lang="en-US" dirty="0">
-                  <a:solidFill>
-                    <a:schemeClr val="tx1"/>
-                  </a:solidFill>
-                  <a:latin typeface="Times New Roman" panose="02020603050405020304" pitchFamily="18" charset="0"/>
-                  <a:cs typeface="Times New Roman" panose="02020603050405020304" pitchFamily="18" charset="0"/>
-                </a:rPr>
-                <a:t>Factor</a:t>
-              </a:r>
-            </a:p>
-            <a:p>
-              <a:pPr algn="ctr"/>
-              <a:r>
-                <a:rPr lang="en-US" dirty="0">
-                  <a:solidFill>
-                    <a:schemeClr val="tx1"/>
-                  </a:solidFill>
-                  <a:latin typeface="Times New Roman" panose="02020603050405020304" pitchFamily="18" charset="0"/>
-                  <a:cs typeface="Times New Roman" panose="02020603050405020304" pitchFamily="18" charset="0"/>
-                </a:rPr>
-                <a:t>Model</a:t>
-              </a:r>
-            </a:p>
-          </p:txBody>
-        </p:sp>
-        <p:grpSp>
-          <p:nvGrpSpPr>
-            <p:cNvPr id="160" name="Group 159">
-              <a:extLst>
-                <a:ext uri="{FF2B5EF4-FFF2-40B4-BE49-F238E27FC236}">
-                  <a16:creationId xmlns:a16="http://schemas.microsoft.com/office/drawing/2014/main" id="{F1FEC7CF-4F10-4397-956A-0164A3B5E85C}"/>
-                </a:ext>
-              </a:extLst>
-            </p:cNvPr>
-            <p:cNvGrpSpPr/>
-            <p:nvPr/>
-          </p:nvGrpSpPr>
-          <p:grpSpPr>
-            <a:xfrm>
-              <a:off x="8273576" y="5177431"/>
-              <a:ext cx="996287" cy="1023582"/>
-              <a:chOff x="8246280" y="5177431"/>
-              <a:chExt cx="996287" cy="1023582"/>
-            </a:xfrm>
-          </p:grpSpPr>
-          <p:sp>
-            <p:nvSpPr>
-              <p:cNvPr id="161" name="Oval 160">
-                <a:extLst>
-                  <a:ext uri="{FF2B5EF4-FFF2-40B4-BE49-F238E27FC236}">
-                    <a16:creationId xmlns:a16="http://schemas.microsoft.com/office/drawing/2014/main" id="{8BEA005A-86F1-4DC2-AFB7-3A0CFF4B9FFD}"/>
-                  </a:ext>
-                </a:extLst>
-              </p:cNvPr>
-              <p:cNvSpPr/>
-              <p:nvPr/>
-            </p:nvSpPr>
-            <p:spPr>
-              <a:xfrm>
-                <a:off x="8246280" y="5177431"/>
-                <a:ext cx="996287" cy="1023582"/>
-              </a:xfrm>
-              <a:prstGeom prst="ellipse">
-                <a:avLst/>
-              </a:prstGeom>
-              <a:solidFill>
-                <a:schemeClr val="accent6">
-                  <a:lumMod val="60000"/>
-                  <a:lumOff val="40000"/>
-                </a:schemeClr>
-              </a:solidFill>
-              <a:ln>
-                <a:solidFill>
-                  <a:schemeClr val="bg1">
-                    <a:lumMod val="65000"/>
-                  </a:schemeClr>
-                </a:solidFill>
-              </a:ln>
-            </p:spPr>
-            <p:style>
-              <a:lnRef idx="2">
-                <a:schemeClr val="accent1">
-                  <a:shade val="50000"/>
-                </a:schemeClr>
-              </a:lnRef>
-              <a:fillRef idx="1">
-                <a:schemeClr val="accent1"/>
-              </a:fillRef>
-              <a:effectRef idx="0">
-                <a:schemeClr val="accent1"/>
-              </a:effectRef>
-              <a:fontRef idx="minor">
-                <a:schemeClr val="lt1"/>
-              </a:fontRef>
-            </p:style>
-            <p:txBody>
-              <a:bodyPr wrap="none" rtlCol="0" anchor="ctr"/>
-              <a:lstStyle/>
-              <a:p>
-                <a:pPr algn="ctr"/>
-                <a:endParaRPr lang="en-US" dirty="0">
-                  <a:solidFill>
-                    <a:schemeClr val="tx1"/>
-                  </a:solidFill>
-                  <a:latin typeface="Times New Roman" panose="02020603050405020304" pitchFamily="18" charset="0"/>
-                  <a:cs typeface="Times New Roman" panose="02020603050405020304" pitchFamily="18" charset="0"/>
-                </a:endParaRPr>
-              </a:p>
-            </p:txBody>
-          </p:sp>
-          <mc:AlternateContent xmlns:mc="http://schemas.openxmlformats.org/markup-compatibility/2006">
-            <mc:Choice xmlns:a14="http://schemas.microsoft.com/office/drawing/2010/main" Requires="a14">
-              <p:sp>
-                <p:nvSpPr>
-                  <p:cNvPr id="162" name="TextBox 161">
-                    <a:extLst>
-                      <a:ext uri="{FF2B5EF4-FFF2-40B4-BE49-F238E27FC236}">
-                        <a16:creationId xmlns:a16="http://schemas.microsoft.com/office/drawing/2014/main" id="{E5420EB9-4958-4EB2-BA48-EA243921C04A}"/>
-                      </a:ext>
-                    </a:extLst>
-                  </p:cNvPr>
-                  <p:cNvSpPr txBox="1"/>
-                  <p:nvPr/>
-                </p:nvSpPr>
-                <p:spPr>
-                  <a:xfrm>
-                    <a:off x="8324494" y="5543220"/>
-                    <a:ext cx="885212" cy="284437"/>
-                  </a:xfrm>
-                  <a:prstGeom prst="rect">
-                    <a:avLst/>
-                  </a:prstGeom>
-                  <a:noFill/>
-                  <a:ln>
-                    <a:noFill/>
-                  </a:ln>
-                </p:spPr>
-                <p:txBody>
-                  <a:bodyPr wrap="square" lIns="0" tIns="0" rIns="0" bIns="0" rtlCol="0">
-                    <a:spAutoFit/>
-                  </a:bodyPr>
-                  <a:lstStyle/>
-                  <a:p>
-                    <a:pPr algn="r"/>
-                    <a14:m>
-                      <m:oMathPara xmlns:m="http://schemas.openxmlformats.org/officeDocument/2006/math">
-                        <m:oMathParaPr>
-                          <m:jc m:val="centerGroup"/>
-                        </m:oMathParaPr>
-                        <m:oMath xmlns:m="http://schemas.openxmlformats.org/officeDocument/2006/math">
-                          <m:acc>
-                            <m:accPr>
-                              <m:chr m:val="̂"/>
-                              <m:ctrlPr>
-                                <a:rPr lang="en-US" smtClean="0">
-                                  <a:latin typeface="Cambria Math" panose="02040503050406030204" pitchFamily="18" charset="0"/>
-                                </a:rPr>
-                              </m:ctrlPr>
-                            </m:accPr>
-                            <m:e>
-                              <m:r>
-                                <m:rPr>
-                                  <m:sty m:val="p"/>
-                                </m:rPr>
-                                <a:rPr lang="en-US" b="0" i="0" smtClean="0">
-                                  <a:latin typeface="Cambria Math" panose="02040503050406030204" pitchFamily="18" charset="0"/>
-                                </a:rPr>
-                                <m:t>Factors</m:t>
-                              </m:r>
-                            </m:e>
-                          </m:acc>
-                        </m:oMath>
-                      </m:oMathPara>
-                    </a14:m>
-                    <a:endParaRPr lang="en-US" dirty="0">
-                      <a:latin typeface="Times New Roman" panose="02020603050405020304" pitchFamily="18" charset="0"/>
-                      <a:cs typeface="Times New Roman" panose="02020603050405020304" pitchFamily="18" charset="0"/>
-                    </a:endParaRPr>
-                  </a:p>
-                </p:txBody>
-              </p:sp>
-            </mc:Choice>
-            <mc:Fallback>
+            <mc:Fallback xmlns="">
               <p:sp>
                 <p:nvSpPr>
                   <p:cNvPr id="162" name="TextBox 161">
@@ -13047,8 +13049,8 @@
               </a:p>
             </p:txBody>
           </p:sp>
-          <mc:AlternateContent xmlns:mc="http://schemas.openxmlformats.org/markup-compatibility/2006">
-            <mc:Choice xmlns:a14="http://schemas.microsoft.com/office/drawing/2010/main" Requires="a14">
+          <mc:AlternateContent xmlns:mc="http://schemas.openxmlformats.org/markup-compatibility/2006" xmlns:a14="http://schemas.microsoft.com/office/drawing/2010/main">
+            <mc:Choice Requires="a14">
               <p:sp>
                 <p:nvSpPr>
                   <p:cNvPr id="20" name="TextBox 19">
@@ -13091,7 +13093,7 @@
                             <m:accPr>
                               <m:chr m:val="̂"/>
                               <m:ctrlPr>
-                                <a:rPr lang="en-US" b="1" smtClean="0">
+                                <a:rPr lang="en-US" b="1" i="1" smtClean="0">
                                   <a:latin typeface="Cambria Math" panose="02040503050406030204" pitchFamily="18" charset="0"/>
                                 </a:rPr>
                               </m:ctrlPr>
@@ -13116,7 +13118,7 @@
                 </p:txBody>
               </p:sp>
             </mc:Choice>
-            <mc:Fallback>
+            <mc:Fallback xmlns="">
               <p:sp>
                 <p:nvSpPr>
                   <p:cNvPr id="20" name="TextBox 19">
@@ -13250,8 +13252,8 @@
               </a:p>
             </p:txBody>
           </p:sp>
-          <mc:AlternateContent xmlns:mc="http://schemas.openxmlformats.org/markup-compatibility/2006">
-            <mc:Choice xmlns:a14="http://schemas.microsoft.com/office/drawing/2010/main" Requires="a14">
+          <mc:AlternateContent xmlns:mc="http://schemas.openxmlformats.org/markup-compatibility/2006" xmlns:a14="http://schemas.microsoft.com/office/drawing/2010/main">
+            <mc:Choice Requires="a14">
               <p:sp>
                 <p:nvSpPr>
                   <p:cNvPr id="22" name="TextBox 21">
@@ -13294,7 +13296,7 @@
                             <m:accPr>
                               <m:chr m:val="̂"/>
                               <m:ctrlPr>
-                                <a:rPr lang="en-US" smtClean="0">
+                                <a:rPr lang="en-US" i="1" smtClean="0">
                                   <a:latin typeface="Cambria Math" panose="02040503050406030204" pitchFamily="18" charset="0"/>
                                 </a:rPr>
                               </m:ctrlPr>
@@ -13322,7 +13324,7 @@
                 </p:txBody>
               </p:sp>
             </mc:Choice>
-            <mc:Fallback>
+            <mc:Fallback xmlns="">
               <p:sp>
                 <p:nvSpPr>
                   <p:cNvPr id="22" name="TextBox 21">
@@ -14428,8 +14430,8 @@
               </a:p>
             </p:txBody>
           </p:sp>
-          <mc:AlternateContent xmlns:mc="http://schemas.openxmlformats.org/markup-compatibility/2006">
-            <mc:Choice xmlns:a14="http://schemas.microsoft.com/office/drawing/2010/main" Requires="a14">
+          <mc:AlternateContent xmlns:mc="http://schemas.openxmlformats.org/markup-compatibility/2006" xmlns:a14="http://schemas.microsoft.com/office/drawing/2010/main">
+            <mc:Choice Requires="a14">
               <p:sp>
                 <p:nvSpPr>
                   <p:cNvPr id="162" name="TextBox 161">
@@ -14472,7 +14474,7 @@
                             <m:accPr>
                               <m:chr m:val="̂"/>
                               <m:ctrlPr>
-                                <a:rPr lang="en-US" b="1" smtClean="0">
+                                <a:rPr lang="en-US" b="1" i="1" smtClean="0">
                                   <a:latin typeface="Cambria Math" panose="02040503050406030204" pitchFamily="18" charset="0"/>
                                 </a:rPr>
                               </m:ctrlPr>
@@ -14497,7 +14499,7 @@
                 </p:txBody>
               </p:sp>
             </mc:Choice>
-            <mc:Fallback>
+            <mc:Fallback xmlns="">
               <p:sp>
                 <p:nvSpPr>
                   <p:cNvPr id="162" name="TextBox 161">
